--- a/PPT.pptx
+++ b/PPT.pptx
@@ -5,21 +5,24 @@
     <p:sldMasterId id="2147483648" r:id="rId1"/>
   </p:sldMasterIdLst>
   <p:notesMasterIdLst>
-    <p:notesMasterId r:id="rId4"/>
+    <p:notesMasterId r:id="rId17"/>
   </p:notesMasterIdLst>
   <p:sldIdLst>
-    <p:sldId id="256" r:id="rId3"/>
-    <p:sldId id="257" r:id="rId5"/>
-    <p:sldId id="271" r:id="rId6"/>
-    <p:sldId id="258" r:id="rId7"/>
-    <p:sldId id="270" r:id="rId8"/>
-    <p:sldId id="272" r:id="rId9"/>
-    <p:sldId id="264" r:id="rId10"/>
-    <p:sldId id="259" r:id="rId11"/>
-    <p:sldId id="260" r:id="rId12"/>
+    <p:sldId id="256" r:id="rId2"/>
+    <p:sldId id="257" r:id="rId3"/>
+    <p:sldId id="271" r:id="rId4"/>
+    <p:sldId id="258" r:id="rId5"/>
+    <p:sldId id="270" r:id="rId6"/>
+    <p:sldId id="272" r:id="rId7"/>
+    <p:sldId id="264" r:id="rId8"/>
+    <p:sldId id="259" r:id="rId9"/>
+    <p:sldId id="273" r:id="rId10"/>
+    <p:sldId id="260" r:id="rId11"/>
+    <p:sldId id="274" r:id="rId12"/>
     <p:sldId id="261" r:id="rId13"/>
-    <p:sldId id="262" r:id="rId14"/>
-    <p:sldId id="263" r:id="rId15"/>
+    <p:sldId id="275" r:id="rId14"/>
+    <p:sldId id="262" r:id="rId15"/>
+    <p:sldId id="263" r:id="rId16"/>
   </p:sldIdLst>
   <p:sldSz cx="9144000" cy="6858000" type="screen4x3"/>
   <p:notesSz cx="6858000" cy="9144000"/>
@@ -559,7 +562,9 @@
               </a:defRPr>
             </a:lvl9pPr>
           </a:lstStyle>
-          <a:p/>
+          <a:p>
+            <a:endParaRPr/>
+          </a:p>
         </p:txBody>
       </p:sp>
       <p:sp>
@@ -825,7 +830,9 @@
               </a:defRPr>
             </a:lvl9pPr>
           </a:lstStyle>
-          <a:p/>
+          <a:p>
+            <a:endParaRPr/>
+          </a:p>
         </p:txBody>
       </p:sp>
       <p:sp>
@@ -1142,7 +1149,9 @@
               </a:defRPr>
             </a:lvl9pPr>
           </a:lstStyle>
-          <a:p/>
+          <a:p>
+            <a:endParaRPr/>
+          </a:p>
         </p:txBody>
       </p:sp>
       <p:sp>
@@ -1408,7 +1417,9 @@
               </a:defRPr>
             </a:lvl9pPr>
           </a:lstStyle>
-          <a:p/>
+          <a:p>
+            <a:endParaRPr/>
+          </a:p>
         </p:txBody>
       </p:sp>
       <p:sp>
@@ -1467,6 +1478,7 @@
                 <a:cs typeface="Calibri" panose="020F0502020204030204"/>
                 <a:sym typeface="Calibri" panose="020F0502020204030204"/>
               </a:rPr>
+              <a:t>‹#›</a:t>
             </a:fld>
             <a:endParaRPr sz="1200" b="0" i="0" u="none" strike="noStrike" cap="none">
               <a:solidFill>
@@ -1716,7 +1728,7 @@
 </file>
 
 <file path=ppt/notesSlides/notesSlide1.xml><?xml version="1.0" encoding="utf-8"?>
-<p:notes xmlns:a="http://schemas.openxmlformats.org/drawingml/2006/main" xmlns:r="http://schemas.openxmlformats.org/officeDocument/2006/relationships" xmlns:p="http://schemas.openxmlformats.org/presentationml/2006/main" showMasterPhAnim="0" showMasterSp="0">
+<p:notes xmlns:a="http://schemas.openxmlformats.org/drawingml/2006/main" xmlns:r="http://schemas.openxmlformats.org/officeDocument/2006/relationships" xmlns:p="http://schemas.openxmlformats.org/presentationml/2006/main" showMasterSp="0" showMasterPhAnim="0">
   <p:cSld>
     <p:spTree>
       <p:nvGrpSpPr>
@@ -1774,6 +1786,7 @@
               <a:buSzPts val="1400"/>
               <a:buNone/>
             </a:pPr>
+            <a:endParaRPr/>
           </a:p>
         </p:txBody>
       </p:sp>
@@ -1836,8 +1849,397 @@
 </p:notes>
 </file>
 
+<file path=ppt/notesSlides/notesSlide10.xml><?xml version="1.0" encoding="utf-8"?>
+<p:notes xmlns:a="http://schemas.openxmlformats.org/drawingml/2006/main" xmlns:r="http://schemas.openxmlformats.org/officeDocument/2006/relationships" xmlns:p="http://schemas.openxmlformats.org/presentationml/2006/main" showMasterSp="0" showMasterPhAnim="0">
+  <p:cSld>
+    <p:spTree>
+      <p:nvGrpSpPr>
+        <p:cNvPr id="1" name="Shape 80">
+          <a:extLst>
+            <a:ext uri="{FF2B5EF4-FFF2-40B4-BE49-F238E27FC236}">
+              <a16:creationId xmlns:a16="http://schemas.microsoft.com/office/drawing/2014/main" id="{9BD4A2A4-1D84-53AC-D147-7FFE4A4D0CC1}"/>
+            </a:ext>
+          </a:extLst>
+        </p:cNvPr>
+        <p:cNvGrpSpPr/>
+        <p:nvPr/>
+      </p:nvGrpSpPr>
+      <p:grpSpPr>
+        <a:xfrm>
+          <a:off x="0" y="0"/>
+          <a:ext cx="0" cy="0"/>
+          <a:chOff x="0" y="0"/>
+          <a:chExt cx="0" cy="0"/>
+        </a:xfrm>
+      </p:grpSpPr>
+      <p:sp>
+        <p:nvSpPr>
+          <p:cNvPr id="81" name="Google Shape;81;p5:notes">
+            <a:extLst>
+              <a:ext uri="{FF2B5EF4-FFF2-40B4-BE49-F238E27FC236}">
+                <a16:creationId xmlns:a16="http://schemas.microsoft.com/office/drawing/2014/main" id="{91F54AF1-DF11-B532-FEB6-91791A721EF3}"/>
+              </a:ext>
+            </a:extLst>
+          </p:cNvPr>
+          <p:cNvSpPr txBox="1">
+            <a:spLocks noGrp="1"/>
+          </p:cNvSpPr>
+          <p:nvPr>
+            <p:ph type="body" idx="1"/>
+          </p:nvPr>
+        </p:nvSpPr>
+        <p:spPr>
+          <a:xfrm>
+            <a:off x="685800" y="4343400"/>
+            <a:ext cx="5486400" cy="4114800"/>
+          </a:xfrm>
+          <a:prstGeom prst="rect">
+            <a:avLst/>
+          </a:prstGeom>
+          <a:noFill/>
+          <a:ln>
+            <a:noFill/>
+          </a:ln>
+        </p:spPr>
+        <p:txBody>
+          <a:bodyPr spcFirstLastPara="1" wrap="square" lIns="91425" tIns="45700" rIns="91425" bIns="45700" anchor="t" anchorCtr="0">
+            <a:noAutofit/>
+          </a:bodyPr>
+          <a:lstStyle/>
+          <a:p>
+            <a:pPr marL="0" lvl="0" indent="0" algn="l" rtl="0">
+              <a:lnSpc>
+                <a:spcPct val="100000"/>
+              </a:lnSpc>
+              <a:spcBef>
+                <a:spcPts val="360"/>
+              </a:spcBef>
+              <a:spcAft>
+                <a:spcPts val="0"/>
+              </a:spcAft>
+              <a:buSzPts val="1400"/>
+              <a:buNone/>
+            </a:pPr>
+            <a:endParaRPr/>
+          </a:p>
+        </p:txBody>
+      </p:sp>
+      <p:sp>
+        <p:nvSpPr>
+          <p:cNvPr id="82" name="Google Shape;82;p5:notes">
+            <a:extLst>
+              <a:ext uri="{FF2B5EF4-FFF2-40B4-BE49-F238E27FC236}">
+                <a16:creationId xmlns:a16="http://schemas.microsoft.com/office/drawing/2014/main" id="{91B3F7E6-C938-6839-915F-55A94BD80764}"/>
+              </a:ext>
+            </a:extLst>
+          </p:cNvPr>
+          <p:cNvSpPr>
+            <a:spLocks noGrp="1" noRot="1" noChangeAspect="1"/>
+          </p:cNvSpPr>
+          <p:nvPr>
+            <p:ph type="sldImg" idx="2"/>
+          </p:nvPr>
+        </p:nvSpPr>
+        <p:spPr>
+          <a:xfrm>
+            <a:off x="1143000" y="685800"/>
+            <a:ext cx="4572000" cy="3429000"/>
+          </a:xfrm>
+          <a:custGeom>
+            <a:avLst/>
+            <a:gdLst/>
+            <a:ahLst/>
+            <a:cxnLst/>
+            <a:rect l="l" t="t" r="r" b="b"/>
+            <a:pathLst>
+              <a:path w="120000" h="120000" extrusionOk="0">
+                <a:moveTo>
+                  <a:pt x="0" y="0"/>
+                </a:moveTo>
+                <a:lnTo>
+                  <a:pt x="120000" y="0"/>
+                </a:lnTo>
+                <a:lnTo>
+                  <a:pt x="120000" y="120000"/>
+                </a:lnTo>
+                <a:lnTo>
+                  <a:pt x="0" y="120000"/>
+                </a:lnTo>
+                <a:close/>
+              </a:path>
+            </a:pathLst>
+          </a:custGeom>
+          <a:noFill/>
+          <a:ln w="12700" cap="flat" cmpd="sng">
+            <a:solidFill>
+              <a:srgbClr val="000000"/>
+            </a:solidFill>
+            <a:prstDash val="solid"/>
+            <a:round/>
+            <a:headEnd type="none" w="sm" len="sm"/>
+            <a:tailEnd type="none" w="sm" len="sm"/>
+          </a:ln>
+        </p:spPr>
+      </p:sp>
+    </p:spTree>
+    <p:extLst>
+      <p:ext uri="{BB962C8B-B14F-4D97-AF65-F5344CB8AC3E}">
+        <p14:creationId xmlns:p14="http://schemas.microsoft.com/office/powerpoint/2010/main" val="374925595"/>
+      </p:ext>
+    </p:extLst>
+  </p:cSld>
+  <p:clrMapOvr>
+    <a:masterClrMapping/>
+  </p:clrMapOvr>
+</p:notes>
+</file>
+
+<file path=ppt/notesSlides/notesSlide11.xml><?xml version="1.0" encoding="utf-8"?>
+<p:notes xmlns:a="http://schemas.openxmlformats.org/drawingml/2006/main" xmlns:r="http://schemas.openxmlformats.org/officeDocument/2006/relationships" xmlns:p="http://schemas.openxmlformats.org/presentationml/2006/main" showMasterSp="0" showMasterPhAnim="0">
+  <p:cSld>
+    <p:spTree>
+      <p:nvGrpSpPr>
+        <p:cNvPr id="1" name="Shape 88"/>
+        <p:cNvGrpSpPr/>
+        <p:nvPr/>
+      </p:nvGrpSpPr>
+      <p:grpSpPr>
+        <a:xfrm>
+          <a:off x="0" y="0"/>
+          <a:ext cx="0" cy="0"/>
+          <a:chOff x="0" y="0"/>
+          <a:chExt cx="0" cy="0"/>
+        </a:xfrm>
+      </p:grpSpPr>
+      <p:sp>
+        <p:nvSpPr>
+          <p:cNvPr id="89" name="Google Shape;89;p6:notes"/>
+          <p:cNvSpPr txBox="1">
+            <a:spLocks noGrp="1"/>
+          </p:cNvSpPr>
+          <p:nvPr>
+            <p:ph type="body" idx="1"/>
+          </p:nvPr>
+        </p:nvSpPr>
+        <p:spPr>
+          <a:xfrm>
+            <a:off x="685800" y="4343400"/>
+            <a:ext cx="5486400" cy="4114800"/>
+          </a:xfrm>
+          <a:prstGeom prst="rect">
+            <a:avLst/>
+          </a:prstGeom>
+          <a:noFill/>
+          <a:ln>
+            <a:noFill/>
+          </a:ln>
+        </p:spPr>
+        <p:txBody>
+          <a:bodyPr spcFirstLastPara="1" wrap="square" lIns="91425" tIns="45700" rIns="91425" bIns="45700" anchor="t" anchorCtr="0">
+            <a:noAutofit/>
+          </a:bodyPr>
+          <a:lstStyle/>
+          <a:p>
+            <a:pPr marL="0" lvl="0" indent="0" algn="l" rtl="0">
+              <a:lnSpc>
+                <a:spcPct val="100000"/>
+              </a:lnSpc>
+              <a:spcBef>
+                <a:spcPts val="360"/>
+              </a:spcBef>
+              <a:spcAft>
+                <a:spcPts val="0"/>
+              </a:spcAft>
+              <a:buSzPts val="1400"/>
+              <a:buNone/>
+            </a:pPr>
+            <a:endParaRPr/>
+          </a:p>
+        </p:txBody>
+      </p:sp>
+      <p:sp>
+        <p:nvSpPr>
+          <p:cNvPr id="90" name="Google Shape;90;p6:notes"/>
+          <p:cNvSpPr>
+            <a:spLocks noGrp="1" noRot="1" noChangeAspect="1"/>
+          </p:cNvSpPr>
+          <p:nvPr>
+            <p:ph type="sldImg" idx="2"/>
+          </p:nvPr>
+        </p:nvSpPr>
+        <p:spPr>
+          <a:xfrm>
+            <a:off x="1143000" y="685800"/>
+            <a:ext cx="4572000" cy="3429000"/>
+          </a:xfrm>
+          <a:custGeom>
+            <a:avLst/>
+            <a:gdLst/>
+            <a:ahLst/>
+            <a:cxnLst/>
+            <a:rect l="l" t="t" r="r" b="b"/>
+            <a:pathLst>
+              <a:path w="120000" h="120000" extrusionOk="0">
+                <a:moveTo>
+                  <a:pt x="0" y="0"/>
+                </a:moveTo>
+                <a:lnTo>
+                  <a:pt x="120000" y="0"/>
+                </a:lnTo>
+                <a:lnTo>
+                  <a:pt x="120000" y="120000"/>
+                </a:lnTo>
+                <a:lnTo>
+                  <a:pt x="0" y="120000"/>
+                </a:lnTo>
+                <a:close/>
+              </a:path>
+            </a:pathLst>
+          </a:custGeom>
+          <a:noFill/>
+          <a:ln w="12700" cap="flat" cmpd="sng">
+            <a:solidFill>
+              <a:srgbClr val="000000"/>
+            </a:solidFill>
+            <a:prstDash val="solid"/>
+            <a:round/>
+            <a:headEnd type="none" w="sm" len="sm"/>
+            <a:tailEnd type="none" w="sm" len="sm"/>
+          </a:ln>
+        </p:spPr>
+      </p:sp>
+    </p:spTree>
+  </p:cSld>
+  <p:clrMapOvr>
+    <a:masterClrMapping/>
+  </p:clrMapOvr>
+</p:notes>
+</file>
+
+<file path=ppt/notesSlides/notesSlide12.xml><?xml version="1.0" encoding="utf-8"?>
+<p:notes xmlns:a="http://schemas.openxmlformats.org/drawingml/2006/main" xmlns:r="http://schemas.openxmlformats.org/officeDocument/2006/relationships" xmlns:p="http://schemas.openxmlformats.org/presentationml/2006/main" showMasterSp="0" showMasterPhAnim="0">
+  <p:cSld>
+    <p:spTree>
+      <p:nvGrpSpPr>
+        <p:cNvPr id="1" name="Shape 96"/>
+        <p:cNvGrpSpPr/>
+        <p:nvPr/>
+      </p:nvGrpSpPr>
+      <p:grpSpPr>
+        <a:xfrm>
+          <a:off x="0" y="0"/>
+          <a:ext cx="0" cy="0"/>
+          <a:chOff x="0" y="0"/>
+          <a:chExt cx="0" cy="0"/>
+        </a:xfrm>
+      </p:grpSpPr>
+      <p:sp>
+        <p:nvSpPr>
+          <p:cNvPr id="97" name="Google Shape;97;g2c78129218a_0_8:notes"/>
+          <p:cNvSpPr txBox="1">
+            <a:spLocks noGrp="1"/>
+          </p:cNvSpPr>
+          <p:nvPr>
+            <p:ph type="body" idx="1"/>
+          </p:nvPr>
+        </p:nvSpPr>
+        <p:spPr>
+          <a:xfrm>
+            <a:off x="685800" y="4343400"/>
+            <a:ext cx="5486400" cy="4114800"/>
+          </a:xfrm>
+          <a:prstGeom prst="rect">
+            <a:avLst/>
+          </a:prstGeom>
+          <a:noFill/>
+          <a:ln>
+            <a:noFill/>
+          </a:ln>
+        </p:spPr>
+        <p:txBody>
+          <a:bodyPr spcFirstLastPara="1" wrap="square" lIns="91425" tIns="45700" rIns="91425" bIns="45700" anchor="t" anchorCtr="0">
+            <a:noAutofit/>
+          </a:bodyPr>
+          <a:lstStyle/>
+          <a:p>
+            <a:pPr marL="0" lvl="0" indent="0" algn="l" rtl="0">
+              <a:lnSpc>
+                <a:spcPct val="100000"/>
+              </a:lnSpc>
+              <a:spcBef>
+                <a:spcPts val="360"/>
+              </a:spcBef>
+              <a:spcAft>
+                <a:spcPts val="0"/>
+              </a:spcAft>
+              <a:buSzPts val="1400"/>
+              <a:buNone/>
+            </a:pPr>
+            <a:endParaRPr/>
+          </a:p>
+        </p:txBody>
+      </p:sp>
+      <p:sp>
+        <p:nvSpPr>
+          <p:cNvPr id="98" name="Google Shape;98;g2c78129218a_0_8:notes"/>
+          <p:cNvSpPr>
+            <a:spLocks noGrp="1" noRot="1" noChangeAspect="1"/>
+          </p:cNvSpPr>
+          <p:nvPr>
+            <p:ph type="sldImg" idx="2"/>
+          </p:nvPr>
+        </p:nvSpPr>
+        <p:spPr>
+          <a:xfrm>
+            <a:off x="1143000" y="685800"/>
+            <a:ext cx="4572000" cy="3429000"/>
+          </a:xfrm>
+          <a:custGeom>
+            <a:avLst/>
+            <a:gdLst/>
+            <a:ahLst/>
+            <a:cxnLst/>
+            <a:rect l="l" t="t" r="r" b="b"/>
+            <a:pathLst>
+              <a:path w="120000" h="120000" extrusionOk="0">
+                <a:moveTo>
+                  <a:pt x="0" y="0"/>
+                </a:moveTo>
+                <a:lnTo>
+                  <a:pt x="120000" y="0"/>
+                </a:lnTo>
+                <a:lnTo>
+                  <a:pt x="120000" y="120000"/>
+                </a:lnTo>
+                <a:lnTo>
+                  <a:pt x="0" y="120000"/>
+                </a:lnTo>
+                <a:close/>
+              </a:path>
+            </a:pathLst>
+          </a:custGeom>
+          <a:noFill/>
+          <a:ln w="12700" cap="flat" cmpd="sng">
+            <a:solidFill>
+              <a:srgbClr val="000000"/>
+            </a:solidFill>
+            <a:prstDash val="solid"/>
+            <a:round/>
+            <a:headEnd type="none" w="sm" len="sm"/>
+            <a:tailEnd type="none" w="sm" len="sm"/>
+          </a:ln>
+        </p:spPr>
+      </p:sp>
+    </p:spTree>
+  </p:cSld>
+  <p:clrMapOvr>
+    <a:masterClrMapping/>
+  </p:clrMapOvr>
+</p:notes>
+</file>
+
 <file path=ppt/notesSlides/notesSlide2.xml><?xml version="1.0" encoding="utf-8"?>
-<p:notes xmlns:a="http://schemas.openxmlformats.org/drawingml/2006/main" xmlns:r="http://schemas.openxmlformats.org/officeDocument/2006/relationships" xmlns:p="http://schemas.openxmlformats.org/presentationml/2006/main" showMasterPhAnim="0" showMasterSp="0">
+<p:notes xmlns:a="http://schemas.openxmlformats.org/drawingml/2006/main" xmlns:r="http://schemas.openxmlformats.org/officeDocument/2006/relationships" xmlns:p="http://schemas.openxmlformats.org/presentationml/2006/main" showMasterSp="0" showMasterPhAnim="0">
   <p:cSld>
     <p:spTree>
       <p:nvGrpSpPr>
@@ -1895,6 +2297,7 @@
               <a:buSzPts val="1400"/>
               <a:buNone/>
             </a:pPr>
+            <a:endParaRPr/>
           </a:p>
         </p:txBody>
       </p:sp>
@@ -1958,7 +2361,7 @@
 </file>
 
 <file path=ppt/notesSlides/notesSlide3.xml><?xml version="1.0" encoding="utf-8"?>
-<p:notes xmlns:a="http://schemas.openxmlformats.org/drawingml/2006/main" xmlns:r="http://schemas.openxmlformats.org/officeDocument/2006/relationships" xmlns:p="http://schemas.openxmlformats.org/presentationml/2006/main" showMasterPhAnim="0" showMasterSp="0">
+<p:notes xmlns:a="http://schemas.openxmlformats.org/drawingml/2006/main" xmlns:r="http://schemas.openxmlformats.org/officeDocument/2006/relationships" xmlns:p="http://schemas.openxmlformats.org/presentationml/2006/main" showMasterSp="0" showMasterPhAnim="0">
   <p:cSld>
     <p:spTree>
       <p:nvGrpSpPr>
@@ -2016,6 +2419,7 @@
               <a:buSzPts val="1400"/>
               <a:buNone/>
             </a:pPr>
+            <a:endParaRPr/>
           </a:p>
         </p:txBody>
       </p:sp>
@@ -2079,7 +2483,7 @@
 </file>
 
 <file path=ppt/notesSlides/notesSlide4.xml><?xml version="1.0" encoding="utf-8"?>
-<p:notes xmlns:a="http://schemas.openxmlformats.org/drawingml/2006/main" xmlns:r="http://schemas.openxmlformats.org/officeDocument/2006/relationships" xmlns:p="http://schemas.openxmlformats.org/presentationml/2006/main" showMasterPhAnim="0" showMasterSp="0">
+<p:notes xmlns:a="http://schemas.openxmlformats.org/drawingml/2006/main" xmlns:r="http://schemas.openxmlformats.org/officeDocument/2006/relationships" xmlns:p="http://schemas.openxmlformats.org/presentationml/2006/main" showMasterSp="0" showMasterPhAnim="0">
   <p:cSld>
     <p:spTree>
       <p:nvGrpSpPr>
@@ -2137,6 +2541,7 @@
               <a:buSzPts val="1400"/>
               <a:buNone/>
             </a:pPr>
+            <a:endParaRPr/>
           </a:p>
         </p:txBody>
       </p:sp>
@@ -2200,7 +2605,7 @@
 </file>
 
 <file path=ppt/notesSlides/notesSlide5.xml><?xml version="1.0" encoding="utf-8"?>
-<p:notes xmlns:a="http://schemas.openxmlformats.org/drawingml/2006/main" xmlns:r="http://schemas.openxmlformats.org/officeDocument/2006/relationships" xmlns:p="http://schemas.openxmlformats.org/presentationml/2006/main" showMasterPhAnim="0" showMasterSp="0">
+<p:notes xmlns:a="http://schemas.openxmlformats.org/drawingml/2006/main" xmlns:r="http://schemas.openxmlformats.org/officeDocument/2006/relationships" xmlns:p="http://schemas.openxmlformats.org/presentationml/2006/main" showMasterSp="0" showMasterPhAnim="0">
   <p:cSld>
     <p:spTree>
       <p:nvGrpSpPr>
@@ -2258,6 +2663,7 @@
               <a:buSzPts val="1400"/>
               <a:buNone/>
             </a:pPr>
+            <a:endParaRPr/>
           </a:p>
         </p:txBody>
       </p:sp>
@@ -2321,7 +2727,152 @@
 </file>
 
 <file path=ppt/notesSlides/notesSlide6.xml><?xml version="1.0" encoding="utf-8"?>
-<p:notes xmlns:a="http://schemas.openxmlformats.org/drawingml/2006/main" xmlns:r="http://schemas.openxmlformats.org/officeDocument/2006/relationships" xmlns:p="http://schemas.openxmlformats.org/presentationml/2006/main" showMasterPhAnim="0" showMasterSp="0">
+<p:notes xmlns:a="http://schemas.openxmlformats.org/drawingml/2006/main" xmlns:r="http://schemas.openxmlformats.org/officeDocument/2006/relationships" xmlns:p="http://schemas.openxmlformats.org/presentationml/2006/main" showMasterSp="0" showMasterPhAnim="0">
+  <p:cSld>
+    <p:spTree>
+      <p:nvGrpSpPr>
+        <p:cNvPr id="1" name="Shape 64">
+          <a:extLst>
+            <a:ext uri="{FF2B5EF4-FFF2-40B4-BE49-F238E27FC236}">
+              <a16:creationId xmlns:a16="http://schemas.microsoft.com/office/drawing/2014/main" id="{D8E8831F-41DD-7A82-D243-9DD6BA7BCAA0}"/>
+            </a:ext>
+          </a:extLst>
+        </p:cNvPr>
+        <p:cNvGrpSpPr/>
+        <p:nvPr/>
+      </p:nvGrpSpPr>
+      <p:grpSpPr>
+        <a:xfrm>
+          <a:off x="0" y="0"/>
+          <a:ext cx="0" cy="0"/>
+          <a:chOff x="0" y="0"/>
+          <a:chExt cx="0" cy="0"/>
+        </a:xfrm>
+      </p:grpSpPr>
+      <p:sp>
+        <p:nvSpPr>
+          <p:cNvPr id="65" name="Google Shape;65;p4:notes">
+            <a:extLst>
+              <a:ext uri="{FF2B5EF4-FFF2-40B4-BE49-F238E27FC236}">
+                <a16:creationId xmlns:a16="http://schemas.microsoft.com/office/drawing/2014/main" id="{49A2F851-F84A-9A01-0835-239869C73ACC}"/>
+              </a:ext>
+            </a:extLst>
+          </p:cNvPr>
+          <p:cNvSpPr txBox="1">
+            <a:spLocks noGrp="1"/>
+          </p:cNvSpPr>
+          <p:nvPr>
+            <p:ph type="body" idx="1"/>
+          </p:nvPr>
+        </p:nvSpPr>
+        <p:spPr>
+          <a:xfrm>
+            <a:off x="685800" y="4343400"/>
+            <a:ext cx="5486400" cy="4114800"/>
+          </a:xfrm>
+          <a:prstGeom prst="rect">
+            <a:avLst/>
+          </a:prstGeom>
+          <a:noFill/>
+          <a:ln>
+            <a:noFill/>
+          </a:ln>
+        </p:spPr>
+        <p:txBody>
+          <a:bodyPr spcFirstLastPara="1" wrap="square" lIns="91425" tIns="45700" rIns="91425" bIns="45700" anchor="t" anchorCtr="0">
+            <a:noAutofit/>
+          </a:bodyPr>
+          <a:lstStyle/>
+          <a:p>
+            <a:pPr marL="0" lvl="0" indent="0" algn="l" rtl="0">
+              <a:lnSpc>
+                <a:spcPct val="100000"/>
+              </a:lnSpc>
+              <a:spcBef>
+                <a:spcPts val="360"/>
+              </a:spcBef>
+              <a:spcAft>
+                <a:spcPts val="0"/>
+              </a:spcAft>
+              <a:buSzPts val="1400"/>
+              <a:buNone/>
+            </a:pPr>
+            <a:endParaRPr/>
+          </a:p>
+        </p:txBody>
+      </p:sp>
+      <p:sp>
+        <p:nvSpPr>
+          <p:cNvPr id="66" name="Google Shape;66;p4:notes">
+            <a:extLst>
+              <a:ext uri="{FF2B5EF4-FFF2-40B4-BE49-F238E27FC236}">
+                <a16:creationId xmlns:a16="http://schemas.microsoft.com/office/drawing/2014/main" id="{75F7EC7A-B98F-1437-32DD-C02A616EAE63}"/>
+              </a:ext>
+            </a:extLst>
+          </p:cNvPr>
+          <p:cNvSpPr>
+            <a:spLocks noGrp="1" noRot="1" noChangeAspect="1"/>
+          </p:cNvSpPr>
+          <p:nvPr>
+            <p:ph type="sldImg" idx="2"/>
+          </p:nvPr>
+        </p:nvSpPr>
+        <p:spPr>
+          <a:xfrm>
+            <a:off x="1143000" y="685800"/>
+            <a:ext cx="4572000" cy="3429000"/>
+          </a:xfrm>
+          <a:custGeom>
+            <a:avLst/>
+            <a:gdLst/>
+            <a:ahLst/>
+            <a:cxnLst/>
+            <a:rect l="l" t="t" r="r" b="b"/>
+            <a:pathLst>
+              <a:path w="120000" h="120000" extrusionOk="0">
+                <a:moveTo>
+                  <a:pt x="0" y="0"/>
+                </a:moveTo>
+                <a:lnTo>
+                  <a:pt x="120000" y="0"/>
+                </a:lnTo>
+                <a:lnTo>
+                  <a:pt x="120000" y="120000"/>
+                </a:lnTo>
+                <a:lnTo>
+                  <a:pt x="0" y="120000"/>
+                </a:lnTo>
+                <a:close/>
+              </a:path>
+            </a:pathLst>
+          </a:custGeom>
+          <a:noFill/>
+          <a:ln w="12700" cap="flat" cmpd="sng">
+            <a:solidFill>
+              <a:srgbClr val="000000"/>
+            </a:solidFill>
+            <a:prstDash val="solid"/>
+            <a:round/>
+            <a:headEnd type="none" w="sm" len="sm"/>
+            <a:tailEnd type="none" w="sm" len="sm"/>
+          </a:ln>
+        </p:spPr>
+      </p:sp>
+    </p:spTree>
+    <p:extLst>
+      <p:ext uri="{BB962C8B-B14F-4D97-AF65-F5344CB8AC3E}">
+        <p14:creationId xmlns:p14="http://schemas.microsoft.com/office/powerpoint/2010/main" val="860823383"/>
+      </p:ext>
+    </p:extLst>
+  </p:cSld>
+  <p:clrMapOvr>
+    <a:masterClrMapping/>
+  </p:clrMapOvr>
+</p:notes>
+</file>
+
+<file path=ppt/notesSlides/notesSlide7.xml><?xml version="1.0" encoding="utf-8"?>
+<p:notes xmlns:a="http://schemas.openxmlformats.org/drawingml/2006/main" xmlns:r="http://schemas.openxmlformats.org/officeDocument/2006/relationships" xmlns:p="http://schemas.openxmlformats.org/presentationml/2006/main" showMasterSp="0" showMasterPhAnim="0">
   <p:cSld>
     <p:spTree>
       <p:nvGrpSpPr>
@@ -2379,6 +2930,7 @@
               <a:buSzPts val="1400"/>
               <a:buNone/>
             </a:pPr>
+            <a:endParaRPr/>
           </a:p>
         </p:txBody>
       </p:sp>
@@ -2441,8 +2993,153 @@
 </p:notes>
 </file>
 
-<file path=ppt/notesSlides/notesSlide7.xml><?xml version="1.0" encoding="utf-8"?>
-<p:notes xmlns:a="http://schemas.openxmlformats.org/drawingml/2006/main" xmlns:r="http://schemas.openxmlformats.org/officeDocument/2006/relationships" xmlns:p="http://schemas.openxmlformats.org/presentationml/2006/main" showMasterPhAnim="0" showMasterSp="0">
+<file path=ppt/notesSlides/notesSlide8.xml><?xml version="1.0" encoding="utf-8"?>
+<p:notes xmlns:a="http://schemas.openxmlformats.org/drawingml/2006/main" xmlns:r="http://schemas.openxmlformats.org/officeDocument/2006/relationships" xmlns:p="http://schemas.openxmlformats.org/presentationml/2006/main" showMasterSp="0" showMasterPhAnim="0">
+  <p:cSld>
+    <p:spTree>
+      <p:nvGrpSpPr>
+        <p:cNvPr id="1" name="Shape 72">
+          <a:extLst>
+            <a:ext uri="{FF2B5EF4-FFF2-40B4-BE49-F238E27FC236}">
+              <a16:creationId xmlns:a16="http://schemas.microsoft.com/office/drawing/2014/main" id="{AC4A059D-BDD6-AC71-6A31-FF663BDBEF8F}"/>
+            </a:ext>
+          </a:extLst>
+        </p:cNvPr>
+        <p:cNvGrpSpPr/>
+        <p:nvPr/>
+      </p:nvGrpSpPr>
+      <p:grpSpPr>
+        <a:xfrm>
+          <a:off x="0" y="0"/>
+          <a:ext cx="0" cy="0"/>
+          <a:chOff x="0" y="0"/>
+          <a:chExt cx="0" cy="0"/>
+        </a:xfrm>
+      </p:grpSpPr>
+      <p:sp>
+        <p:nvSpPr>
+          <p:cNvPr id="73" name="Google Shape;73;p2:notes">
+            <a:extLst>
+              <a:ext uri="{FF2B5EF4-FFF2-40B4-BE49-F238E27FC236}">
+                <a16:creationId xmlns:a16="http://schemas.microsoft.com/office/drawing/2014/main" id="{6205B892-A371-F409-03DD-04C1B26AA4B5}"/>
+              </a:ext>
+            </a:extLst>
+          </p:cNvPr>
+          <p:cNvSpPr txBox="1">
+            <a:spLocks noGrp="1"/>
+          </p:cNvSpPr>
+          <p:nvPr>
+            <p:ph type="body" idx="1"/>
+          </p:nvPr>
+        </p:nvSpPr>
+        <p:spPr>
+          <a:xfrm>
+            <a:off x="685800" y="4343400"/>
+            <a:ext cx="5486400" cy="4114800"/>
+          </a:xfrm>
+          <a:prstGeom prst="rect">
+            <a:avLst/>
+          </a:prstGeom>
+          <a:noFill/>
+          <a:ln>
+            <a:noFill/>
+          </a:ln>
+        </p:spPr>
+        <p:txBody>
+          <a:bodyPr spcFirstLastPara="1" wrap="square" lIns="91425" tIns="45700" rIns="91425" bIns="45700" anchor="t" anchorCtr="0">
+            <a:noAutofit/>
+          </a:bodyPr>
+          <a:lstStyle/>
+          <a:p>
+            <a:pPr marL="0" lvl="0" indent="0" algn="l" rtl="0">
+              <a:lnSpc>
+                <a:spcPct val="100000"/>
+              </a:lnSpc>
+              <a:spcBef>
+                <a:spcPts val="360"/>
+              </a:spcBef>
+              <a:spcAft>
+                <a:spcPts val="0"/>
+              </a:spcAft>
+              <a:buSzPts val="1400"/>
+              <a:buNone/>
+            </a:pPr>
+            <a:endParaRPr/>
+          </a:p>
+        </p:txBody>
+      </p:sp>
+      <p:sp>
+        <p:nvSpPr>
+          <p:cNvPr id="74" name="Google Shape;74;p2:notes">
+            <a:extLst>
+              <a:ext uri="{FF2B5EF4-FFF2-40B4-BE49-F238E27FC236}">
+                <a16:creationId xmlns:a16="http://schemas.microsoft.com/office/drawing/2014/main" id="{856361D9-3E51-D053-BFA8-17BFAC7700F6}"/>
+              </a:ext>
+            </a:extLst>
+          </p:cNvPr>
+          <p:cNvSpPr>
+            <a:spLocks noGrp="1" noRot="1" noChangeAspect="1"/>
+          </p:cNvSpPr>
+          <p:nvPr>
+            <p:ph type="sldImg" idx="2"/>
+          </p:nvPr>
+        </p:nvSpPr>
+        <p:spPr>
+          <a:xfrm>
+            <a:off x="1143000" y="685800"/>
+            <a:ext cx="4572000" cy="3429000"/>
+          </a:xfrm>
+          <a:custGeom>
+            <a:avLst/>
+            <a:gdLst/>
+            <a:ahLst/>
+            <a:cxnLst/>
+            <a:rect l="l" t="t" r="r" b="b"/>
+            <a:pathLst>
+              <a:path w="120000" h="120000" extrusionOk="0">
+                <a:moveTo>
+                  <a:pt x="0" y="0"/>
+                </a:moveTo>
+                <a:lnTo>
+                  <a:pt x="120000" y="0"/>
+                </a:lnTo>
+                <a:lnTo>
+                  <a:pt x="120000" y="120000"/>
+                </a:lnTo>
+                <a:lnTo>
+                  <a:pt x="0" y="120000"/>
+                </a:lnTo>
+                <a:close/>
+              </a:path>
+            </a:pathLst>
+          </a:custGeom>
+          <a:noFill/>
+          <a:ln w="12700" cap="flat" cmpd="sng">
+            <a:solidFill>
+              <a:srgbClr val="000000"/>
+            </a:solidFill>
+            <a:prstDash val="solid"/>
+            <a:round/>
+            <a:headEnd type="none" w="sm" len="sm"/>
+            <a:tailEnd type="none" w="sm" len="sm"/>
+          </a:ln>
+        </p:spPr>
+      </p:sp>
+    </p:spTree>
+    <p:extLst>
+      <p:ext uri="{BB962C8B-B14F-4D97-AF65-F5344CB8AC3E}">
+        <p14:creationId xmlns:p14="http://schemas.microsoft.com/office/powerpoint/2010/main" val="1628070498"/>
+      </p:ext>
+    </p:extLst>
+  </p:cSld>
+  <p:clrMapOvr>
+    <a:masterClrMapping/>
+  </p:clrMapOvr>
+</p:notes>
+</file>
+
+<file path=ppt/notesSlides/notesSlide9.xml><?xml version="1.0" encoding="utf-8"?>
+<p:notes xmlns:a="http://schemas.openxmlformats.org/drawingml/2006/main" xmlns:r="http://schemas.openxmlformats.org/officeDocument/2006/relationships" xmlns:p="http://schemas.openxmlformats.org/presentationml/2006/main" showMasterSp="0" showMasterPhAnim="0">
   <p:cSld>
     <p:spTree>
       <p:nvGrpSpPr>
@@ -2500,6 +3197,7 @@
               <a:buSzPts val="1400"/>
               <a:buNone/>
             </a:pPr>
+            <a:endParaRPr/>
           </a:p>
         </p:txBody>
       </p:sp>
@@ -2562,250 +3260,8 @@
 </p:notes>
 </file>
 
-<file path=ppt/notesSlides/notesSlide8.xml><?xml version="1.0" encoding="utf-8"?>
-<p:notes xmlns:a="http://schemas.openxmlformats.org/drawingml/2006/main" xmlns:r="http://schemas.openxmlformats.org/officeDocument/2006/relationships" xmlns:p="http://schemas.openxmlformats.org/presentationml/2006/main" showMasterPhAnim="0" showMasterSp="0">
-  <p:cSld>
-    <p:spTree>
-      <p:nvGrpSpPr>
-        <p:cNvPr id="1" name="Shape 88"/>
-        <p:cNvGrpSpPr/>
-        <p:nvPr/>
-      </p:nvGrpSpPr>
-      <p:grpSpPr>
-        <a:xfrm>
-          <a:off x="0" y="0"/>
-          <a:ext cx="0" cy="0"/>
-          <a:chOff x="0" y="0"/>
-          <a:chExt cx="0" cy="0"/>
-        </a:xfrm>
-      </p:grpSpPr>
-      <p:sp>
-        <p:nvSpPr>
-          <p:cNvPr id="89" name="Google Shape;89;p6:notes"/>
-          <p:cNvSpPr txBox="1">
-            <a:spLocks noGrp="1"/>
-          </p:cNvSpPr>
-          <p:nvPr>
-            <p:ph type="body" idx="1"/>
-          </p:nvPr>
-        </p:nvSpPr>
-        <p:spPr>
-          <a:xfrm>
-            <a:off x="685800" y="4343400"/>
-            <a:ext cx="5486400" cy="4114800"/>
-          </a:xfrm>
-          <a:prstGeom prst="rect">
-            <a:avLst/>
-          </a:prstGeom>
-          <a:noFill/>
-          <a:ln>
-            <a:noFill/>
-          </a:ln>
-        </p:spPr>
-        <p:txBody>
-          <a:bodyPr spcFirstLastPara="1" wrap="square" lIns="91425" tIns="45700" rIns="91425" bIns="45700" anchor="t" anchorCtr="0">
-            <a:noAutofit/>
-          </a:bodyPr>
-          <a:lstStyle/>
-          <a:p>
-            <a:pPr marL="0" lvl="0" indent="0" algn="l" rtl="0">
-              <a:lnSpc>
-                <a:spcPct val="100000"/>
-              </a:lnSpc>
-              <a:spcBef>
-                <a:spcPts val="360"/>
-              </a:spcBef>
-              <a:spcAft>
-                <a:spcPts val="0"/>
-              </a:spcAft>
-              <a:buSzPts val="1400"/>
-              <a:buNone/>
-            </a:pPr>
-          </a:p>
-        </p:txBody>
-      </p:sp>
-      <p:sp>
-        <p:nvSpPr>
-          <p:cNvPr id="90" name="Google Shape;90;p6:notes"/>
-          <p:cNvSpPr>
-            <a:spLocks noGrp="1" noRot="1" noChangeAspect="1"/>
-          </p:cNvSpPr>
-          <p:nvPr>
-            <p:ph type="sldImg" idx="2"/>
-          </p:nvPr>
-        </p:nvSpPr>
-        <p:spPr>
-          <a:xfrm>
-            <a:off x="1143000" y="685800"/>
-            <a:ext cx="4572000" cy="3429000"/>
-          </a:xfrm>
-          <a:custGeom>
-            <a:avLst/>
-            <a:gdLst/>
-            <a:ahLst/>
-            <a:cxnLst/>
-            <a:rect l="l" t="t" r="r" b="b"/>
-            <a:pathLst>
-              <a:path w="120000" h="120000" extrusionOk="0">
-                <a:moveTo>
-                  <a:pt x="0" y="0"/>
-                </a:moveTo>
-                <a:lnTo>
-                  <a:pt x="120000" y="0"/>
-                </a:lnTo>
-                <a:lnTo>
-                  <a:pt x="120000" y="120000"/>
-                </a:lnTo>
-                <a:lnTo>
-                  <a:pt x="0" y="120000"/>
-                </a:lnTo>
-                <a:close/>
-              </a:path>
-            </a:pathLst>
-          </a:custGeom>
-          <a:noFill/>
-          <a:ln w="12700" cap="flat" cmpd="sng">
-            <a:solidFill>
-              <a:srgbClr val="000000"/>
-            </a:solidFill>
-            <a:prstDash val="solid"/>
-            <a:round/>
-            <a:headEnd type="none" w="sm" len="sm"/>
-            <a:tailEnd type="none" w="sm" len="sm"/>
-          </a:ln>
-        </p:spPr>
-      </p:sp>
-    </p:spTree>
-  </p:cSld>
-  <p:clrMapOvr>
-    <a:masterClrMapping/>
-  </p:clrMapOvr>
-</p:notes>
-</file>
-
-<file path=ppt/notesSlides/notesSlide9.xml><?xml version="1.0" encoding="utf-8"?>
-<p:notes xmlns:a="http://schemas.openxmlformats.org/drawingml/2006/main" xmlns:r="http://schemas.openxmlformats.org/officeDocument/2006/relationships" xmlns:p="http://schemas.openxmlformats.org/presentationml/2006/main" showMasterPhAnim="0" showMasterSp="0">
-  <p:cSld>
-    <p:spTree>
-      <p:nvGrpSpPr>
-        <p:cNvPr id="1" name="Shape 96"/>
-        <p:cNvGrpSpPr/>
-        <p:nvPr/>
-      </p:nvGrpSpPr>
-      <p:grpSpPr>
-        <a:xfrm>
-          <a:off x="0" y="0"/>
-          <a:ext cx="0" cy="0"/>
-          <a:chOff x="0" y="0"/>
-          <a:chExt cx="0" cy="0"/>
-        </a:xfrm>
-      </p:grpSpPr>
-      <p:sp>
-        <p:nvSpPr>
-          <p:cNvPr id="97" name="Google Shape;97;g2c78129218a_0_8:notes"/>
-          <p:cNvSpPr txBox="1">
-            <a:spLocks noGrp="1"/>
-          </p:cNvSpPr>
-          <p:nvPr>
-            <p:ph type="body" idx="1"/>
-          </p:nvPr>
-        </p:nvSpPr>
-        <p:spPr>
-          <a:xfrm>
-            <a:off x="685800" y="4343400"/>
-            <a:ext cx="5486400" cy="4114800"/>
-          </a:xfrm>
-          <a:prstGeom prst="rect">
-            <a:avLst/>
-          </a:prstGeom>
-          <a:noFill/>
-          <a:ln>
-            <a:noFill/>
-          </a:ln>
-        </p:spPr>
-        <p:txBody>
-          <a:bodyPr spcFirstLastPara="1" wrap="square" lIns="91425" tIns="45700" rIns="91425" bIns="45700" anchor="t" anchorCtr="0">
-            <a:noAutofit/>
-          </a:bodyPr>
-          <a:lstStyle/>
-          <a:p>
-            <a:pPr marL="0" lvl="0" indent="0" algn="l" rtl="0">
-              <a:lnSpc>
-                <a:spcPct val="100000"/>
-              </a:lnSpc>
-              <a:spcBef>
-                <a:spcPts val="360"/>
-              </a:spcBef>
-              <a:spcAft>
-                <a:spcPts val="0"/>
-              </a:spcAft>
-              <a:buSzPts val="1400"/>
-              <a:buNone/>
-            </a:pPr>
-          </a:p>
-        </p:txBody>
-      </p:sp>
-      <p:sp>
-        <p:nvSpPr>
-          <p:cNvPr id="98" name="Google Shape;98;g2c78129218a_0_8:notes"/>
-          <p:cNvSpPr>
-            <a:spLocks noGrp="1" noRot="1" noChangeAspect="1"/>
-          </p:cNvSpPr>
-          <p:nvPr>
-            <p:ph type="sldImg" idx="2"/>
-          </p:nvPr>
-        </p:nvSpPr>
-        <p:spPr>
-          <a:xfrm>
-            <a:off x="1143000" y="685800"/>
-            <a:ext cx="4572000" cy="3429000"/>
-          </a:xfrm>
-          <a:custGeom>
-            <a:avLst/>
-            <a:gdLst/>
-            <a:ahLst/>
-            <a:cxnLst/>
-            <a:rect l="l" t="t" r="r" b="b"/>
-            <a:pathLst>
-              <a:path w="120000" h="120000" extrusionOk="0">
-                <a:moveTo>
-                  <a:pt x="0" y="0"/>
-                </a:moveTo>
-                <a:lnTo>
-                  <a:pt x="120000" y="0"/>
-                </a:lnTo>
-                <a:lnTo>
-                  <a:pt x="120000" y="120000"/>
-                </a:lnTo>
-                <a:lnTo>
-                  <a:pt x="0" y="120000"/>
-                </a:lnTo>
-                <a:close/>
-              </a:path>
-            </a:pathLst>
-          </a:custGeom>
-          <a:noFill/>
-          <a:ln w="12700" cap="flat" cmpd="sng">
-            <a:solidFill>
-              <a:srgbClr val="000000"/>
-            </a:solidFill>
-            <a:prstDash val="solid"/>
-            <a:round/>
-            <a:headEnd type="none" w="sm" len="sm"/>
-            <a:tailEnd type="none" w="sm" len="sm"/>
-          </a:ln>
-        </p:spPr>
-      </p:sp>
-    </p:spTree>
-  </p:cSld>
-  <p:clrMapOvr>
-    <a:masterClrMapping/>
-  </p:clrMapOvr>
-</p:notes>
-</file>
-
 <file path=ppt/slideLayouts/slideLayout1.xml><?xml version="1.0" encoding="utf-8"?>
-<p:sldLayout xmlns:a="http://schemas.openxmlformats.org/drawingml/2006/main" xmlns:r="http://schemas.openxmlformats.org/officeDocument/2006/relationships" xmlns:p="http://schemas.openxmlformats.org/presentationml/2006/main" type="obj" matchingName="Title and Content">
+<p:sldLayout xmlns:a="http://schemas.openxmlformats.org/drawingml/2006/main" xmlns:r="http://schemas.openxmlformats.org/officeDocument/2006/relationships" xmlns:p="http://schemas.openxmlformats.org/presentationml/2006/main" matchingName="Title and Content" type="obj">
   <p:cSld name="OBJECT">
     <p:spTree>
       <p:nvGrpSpPr>
@@ -3184,7 +3640,9 @@
               <a:defRPr/>
             </a:lvl9pPr>
           </a:lstStyle>
-          <a:p/>
+          <a:p>
+            <a:endParaRPr/>
+          </a:p>
         </p:txBody>
       </p:sp>
       <p:sp>
@@ -3369,7 +3827,9 @@
               <a:defRPr/>
             </a:lvl9pPr>
           </a:lstStyle>
-          <a:p/>
+          <a:p>
+            <a:endParaRPr/>
+          </a:p>
         </p:txBody>
       </p:sp>
       <p:sp>
@@ -3527,7 +3987,9 @@
               <a:defRPr/>
             </a:lvl9pPr>
           </a:lstStyle>
-          <a:p/>
+          <a:p>
+            <a:endParaRPr/>
+          </a:p>
         </p:txBody>
       </p:sp>
       <p:sp>
@@ -3685,7 +4147,9 @@
               <a:defRPr/>
             </a:lvl9pPr>
           </a:lstStyle>
-          <a:p/>
+          <a:p>
+            <a:endParaRPr/>
+          </a:p>
         </p:txBody>
       </p:sp>
       <p:sp>
@@ -3963,627 +4427,7 @@
             </a:pPr>
             <a:fld id="{00000000-1234-1234-1234-123412341234}" type="slidenum">
               <a:rPr lang="en-US"/>
-            </a:fld>
-            <a:endParaRPr lang="en-US"/>
-          </a:p>
-        </p:txBody>
-      </p:sp>
-    </p:spTree>
-  </p:cSld>
-  <p:clrMapOvr>
-    <a:masterClrMapping/>
-  </p:clrMapOvr>
-</p:sldLayout>
-</file>
-
-<file path=ppt/slideLayouts/slideLayout2.xml><?xml version="1.0" encoding="utf-8"?>
-<p:sldLayout xmlns:a="http://schemas.openxmlformats.org/drawingml/2006/main" xmlns:r="http://schemas.openxmlformats.org/officeDocument/2006/relationships" xmlns:p="http://schemas.openxmlformats.org/presentationml/2006/main" type="blank" showMasterSp="0" matchingName="Blank">
-  <p:cSld name="BLANK">
-    <p:spTree>
-      <p:nvGrpSpPr>
-        <p:cNvPr id="1" name="Shape 36"/>
-        <p:cNvGrpSpPr/>
-        <p:nvPr/>
-      </p:nvGrpSpPr>
-      <p:grpSpPr>
-        <a:xfrm>
-          <a:off x="0" y="0"/>
-          <a:ext cx="0" cy="0"/>
-          <a:chOff x="0" y="0"/>
-          <a:chExt cx="0" cy="0"/>
-        </a:xfrm>
-      </p:grpSpPr>
-      <p:sp>
-        <p:nvSpPr>
-          <p:cNvPr id="37" name="Google Shape;37;p31"/>
-          <p:cNvSpPr txBox="1">
-            <a:spLocks noGrp="1"/>
-          </p:cNvSpPr>
-          <p:nvPr>
-            <p:ph type="dt" idx="10"/>
-          </p:nvPr>
-        </p:nvSpPr>
-        <p:spPr>
-          <a:xfrm>
-            <a:off x="457200" y="6356350"/>
-            <a:ext cx="2133600" cy="365125"/>
-          </a:xfrm>
-          <a:prstGeom prst="rect">
-            <a:avLst/>
-          </a:prstGeom>
-          <a:noFill/>
-          <a:ln>
-            <a:noFill/>
-          </a:ln>
-        </p:spPr>
-        <p:txBody>
-          <a:bodyPr spcFirstLastPara="1" wrap="square" lIns="91425" tIns="45700" rIns="91425" bIns="45700" anchor="ctr" anchorCtr="0">
-            <a:noAutofit/>
-          </a:bodyPr>
-          <a:lstStyle>
-            <a:lvl1pPr lvl="0" algn="l">
-              <a:lnSpc>
-                <a:spcPct val="100000"/>
-              </a:lnSpc>
-              <a:spcBef>
-                <a:spcPts val="0"/>
-              </a:spcBef>
-              <a:spcAft>
-                <a:spcPts val="0"/>
-              </a:spcAft>
-              <a:buSzPts val="1400"/>
-              <a:buNone/>
-              <a:defRPr/>
-            </a:lvl1pPr>
-            <a:lvl2pPr lvl="1" algn="l">
-              <a:lnSpc>
-                <a:spcPct val="100000"/>
-              </a:lnSpc>
-              <a:spcBef>
-                <a:spcPts val="0"/>
-              </a:spcBef>
-              <a:spcAft>
-                <a:spcPts val="0"/>
-              </a:spcAft>
-              <a:buSzPts val="1400"/>
-              <a:buNone/>
-              <a:defRPr/>
-            </a:lvl2pPr>
-            <a:lvl3pPr lvl="2" algn="l">
-              <a:lnSpc>
-                <a:spcPct val="100000"/>
-              </a:lnSpc>
-              <a:spcBef>
-                <a:spcPts val="0"/>
-              </a:spcBef>
-              <a:spcAft>
-                <a:spcPts val="0"/>
-              </a:spcAft>
-              <a:buSzPts val="1400"/>
-              <a:buNone/>
-              <a:defRPr/>
-            </a:lvl3pPr>
-            <a:lvl4pPr lvl="3" algn="l">
-              <a:lnSpc>
-                <a:spcPct val="100000"/>
-              </a:lnSpc>
-              <a:spcBef>
-                <a:spcPts val="0"/>
-              </a:spcBef>
-              <a:spcAft>
-                <a:spcPts val="0"/>
-              </a:spcAft>
-              <a:buSzPts val="1400"/>
-              <a:buNone/>
-              <a:defRPr/>
-            </a:lvl4pPr>
-            <a:lvl5pPr lvl="4" algn="l">
-              <a:lnSpc>
-                <a:spcPct val="100000"/>
-              </a:lnSpc>
-              <a:spcBef>
-                <a:spcPts val="0"/>
-              </a:spcBef>
-              <a:spcAft>
-                <a:spcPts val="0"/>
-              </a:spcAft>
-              <a:buSzPts val="1400"/>
-              <a:buNone/>
-              <a:defRPr/>
-            </a:lvl5pPr>
-            <a:lvl6pPr lvl="5" algn="l">
-              <a:lnSpc>
-                <a:spcPct val="100000"/>
-              </a:lnSpc>
-              <a:spcBef>
-                <a:spcPts val="0"/>
-              </a:spcBef>
-              <a:spcAft>
-                <a:spcPts val="0"/>
-              </a:spcAft>
-              <a:buSzPts val="1400"/>
-              <a:buNone/>
-              <a:defRPr/>
-            </a:lvl6pPr>
-            <a:lvl7pPr lvl="6" algn="l">
-              <a:lnSpc>
-                <a:spcPct val="100000"/>
-              </a:lnSpc>
-              <a:spcBef>
-                <a:spcPts val="0"/>
-              </a:spcBef>
-              <a:spcAft>
-                <a:spcPts val="0"/>
-              </a:spcAft>
-              <a:buSzPts val="1400"/>
-              <a:buNone/>
-              <a:defRPr/>
-            </a:lvl7pPr>
-            <a:lvl8pPr lvl="7" algn="l">
-              <a:lnSpc>
-                <a:spcPct val="100000"/>
-              </a:lnSpc>
-              <a:spcBef>
-                <a:spcPts val="0"/>
-              </a:spcBef>
-              <a:spcAft>
-                <a:spcPts val="0"/>
-              </a:spcAft>
-              <a:buSzPts val="1400"/>
-              <a:buNone/>
-              <a:defRPr/>
-            </a:lvl8pPr>
-            <a:lvl9pPr lvl="8" algn="l">
-              <a:lnSpc>
-                <a:spcPct val="100000"/>
-              </a:lnSpc>
-              <a:spcBef>
-                <a:spcPts val="0"/>
-              </a:spcBef>
-              <a:spcAft>
-                <a:spcPts val="0"/>
-              </a:spcAft>
-              <a:buSzPts val="1400"/>
-              <a:buNone/>
-              <a:defRPr/>
-            </a:lvl9pPr>
-          </a:lstStyle>
-          <a:p/>
-        </p:txBody>
-      </p:sp>
-      <p:sp>
-        <p:nvSpPr>
-          <p:cNvPr id="38" name="Google Shape;38;p31"/>
-          <p:cNvSpPr txBox="1">
-            <a:spLocks noGrp="1"/>
-          </p:cNvSpPr>
-          <p:nvPr>
-            <p:ph type="ftr" idx="11"/>
-          </p:nvPr>
-        </p:nvSpPr>
-        <p:spPr>
-          <a:xfrm>
-            <a:off x="3124200" y="6356350"/>
-            <a:ext cx="2895600" cy="365125"/>
-          </a:xfrm>
-          <a:prstGeom prst="rect">
-            <a:avLst/>
-          </a:prstGeom>
-          <a:noFill/>
-          <a:ln>
-            <a:noFill/>
-          </a:ln>
-        </p:spPr>
-        <p:txBody>
-          <a:bodyPr spcFirstLastPara="1" wrap="square" lIns="91425" tIns="45700" rIns="91425" bIns="45700" anchor="ctr" anchorCtr="0">
-            <a:noAutofit/>
-          </a:bodyPr>
-          <a:lstStyle>
-            <a:lvl1pPr lvl="0" algn="ctr">
-              <a:lnSpc>
-                <a:spcPct val="100000"/>
-              </a:lnSpc>
-              <a:spcBef>
-                <a:spcPts val="0"/>
-              </a:spcBef>
-              <a:spcAft>
-                <a:spcPts val="0"/>
-              </a:spcAft>
-              <a:buSzPts val="1400"/>
-              <a:buNone/>
-              <a:defRPr/>
-            </a:lvl1pPr>
-            <a:lvl2pPr lvl="1" algn="l">
-              <a:lnSpc>
-                <a:spcPct val="100000"/>
-              </a:lnSpc>
-              <a:spcBef>
-                <a:spcPts val="0"/>
-              </a:spcBef>
-              <a:spcAft>
-                <a:spcPts val="0"/>
-              </a:spcAft>
-              <a:buSzPts val="1400"/>
-              <a:buNone/>
-              <a:defRPr/>
-            </a:lvl2pPr>
-            <a:lvl3pPr lvl="2" algn="l">
-              <a:lnSpc>
-                <a:spcPct val="100000"/>
-              </a:lnSpc>
-              <a:spcBef>
-                <a:spcPts val="0"/>
-              </a:spcBef>
-              <a:spcAft>
-                <a:spcPts val="0"/>
-              </a:spcAft>
-              <a:buSzPts val="1400"/>
-              <a:buNone/>
-              <a:defRPr/>
-            </a:lvl3pPr>
-            <a:lvl4pPr lvl="3" algn="l">
-              <a:lnSpc>
-                <a:spcPct val="100000"/>
-              </a:lnSpc>
-              <a:spcBef>
-                <a:spcPts val="0"/>
-              </a:spcBef>
-              <a:spcAft>
-                <a:spcPts val="0"/>
-              </a:spcAft>
-              <a:buSzPts val="1400"/>
-              <a:buNone/>
-              <a:defRPr/>
-            </a:lvl4pPr>
-            <a:lvl5pPr lvl="4" algn="l">
-              <a:lnSpc>
-                <a:spcPct val="100000"/>
-              </a:lnSpc>
-              <a:spcBef>
-                <a:spcPts val="0"/>
-              </a:spcBef>
-              <a:spcAft>
-                <a:spcPts val="0"/>
-              </a:spcAft>
-              <a:buSzPts val="1400"/>
-              <a:buNone/>
-              <a:defRPr/>
-            </a:lvl5pPr>
-            <a:lvl6pPr lvl="5" algn="l">
-              <a:lnSpc>
-                <a:spcPct val="100000"/>
-              </a:lnSpc>
-              <a:spcBef>
-                <a:spcPts val="0"/>
-              </a:spcBef>
-              <a:spcAft>
-                <a:spcPts val="0"/>
-              </a:spcAft>
-              <a:buSzPts val="1400"/>
-              <a:buNone/>
-              <a:defRPr/>
-            </a:lvl6pPr>
-            <a:lvl7pPr lvl="6" algn="l">
-              <a:lnSpc>
-                <a:spcPct val="100000"/>
-              </a:lnSpc>
-              <a:spcBef>
-                <a:spcPts val="0"/>
-              </a:spcBef>
-              <a:spcAft>
-                <a:spcPts val="0"/>
-              </a:spcAft>
-              <a:buSzPts val="1400"/>
-              <a:buNone/>
-              <a:defRPr/>
-            </a:lvl7pPr>
-            <a:lvl8pPr lvl="7" algn="l">
-              <a:lnSpc>
-                <a:spcPct val="100000"/>
-              </a:lnSpc>
-              <a:spcBef>
-                <a:spcPts val="0"/>
-              </a:spcBef>
-              <a:spcAft>
-                <a:spcPts val="0"/>
-              </a:spcAft>
-              <a:buSzPts val="1400"/>
-              <a:buNone/>
-              <a:defRPr/>
-            </a:lvl8pPr>
-            <a:lvl9pPr lvl="8" algn="l">
-              <a:lnSpc>
-                <a:spcPct val="100000"/>
-              </a:lnSpc>
-              <a:spcBef>
-                <a:spcPts val="0"/>
-              </a:spcBef>
-              <a:spcAft>
-                <a:spcPts val="0"/>
-              </a:spcAft>
-              <a:buSzPts val="1400"/>
-              <a:buNone/>
-              <a:defRPr/>
-            </a:lvl9pPr>
-          </a:lstStyle>
-          <a:p/>
-        </p:txBody>
-      </p:sp>
-      <p:sp>
-        <p:nvSpPr>
-          <p:cNvPr id="39" name="Google Shape;39;p31"/>
-          <p:cNvSpPr txBox="1">
-            <a:spLocks noGrp="1"/>
-          </p:cNvSpPr>
-          <p:nvPr>
-            <p:ph type="sldNum" idx="12"/>
-          </p:nvPr>
-        </p:nvSpPr>
-        <p:spPr>
-          <a:xfrm>
-            <a:off x="6553200" y="6356350"/>
-            <a:ext cx="2133600" cy="365125"/>
-          </a:xfrm>
-          <a:prstGeom prst="rect">
-            <a:avLst/>
-          </a:prstGeom>
-          <a:noFill/>
-          <a:ln>
-            <a:noFill/>
-          </a:ln>
-        </p:spPr>
-        <p:txBody>
-          <a:bodyPr spcFirstLastPara="1" wrap="square" lIns="91425" tIns="45700" rIns="91425" bIns="45700" anchor="ctr" anchorCtr="0">
-            <a:noAutofit/>
-          </a:bodyPr>
-          <a:lstStyle>
-            <a:lvl1pPr marL="0" marR="0" lvl="0" indent="0" algn="r">
-              <a:lnSpc>
-                <a:spcPct val="100000"/>
-              </a:lnSpc>
-              <a:spcBef>
-                <a:spcPts val="0"/>
-              </a:spcBef>
-              <a:spcAft>
-                <a:spcPts val="0"/>
-              </a:spcAft>
-              <a:buClr>
-                <a:srgbClr val="000000"/>
-              </a:buClr>
-              <a:buSzPts val="1200"/>
-              <a:buFont typeface="Arial" panose="020B0604020202020204"/>
-              <a:buNone/>
-              <a:defRPr sz="1200" b="0" i="0" u="none" strike="noStrike" cap="none">
-                <a:solidFill>
-                  <a:srgbClr val="898989"/>
-                </a:solidFill>
-                <a:latin typeface="Calibri" panose="020F0502020204030204"/>
-                <a:ea typeface="Calibri" panose="020F0502020204030204"/>
-                <a:cs typeface="Calibri" panose="020F0502020204030204"/>
-                <a:sym typeface="Calibri" panose="020F0502020204030204"/>
-              </a:defRPr>
-            </a:lvl1pPr>
-            <a:lvl2pPr marL="0" marR="0" lvl="1" indent="0" algn="r">
-              <a:lnSpc>
-                <a:spcPct val="100000"/>
-              </a:lnSpc>
-              <a:spcBef>
-                <a:spcPts val="0"/>
-              </a:spcBef>
-              <a:spcAft>
-                <a:spcPts val="0"/>
-              </a:spcAft>
-              <a:buClr>
-                <a:srgbClr val="000000"/>
-              </a:buClr>
-              <a:buSzPts val="1200"/>
-              <a:buFont typeface="Arial" panose="020B0604020202020204"/>
-              <a:buNone/>
-              <a:defRPr sz="1200" b="0" i="0" u="none" strike="noStrike" cap="none">
-                <a:solidFill>
-                  <a:srgbClr val="898989"/>
-                </a:solidFill>
-                <a:latin typeface="Calibri" panose="020F0502020204030204"/>
-                <a:ea typeface="Calibri" panose="020F0502020204030204"/>
-                <a:cs typeface="Calibri" panose="020F0502020204030204"/>
-                <a:sym typeface="Calibri" panose="020F0502020204030204"/>
-              </a:defRPr>
-            </a:lvl2pPr>
-            <a:lvl3pPr marL="0" marR="0" lvl="2" indent="0" algn="r">
-              <a:lnSpc>
-                <a:spcPct val="100000"/>
-              </a:lnSpc>
-              <a:spcBef>
-                <a:spcPts val="0"/>
-              </a:spcBef>
-              <a:spcAft>
-                <a:spcPts val="0"/>
-              </a:spcAft>
-              <a:buClr>
-                <a:srgbClr val="000000"/>
-              </a:buClr>
-              <a:buSzPts val="1200"/>
-              <a:buFont typeface="Arial" panose="020B0604020202020204"/>
-              <a:buNone/>
-              <a:defRPr sz="1200" b="0" i="0" u="none" strike="noStrike" cap="none">
-                <a:solidFill>
-                  <a:srgbClr val="898989"/>
-                </a:solidFill>
-                <a:latin typeface="Calibri" panose="020F0502020204030204"/>
-                <a:ea typeface="Calibri" panose="020F0502020204030204"/>
-                <a:cs typeface="Calibri" panose="020F0502020204030204"/>
-                <a:sym typeface="Calibri" panose="020F0502020204030204"/>
-              </a:defRPr>
-            </a:lvl3pPr>
-            <a:lvl4pPr marL="0" marR="0" lvl="3" indent="0" algn="r">
-              <a:lnSpc>
-                <a:spcPct val="100000"/>
-              </a:lnSpc>
-              <a:spcBef>
-                <a:spcPts val="0"/>
-              </a:spcBef>
-              <a:spcAft>
-                <a:spcPts val="0"/>
-              </a:spcAft>
-              <a:buClr>
-                <a:srgbClr val="000000"/>
-              </a:buClr>
-              <a:buSzPts val="1200"/>
-              <a:buFont typeface="Arial" panose="020B0604020202020204"/>
-              <a:buNone/>
-              <a:defRPr sz="1200" b="0" i="0" u="none" strike="noStrike" cap="none">
-                <a:solidFill>
-                  <a:srgbClr val="898989"/>
-                </a:solidFill>
-                <a:latin typeface="Calibri" panose="020F0502020204030204"/>
-                <a:ea typeface="Calibri" panose="020F0502020204030204"/>
-                <a:cs typeface="Calibri" panose="020F0502020204030204"/>
-                <a:sym typeface="Calibri" panose="020F0502020204030204"/>
-              </a:defRPr>
-            </a:lvl4pPr>
-            <a:lvl5pPr marL="0" marR="0" lvl="4" indent="0" algn="r">
-              <a:lnSpc>
-                <a:spcPct val="100000"/>
-              </a:lnSpc>
-              <a:spcBef>
-                <a:spcPts val="0"/>
-              </a:spcBef>
-              <a:spcAft>
-                <a:spcPts val="0"/>
-              </a:spcAft>
-              <a:buClr>
-                <a:srgbClr val="000000"/>
-              </a:buClr>
-              <a:buSzPts val="1200"/>
-              <a:buFont typeface="Arial" panose="020B0604020202020204"/>
-              <a:buNone/>
-              <a:defRPr sz="1200" b="0" i="0" u="none" strike="noStrike" cap="none">
-                <a:solidFill>
-                  <a:srgbClr val="898989"/>
-                </a:solidFill>
-                <a:latin typeface="Calibri" panose="020F0502020204030204"/>
-                <a:ea typeface="Calibri" panose="020F0502020204030204"/>
-                <a:cs typeface="Calibri" panose="020F0502020204030204"/>
-                <a:sym typeface="Calibri" panose="020F0502020204030204"/>
-              </a:defRPr>
-            </a:lvl5pPr>
-            <a:lvl6pPr marL="0" marR="0" lvl="5" indent="0" algn="r">
-              <a:lnSpc>
-                <a:spcPct val="100000"/>
-              </a:lnSpc>
-              <a:spcBef>
-                <a:spcPts val="0"/>
-              </a:spcBef>
-              <a:spcAft>
-                <a:spcPts val="0"/>
-              </a:spcAft>
-              <a:buClr>
-                <a:srgbClr val="000000"/>
-              </a:buClr>
-              <a:buSzPts val="1200"/>
-              <a:buFont typeface="Arial" panose="020B0604020202020204"/>
-              <a:buNone/>
-              <a:defRPr sz="1200" b="0" i="0" u="none" strike="noStrike" cap="none">
-                <a:solidFill>
-                  <a:srgbClr val="898989"/>
-                </a:solidFill>
-                <a:latin typeface="Calibri" panose="020F0502020204030204"/>
-                <a:ea typeface="Calibri" panose="020F0502020204030204"/>
-                <a:cs typeface="Calibri" panose="020F0502020204030204"/>
-                <a:sym typeface="Calibri" panose="020F0502020204030204"/>
-              </a:defRPr>
-            </a:lvl6pPr>
-            <a:lvl7pPr marL="0" marR="0" lvl="6" indent="0" algn="r">
-              <a:lnSpc>
-                <a:spcPct val="100000"/>
-              </a:lnSpc>
-              <a:spcBef>
-                <a:spcPts val="0"/>
-              </a:spcBef>
-              <a:spcAft>
-                <a:spcPts val="0"/>
-              </a:spcAft>
-              <a:buClr>
-                <a:srgbClr val="000000"/>
-              </a:buClr>
-              <a:buSzPts val="1200"/>
-              <a:buFont typeface="Arial" panose="020B0604020202020204"/>
-              <a:buNone/>
-              <a:defRPr sz="1200" b="0" i="0" u="none" strike="noStrike" cap="none">
-                <a:solidFill>
-                  <a:srgbClr val="898989"/>
-                </a:solidFill>
-                <a:latin typeface="Calibri" panose="020F0502020204030204"/>
-                <a:ea typeface="Calibri" panose="020F0502020204030204"/>
-                <a:cs typeface="Calibri" panose="020F0502020204030204"/>
-                <a:sym typeface="Calibri" panose="020F0502020204030204"/>
-              </a:defRPr>
-            </a:lvl7pPr>
-            <a:lvl8pPr marL="0" marR="0" lvl="7" indent="0" algn="r">
-              <a:lnSpc>
-                <a:spcPct val="100000"/>
-              </a:lnSpc>
-              <a:spcBef>
-                <a:spcPts val="0"/>
-              </a:spcBef>
-              <a:spcAft>
-                <a:spcPts val="0"/>
-              </a:spcAft>
-              <a:buClr>
-                <a:srgbClr val="000000"/>
-              </a:buClr>
-              <a:buSzPts val="1200"/>
-              <a:buFont typeface="Arial" panose="020B0604020202020204"/>
-              <a:buNone/>
-              <a:defRPr sz="1200" b="0" i="0" u="none" strike="noStrike" cap="none">
-                <a:solidFill>
-                  <a:srgbClr val="898989"/>
-                </a:solidFill>
-                <a:latin typeface="Calibri" panose="020F0502020204030204"/>
-                <a:ea typeface="Calibri" panose="020F0502020204030204"/>
-                <a:cs typeface="Calibri" panose="020F0502020204030204"/>
-                <a:sym typeface="Calibri" panose="020F0502020204030204"/>
-              </a:defRPr>
-            </a:lvl8pPr>
-            <a:lvl9pPr marL="0" marR="0" lvl="8" indent="0" algn="r">
-              <a:lnSpc>
-                <a:spcPct val="100000"/>
-              </a:lnSpc>
-              <a:spcBef>
-                <a:spcPts val="0"/>
-              </a:spcBef>
-              <a:spcAft>
-                <a:spcPts val="0"/>
-              </a:spcAft>
-              <a:buClr>
-                <a:srgbClr val="000000"/>
-              </a:buClr>
-              <a:buSzPts val="1200"/>
-              <a:buFont typeface="Arial" panose="020B0604020202020204"/>
-              <a:buNone/>
-              <a:defRPr sz="1200" b="0" i="0" u="none" strike="noStrike" cap="none">
-                <a:solidFill>
-                  <a:srgbClr val="898989"/>
-                </a:solidFill>
-                <a:latin typeface="Calibri" panose="020F0502020204030204"/>
-                <a:ea typeface="Calibri" panose="020F0502020204030204"/>
-                <a:cs typeface="Calibri" panose="020F0502020204030204"/>
-                <a:sym typeface="Calibri" panose="020F0502020204030204"/>
-              </a:defRPr>
-            </a:lvl9pPr>
-          </a:lstStyle>
-          <a:p>
-            <a:pPr marL="0" lvl="0" indent="0" algn="r" rtl="0">
-              <a:spcBef>
-                <a:spcPts val="0"/>
-              </a:spcBef>
-              <a:spcAft>
-                <a:spcPts val="0"/>
-              </a:spcAft>
-              <a:buNone/>
-            </a:pPr>
-            <a:fld id="{00000000-1234-1234-1234-123412341234}" type="slidenum">
-              <a:rPr lang="en-US"/>
+              <a:t>‹#›</a:t>
             </a:fld>
             <a:endParaRPr lang="en-US"/>
           </a:p>
@@ -4885,7 +4729,9 @@
               </a:defRPr>
             </a:lvl9pPr>
           </a:lstStyle>
-          <a:p/>
+          <a:p>
+            <a:endParaRPr/>
+          </a:p>
         </p:txBody>
       </p:sp>
       <p:sp>
@@ -5151,7 +4997,9 @@
               </a:defRPr>
             </a:lvl9pPr>
           </a:lstStyle>
-          <a:p/>
+          <a:p>
+            <a:endParaRPr/>
+          </a:p>
         </p:txBody>
       </p:sp>
       <p:sp>
@@ -5417,7 +5265,9 @@
               </a:defRPr>
             </a:lvl9pPr>
           </a:lstStyle>
-          <a:p/>
+          <a:p>
+            <a:endParaRPr/>
+          </a:p>
         </p:txBody>
       </p:sp>
       <p:sp>
@@ -5683,7 +5533,9 @@
               </a:defRPr>
             </a:lvl9pPr>
           </a:lstStyle>
-          <a:p/>
+          <a:p>
+            <a:endParaRPr/>
+          </a:p>
         </p:txBody>
       </p:sp>
       <p:sp>
@@ -5961,6 +5813,7 @@
             </a:pPr>
             <a:fld id="{00000000-1234-1234-1234-123412341234}" type="slidenum">
               <a:rPr lang="en-US"/>
+              <a:t>‹#›</a:t>
             </a:fld>
             <a:endParaRPr lang="en-US"/>
           </a:p>
@@ -6318,7 +6171,6 @@
   <p:clrMap bg1="lt1" tx1="dk1" bg2="dk2" tx2="lt2" accent1="accent1" accent2="accent2" accent3="accent3" accent4="accent4" accent5="accent5" accent6="accent6" hlink="hlink" folHlink="folHlink"/>
   <p:sldLayoutIdLst>
     <p:sldLayoutId id="2147483649" r:id="rId1"/>
-    <p:sldLayoutId id="2147483650" r:id="rId2"/>
   </p:sldLayoutIdLst>
   <p:hf hdr="0" ftr="0" dt="0"/>
   <p:txStyles>
@@ -7079,6 +6931,7 @@
                 <a:cs typeface="Times New Roman" panose="02020603050405020304"/>
                 <a:sym typeface="Times New Roman" panose="02020603050405020304"/>
               </a:rPr>
+              <a:t>1</a:t>
             </a:fld>
             <a:endParaRPr>
               <a:latin typeface="Times New Roman" panose="02020603050405020304"/>
@@ -7096,7 +6949,7 @@
           <p:nvPr/>
         </p:nvPicPr>
         <p:blipFill rotWithShape="1">
-          <a:blip r:embed="rId1"/>
+          <a:blip r:embed="rId3"/>
           <a:srcRect/>
           <a:stretch>
             <a:fillRect/>
@@ -7509,15 +7362,6 @@
               </a:rPr>
               <a:t>Namita, 2310992161</a:t>
             </a:r>
-            <a:endParaRPr lang="en-US" sz="1800" b="1" i="0" u="none" strike="noStrike" cap="none" dirty="0">
-              <a:solidFill>
-                <a:schemeClr val="dk2"/>
-              </a:solidFill>
-              <a:latin typeface="Times New Roman" panose="02020603050405020304"/>
-              <a:ea typeface="Times New Roman" panose="02020603050405020304"/>
-              <a:cs typeface="Times New Roman" panose="02020603050405020304"/>
-              <a:sym typeface="Times New Roman" panose="02020603050405020304"/>
-            </a:endParaRPr>
           </a:p>
           <a:p>
             <a:pPr marL="0" marR="0" lvl="0" indent="0" algn="ctr" rtl="0">
@@ -8055,6 +7899,1153 @@
 </file>
 
 <file path=ppt/slides/slide10.xml><?xml version="1.0" encoding="utf-8"?>
+<p:sld xmlns:a="http://schemas.openxmlformats.org/drawingml/2006/main" xmlns:r="http://schemas.openxmlformats.org/officeDocument/2006/relationships" xmlns:p="http://schemas.openxmlformats.org/presentationml/2006/main">
+  <p:cSld>
+    <p:spTree>
+      <p:nvGrpSpPr>
+        <p:cNvPr id="1" name="Shape 75"/>
+        <p:cNvGrpSpPr/>
+        <p:nvPr/>
+      </p:nvGrpSpPr>
+      <p:grpSpPr>
+        <a:xfrm>
+          <a:off x="0" y="0"/>
+          <a:ext cx="0" cy="0"/>
+          <a:chOff x="0" y="0"/>
+          <a:chExt cx="0" cy="0"/>
+        </a:xfrm>
+      </p:grpSpPr>
+      <p:sp>
+        <p:nvSpPr>
+          <p:cNvPr id="76" name="Google Shape;76;p2"/>
+          <p:cNvSpPr txBox="1">
+            <a:spLocks noGrp="1"/>
+          </p:cNvSpPr>
+          <p:nvPr>
+            <p:ph type="title"/>
+          </p:nvPr>
+        </p:nvSpPr>
+        <p:spPr>
+          <a:xfrm>
+            <a:off x="1066800" y="76199"/>
+            <a:ext cx="6477000" cy="839400"/>
+          </a:xfrm>
+          <a:prstGeom prst="rect">
+            <a:avLst/>
+          </a:prstGeom>
+          <a:noFill/>
+          <a:ln>
+            <a:noFill/>
+          </a:ln>
+        </p:spPr>
+        <p:txBody>
+          <a:bodyPr spcFirstLastPara="1" wrap="square" lIns="91425" tIns="45700" rIns="91425" bIns="45700" anchor="ctr" anchorCtr="0">
+            <a:noAutofit/>
+          </a:bodyPr>
+          <a:lstStyle/>
+          <a:p>
+            <a:pPr marL="0" lvl="0" indent="0" rtl="0">
+              <a:lnSpc>
+                <a:spcPct val="100000"/>
+              </a:lnSpc>
+              <a:spcBef>
+                <a:spcPts val="0"/>
+              </a:spcBef>
+              <a:spcAft>
+                <a:spcPts val="0"/>
+              </a:spcAft>
+              <a:buSzPts val="1400"/>
+              <a:buNone/>
+            </a:pPr>
+            <a:r>
+              <a:rPr lang="en-US" sz="3600" b="1">
+                <a:latin typeface="Times New Roman" panose="02020603050405020304"/>
+                <a:ea typeface="Times New Roman" panose="02020603050405020304"/>
+                <a:cs typeface="Times New Roman" panose="02020603050405020304"/>
+                <a:sym typeface="Times New Roman" panose="02020603050405020304"/>
+              </a:rPr>
+              <a:t>Implementation Plan</a:t>
+            </a:r>
+            <a:endParaRPr sz="5400" b="1">
+              <a:solidFill>
+                <a:srgbClr val="0C0C0C"/>
+              </a:solidFill>
+              <a:latin typeface="Times New Roman" panose="02020603050405020304"/>
+              <a:ea typeface="Times New Roman" panose="02020603050405020304"/>
+              <a:cs typeface="Times New Roman" panose="02020603050405020304"/>
+              <a:sym typeface="Times New Roman" panose="02020603050405020304"/>
+            </a:endParaRPr>
+          </a:p>
+        </p:txBody>
+      </p:sp>
+      <p:sp>
+        <p:nvSpPr>
+          <p:cNvPr id="77" name="Google Shape;77;p2"/>
+          <p:cNvSpPr txBox="1">
+            <a:spLocks noGrp="1"/>
+          </p:cNvSpPr>
+          <p:nvPr>
+            <p:ph type="body" idx="1"/>
+          </p:nvPr>
+        </p:nvSpPr>
+        <p:spPr>
+          <a:xfrm>
+            <a:off x="164891" y="1064302"/>
+            <a:ext cx="8844197" cy="5292048"/>
+          </a:xfrm>
+          <a:prstGeom prst="rect">
+            <a:avLst/>
+          </a:prstGeom>
+          <a:noFill/>
+          <a:ln>
+            <a:noFill/>
+          </a:ln>
+        </p:spPr>
+        <p:txBody>
+          <a:bodyPr spcFirstLastPara="1" wrap="square" lIns="91425" tIns="45700" rIns="91425" bIns="45700" anchor="t" anchorCtr="0">
+            <a:noAutofit/>
+          </a:bodyPr>
+          <a:lstStyle/>
+          <a:p>
+            <a:pPr marL="114300" lvl="0" indent="0" algn="ctr" rtl="0">
+              <a:lnSpc>
+                <a:spcPct val="100000"/>
+              </a:lnSpc>
+              <a:spcBef>
+                <a:spcPts val="360"/>
+              </a:spcBef>
+              <a:spcAft>
+                <a:spcPts val="0"/>
+              </a:spcAft>
+              <a:buSzPts val="1800"/>
+              <a:buNone/>
+            </a:pPr>
+            <a:endParaRPr dirty="0">
+              <a:latin typeface="Times New Roman" panose="02020603050405020304"/>
+              <a:ea typeface="Times New Roman" panose="02020603050405020304"/>
+              <a:cs typeface="Times New Roman" panose="02020603050405020304"/>
+              <a:sym typeface="Times New Roman" panose="02020603050405020304"/>
+            </a:endParaRPr>
+          </a:p>
+          <a:p>
+            <a:pPr marL="114300" lvl="0" indent="0" algn="ctr" rtl="0">
+              <a:lnSpc>
+                <a:spcPct val="100000"/>
+              </a:lnSpc>
+              <a:spcBef>
+                <a:spcPts val="360"/>
+              </a:spcBef>
+              <a:spcAft>
+                <a:spcPts val="0"/>
+              </a:spcAft>
+              <a:buSzPts val="1800"/>
+              <a:buNone/>
+            </a:pPr>
+            <a:endParaRPr dirty="0">
+              <a:latin typeface="Times New Roman" panose="02020603050405020304"/>
+              <a:ea typeface="Times New Roman" panose="02020603050405020304"/>
+              <a:cs typeface="Times New Roman" panose="02020603050405020304"/>
+              <a:sym typeface="Times New Roman" panose="02020603050405020304"/>
+            </a:endParaRPr>
+          </a:p>
+        </p:txBody>
+      </p:sp>
+      <p:sp>
+        <p:nvSpPr>
+          <p:cNvPr id="78" name="Google Shape;78;p2"/>
+          <p:cNvSpPr txBox="1">
+            <a:spLocks noGrp="1"/>
+          </p:cNvSpPr>
+          <p:nvPr>
+            <p:ph type="sldNum" idx="12"/>
+          </p:nvPr>
+        </p:nvSpPr>
+        <p:spPr>
+          <a:xfrm>
+            <a:off x="6553200" y="6356350"/>
+            <a:ext cx="2133600" cy="365125"/>
+          </a:xfrm>
+          <a:prstGeom prst="rect">
+            <a:avLst/>
+          </a:prstGeom>
+          <a:noFill/>
+          <a:ln>
+            <a:noFill/>
+          </a:ln>
+        </p:spPr>
+        <p:txBody>
+          <a:bodyPr spcFirstLastPara="1" wrap="square" lIns="91425" tIns="45700" rIns="91425" bIns="45700" anchor="ctr" anchorCtr="0">
+            <a:noAutofit/>
+          </a:bodyPr>
+          <a:lstStyle/>
+          <a:p>
+            <a:pPr marL="0" lvl="0" indent="0" algn="ctr" rtl="0">
+              <a:lnSpc>
+                <a:spcPct val="100000"/>
+              </a:lnSpc>
+              <a:spcBef>
+                <a:spcPts val="0"/>
+              </a:spcBef>
+              <a:spcAft>
+                <a:spcPts val="0"/>
+              </a:spcAft>
+              <a:buSzPts val="1200"/>
+              <a:buNone/>
+            </a:pPr>
+            <a:fld id="{00000000-1234-1234-1234-123412341234}" type="slidenum">
+              <a:rPr lang="en-US"/>
+              <a:pPr marL="0" lvl="0" indent="0" algn="ctr" rtl="0">
+                <a:lnSpc>
+                  <a:spcPct val="100000"/>
+                </a:lnSpc>
+                <a:spcBef>
+                  <a:spcPts val="0"/>
+                </a:spcBef>
+                <a:spcAft>
+                  <a:spcPts val="0"/>
+                </a:spcAft>
+                <a:buSzPts val="1200"/>
+                <a:buNone/>
+              </a:pPr>
+              <a:t>10</a:t>
+            </a:fld>
+            <a:endParaRPr lang="en-US"/>
+          </a:p>
+        </p:txBody>
+      </p:sp>
+      <p:pic>
+        <p:nvPicPr>
+          <p:cNvPr id="79" name="Google Shape;79;p2"/>
+          <p:cNvPicPr preferRelativeResize="0"/>
+          <p:nvPr/>
+        </p:nvPicPr>
+        <p:blipFill rotWithShape="1">
+          <a:blip r:embed="rId3"/>
+          <a:srcRect/>
+          <a:stretch>
+            <a:fillRect/>
+          </a:stretch>
+        </p:blipFill>
+        <p:spPr>
+          <a:xfrm>
+            <a:off x="140110" y="112359"/>
+            <a:ext cx="1720646" cy="723209"/>
+          </a:xfrm>
+          <a:prstGeom prst="rect">
+            <a:avLst/>
+          </a:prstGeom>
+          <a:noFill/>
+          <a:ln>
+            <a:noFill/>
+          </a:ln>
+        </p:spPr>
+      </p:pic>
+      <p:sp>
+        <p:nvSpPr>
+          <p:cNvPr id="8" name="TextBox 7">
+            <a:extLst>
+              <a:ext uri="{FF2B5EF4-FFF2-40B4-BE49-F238E27FC236}">
+                <a16:creationId xmlns:a16="http://schemas.microsoft.com/office/drawing/2014/main" id="{8A9A0282-35F9-1FBF-58A9-590EE35CA492}"/>
+              </a:ext>
+            </a:extLst>
+          </p:cNvPr>
+          <p:cNvSpPr txBox="1"/>
+          <p:nvPr/>
+        </p:nvSpPr>
+        <p:spPr>
+          <a:xfrm>
+            <a:off x="164891" y="3991947"/>
+            <a:ext cx="8645294" cy="2308324"/>
+          </a:xfrm>
+          <a:prstGeom prst="rect">
+            <a:avLst/>
+          </a:prstGeom>
+          <a:noFill/>
+        </p:spPr>
+        <p:txBody>
+          <a:bodyPr wrap="square">
+            <a:spAutoFit/>
+          </a:bodyPr>
+          <a:lstStyle/>
+          <a:p>
+            <a:pPr algn="just"/>
+            <a:r>
+              <a:rPr lang="en-IN" sz="1600" b="1" dirty="0">
+                <a:solidFill>
+                  <a:schemeClr val="tx1"/>
+                </a:solidFill>
+                <a:latin typeface="Times New Roman" panose="02020603050405020304" pitchFamily="18" charset="0"/>
+                <a:cs typeface="Times New Roman" panose="02020603050405020304" pitchFamily="18" charset="0"/>
+              </a:rPr>
+              <a:t>Phase 2:</a:t>
+            </a:r>
+            <a:r>
+              <a:rPr lang="en-IN" sz="1600" dirty="0">
+                <a:solidFill>
+                  <a:schemeClr val="tx1"/>
+                </a:solidFill>
+                <a:latin typeface="Times New Roman" panose="02020603050405020304" pitchFamily="18" charset="0"/>
+                <a:cs typeface="Times New Roman" panose="02020603050405020304" pitchFamily="18" charset="0"/>
+              </a:rPr>
+              <a:t> </a:t>
+            </a:r>
+            <a:r>
+              <a:rPr lang="en-IN" sz="1600" b="1" dirty="0">
+                <a:solidFill>
+                  <a:schemeClr val="tx1"/>
+                </a:solidFill>
+                <a:latin typeface="Times New Roman" panose="02020603050405020304" pitchFamily="18" charset="0"/>
+                <a:cs typeface="Times New Roman" panose="02020603050405020304" pitchFamily="18" charset="0"/>
+              </a:rPr>
+              <a:t>Hardware Implementation</a:t>
+            </a:r>
+          </a:p>
+          <a:p>
+            <a:pPr marL="342900" indent="-342900" algn="just">
+              <a:buFont typeface="+mj-lt"/>
+              <a:buAutoNum type="arabicPeriod"/>
+            </a:pPr>
+            <a:r>
+              <a:rPr lang="en-IN" sz="1600" dirty="0">
+                <a:solidFill>
+                  <a:schemeClr val="tx1"/>
+                </a:solidFill>
+                <a:latin typeface="Times New Roman" panose="02020603050405020304" pitchFamily="18" charset="0"/>
+                <a:cs typeface="Times New Roman" panose="02020603050405020304" pitchFamily="18" charset="0"/>
+              </a:rPr>
+              <a:t>Setup for Alcohol Detection: Connect the MQ-3 sensor with a microcontroller. Write the program on the microcontroller to read the </a:t>
+            </a:r>
+            <a:r>
+              <a:rPr lang="en-IN" sz="1600" dirty="0" err="1">
+                <a:solidFill>
+                  <a:schemeClr val="tx1"/>
+                </a:solidFill>
+                <a:latin typeface="Times New Roman" panose="02020603050405020304" pitchFamily="18" charset="0"/>
+                <a:cs typeface="Times New Roman" panose="02020603050405020304" pitchFamily="18" charset="0"/>
+              </a:rPr>
+              <a:t>analog</a:t>
+            </a:r>
+            <a:r>
+              <a:rPr lang="en-IN" sz="1600" dirty="0">
+                <a:solidFill>
+                  <a:schemeClr val="tx1"/>
+                </a:solidFill>
+                <a:latin typeface="Times New Roman" panose="02020603050405020304" pitchFamily="18" charset="0"/>
+                <a:cs typeface="Times New Roman" panose="02020603050405020304" pitchFamily="18" charset="0"/>
+              </a:rPr>
+              <a:t> readings of the sensor.</a:t>
+            </a:r>
+          </a:p>
+          <a:p>
+            <a:pPr marL="342900" indent="-342900" algn="just">
+              <a:buFont typeface="+mj-lt"/>
+              <a:buAutoNum type="arabicPeriod"/>
+            </a:pPr>
+            <a:r>
+              <a:rPr lang="en-IN" sz="1600" dirty="0">
+                <a:solidFill>
+                  <a:schemeClr val="tx1"/>
+                </a:solidFill>
+                <a:latin typeface="Times New Roman" panose="02020603050405020304" pitchFamily="18" charset="0"/>
+                <a:cs typeface="Times New Roman" panose="02020603050405020304" pitchFamily="18" charset="0"/>
+              </a:rPr>
+              <a:t>Setup for Integration of Sleep Detection System:- Utilize an IR sensor or camera module with a microcontroller. Implement eye-tracking (for the sake of accuracy: through OpenCV on Raspberry Pi). Include a buzzer or siren for alerts.</a:t>
+            </a:r>
+          </a:p>
+          <a:p>
+            <a:pPr marL="342900" indent="-342900" algn="just">
+              <a:buFont typeface="+mj-lt"/>
+              <a:buAutoNum type="arabicPeriod"/>
+            </a:pPr>
+            <a:r>
+              <a:rPr lang="en-US" sz="1600" dirty="0">
+                <a:solidFill>
+                  <a:schemeClr val="tx1"/>
+                </a:solidFill>
+                <a:latin typeface="Times New Roman" panose="02020603050405020304" pitchFamily="18" charset="0"/>
+                <a:cs typeface="Times New Roman" panose="02020603050405020304" pitchFamily="18" charset="0"/>
+              </a:rPr>
+              <a:t>Control Ignition System: Connect a relay module for simulating car ignition control and to program that it will shut down ignition if alcohol is present.</a:t>
+            </a:r>
+          </a:p>
+          <a:p>
+            <a:pPr marL="342900" indent="-342900" algn="just">
+              <a:buFont typeface="+mj-lt"/>
+              <a:buAutoNum type="arabicPeriod"/>
+            </a:pPr>
+            <a:r>
+              <a:rPr lang="en-US" sz="1600" dirty="0">
+                <a:solidFill>
+                  <a:schemeClr val="tx1"/>
+                </a:solidFill>
+                <a:latin typeface="Times New Roman" panose="02020603050405020304" pitchFamily="18" charset="0"/>
+                <a:cs typeface="Times New Roman" panose="02020603050405020304" pitchFamily="18" charset="0"/>
+              </a:rPr>
+              <a:t>Power Management: Use stable supply or battery configuration for the parts of the hardware.</a:t>
+            </a:r>
+            <a:endParaRPr lang="en-IN" sz="1600" dirty="0">
+              <a:solidFill>
+                <a:schemeClr val="tx1"/>
+              </a:solidFill>
+              <a:latin typeface="Times New Roman" panose="02020603050405020304" pitchFamily="18" charset="0"/>
+              <a:cs typeface="Times New Roman" panose="02020603050405020304" pitchFamily="18" charset="0"/>
+            </a:endParaRPr>
+          </a:p>
+        </p:txBody>
+      </p:sp>
+      <p:sp>
+        <p:nvSpPr>
+          <p:cNvPr id="10" name="TextBox 9">
+            <a:extLst>
+              <a:ext uri="{FF2B5EF4-FFF2-40B4-BE49-F238E27FC236}">
+                <a16:creationId xmlns:a16="http://schemas.microsoft.com/office/drawing/2014/main" id="{0FE7368A-E1CC-BBD5-FD59-BCEBF0D37DA1}"/>
+              </a:ext>
+            </a:extLst>
+          </p:cNvPr>
+          <p:cNvSpPr txBox="1"/>
+          <p:nvPr/>
+        </p:nvSpPr>
+        <p:spPr>
+          <a:xfrm>
+            <a:off x="164890" y="996174"/>
+            <a:ext cx="8521909" cy="2831544"/>
+          </a:xfrm>
+          <a:prstGeom prst="rect">
+            <a:avLst/>
+          </a:prstGeom>
+          <a:noFill/>
+        </p:spPr>
+        <p:txBody>
+          <a:bodyPr wrap="square">
+            <a:spAutoFit/>
+          </a:bodyPr>
+          <a:lstStyle/>
+          <a:p>
+            <a:pPr algn="just"/>
+            <a:r>
+              <a:rPr lang="en-IN" sz="1600" b="1" dirty="0">
+                <a:latin typeface="Times New Roman" panose="02020603050405020304" pitchFamily="18" charset="0"/>
+                <a:cs typeface="Times New Roman" panose="02020603050405020304" pitchFamily="18" charset="0"/>
+              </a:rPr>
+              <a:t>Phase 1:</a:t>
+            </a:r>
+            <a:r>
+              <a:rPr lang="en-IN" sz="1600" dirty="0">
+                <a:latin typeface="Times New Roman" panose="02020603050405020304" pitchFamily="18" charset="0"/>
+                <a:cs typeface="Times New Roman" panose="02020603050405020304" pitchFamily="18" charset="0"/>
+              </a:rPr>
+              <a:t> </a:t>
+            </a:r>
+            <a:r>
+              <a:rPr lang="en-IN" sz="1600" b="1" dirty="0">
+                <a:latin typeface="Times New Roman" panose="02020603050405020304" pitchFamily="18" charset="0"/>
+                <a:cs typeface="Times New Roman" panose="02020603050405020304" pitchFamily="18" charset="0"/>
+              </a:rPr>
+              <a:t>Planning and Requirements Gathering</a:t>
+            </a:r>
+          </a:p>
+          <a:p>
+            <a:pPr marL="342900" indent="-342900" algn="just">
+              <a:buAutoNum type="arabicPeriod"/>
+            </a:pPr>
+            <a:r>
+              <a:rPr lang="en-IN" sz="1600" dirty="0">
+                <a:latin typeface="Times New Roman" panose="02020603050405020304" pitchFamily="18" charset="0"/>
+                <a:cs typeface="Times New Roman" panose="02020603050405020304" pitchFamily="18" charset="0"/>
+              </a:rPr>
+              <a:t>Define the Project Goals:  </a:t>
+            </a:r>
+          </a:p>
+          <a:p>
+            <a:pPr marL="285750" indent="-285750" algn="just">
+              <a:buFont typeface="Arial" panose="020B0604020202020204" pitchFamily="34" charset="0"/>
+              <a:buChar char="•"/>
+            </a:pPr>
+            <a:r>
+              <a:rPr lang="en-IN" sz="1600" dirty="0">
+                <a:latin typeface="Times New Roman" panose="02020603050405020304" pitchFamily="18" charset="0"/>
+                <a:cs typeface="Times New Roman" panose="02020603050405020304" pitchFamily="18" charset="0"/>
+              </a:rPr>
+              <a:t> Detect alcohol concentration in breath. Prevent car ignition when alcohol is detected.</a:t>
+            </a:r>
+          </a:p>
+          <a:p>
+            <a:pPr marL="285750" indent="-285750" algn="just">
+              <a:buFont typeface="Arial" panose="020B0604020202020204" pitchFamily="34" charset="0"/>
+              <a:buChar char="•"/>
+            </a:pPr>
+            <a:r>
+              <a:rPr lang="en-IN" sz="1600" dirty="0">
+                <a:latin typeface="Times New Roman" panose="02020603050405020304" pitchFamily="18" charset="0"/>
+                <a:cs typeface="Times New Roman" panose="02020603050405020304" pitchFamily="18" charset="0"/>
+              </a:rPr>
+              <a:t> Sleep detection should be implemented with a siren alert. </a:t>
+            </a:r>
+          </a:p>
+          <a:p>
+            <a:pPr marL="285750" indent="-285750" algn="just">
+              <a:buFont typeface="Arial" panose="020B0604020202020204" pitchFamily="34" charset="0"/>
+              <a:buChar char="•"/>
+            </a:pPr>
+            <a:r>
+              <a:rPr lang="en-IN" sz="1600" dirty="0">
+                <a:latin typeface="Times New Roman" panose="02020603050405020304" pitchFamily="18" charset="0"/>
+                <a:cs typeface="Times New Roman" panose="02020603050405020304" pitchFamily="18" charset="0"/>
+              </a:rPr>
+              <a:t> Notifications to family members should be sent.</a:t>
+            </a:r>
+          </a:p>
+          <a:p>
+            <a:pPr algn="just"/>
+            <a:r>
+              <a:rPr lang="en-IN" sz="1600" dirty="0">
+                <a:latin typeface="Times New Roman" panose="02020603050405020304" pitchFamily="18" charset="0"/>
+                <a:cs typeface="Times New Roman" panose="02020603050405020304" pitchFamily="18" charset="0"/>
+              </a:rPr>
+              <a:t>2.   Select Appropriate Components:  </a:t>
+            </a:r>
+          </a:p>
+          <a:p>
+            <a:pPr marL="285750" indent="-285750" algn="just">
+              <a:buFont typeface="Arial" panose="020B0604020202020204" pitchFamily="34" charset="0"/>
+              <a:buChar char="•"/>
+            </a:pPr>
+            <a:r>
+              <a:rPr lang="en-IN" sz="1600" dirty="0">
+                <a:latin typeface="Times New Roman" panose="02020603050405020304" pitchFamily="18" charset="0"/>
+                <a:cs typeface="Times New Roman" panose="02020603050405020304" pitchFamily="18" charset="0"/>
+              </a:rPr>
+              <a:t>Sensors: MQ-3 for </a:t>
+            </a:r>
+            <a:r>
+              <a:rPr lang="en-IN" sz="1800" dirty="0">
+                <a:latin typeface="Times New Roman" panose="02020603050405020304" pitchFamily="18" charset="0"/>
+                <a:cs typeface="Times New Roman" panose="02020603050405020304" pitchFamily="18" charset="0"/>
+              </a:rPr>
+              <a:t>alcohol</a:t>
+            </a:r>
+            <a:r>
+              <a:rPr lang="en-IN" sz="1600" dirty="0">
+                <a:latin typeface="Times New Roman" panose="02020603050405020304" pitchFamily="18" charset="0"/>
+                <a:cs typeface="Times New Roman" panose="02020603050405020304" pitchFamily="18" charset="0"/>
+              </a:rPr>
+              <a:t> detection and IR sensor/Camera for drowsiness.</a:t>
+            </a:r>
+          </a:p>
+          <a:p>
+            <a:pPr marL="285750" indent="-285750" algn="just">
+              <a:buFont typeface="Arial" panose="020B0604020202020204" pitchFamily="34" charset="0"/>
+              <a:buChar char="•"/>
+            </a:pPr>
+            <a:r>
+              <a:rPr lang="en-IN" sz="1600" dirty="0">
+                <a:latin typeface="Times New Roman" panose="02020603050405020304" pitchFamily="18" charset="0"/>
+                <a:cs typeface="Times New Roman" panose="02020603050405020304" pitchFamily="18" charset="0"/>
+              </a:rPr>
+              <a:t> Microcontrollers: Arduino, ESP32, or Raspberry Pi.  </a:t>
+            </a:r>
+          </a:p>
+          <a:p>
+            <a:pPr marL="285750" indent="-285750" algn="just">
+              <a:buFont typeface="Arial" panose="020B0604020202020204" pitchFamily="34" charset="0"/>
+              <a:buChar char="•"/>
+            </a:pPr>
+            <a:r>
+              <a:rPr lang="en-IN" sz="1600" dirty="0">
+                <a:latin typeface="Times New Roman" panose="02020603050405020304" pitchFamily="18" charset="0"/>
+                <a:cs typeface="Times New Roman" panose="02020603050405020304" pitchFamily="18" charset="0"/>
+              </a:rPr>
+              <a:t> Communication tools: Wi-Fi/Bluetooth for alerts and notifications.</a:t>
+            </a:r>
+          </a:p>
+          <a:p>
+            <a:pPr algn="just"/>
+            <a:r>
+              <a:rPr lang="en-IN" sz="1600" dirty="0">
+                <a:latin typeface="Times New Roman" panose="02020603050405020304" pitchFamily="18" charset="0"/>
+                <a:cs typeface="Times New Roman" panose="02020603050405020304" pitchFamily="18" charset="0"/>
+              </a:rPr>
+              <a:t>3. Generate System Flow Diagram: Design the workflows of alcohol detection, sleep detection, and alert systems.</a:t>
+            </a:r>
+          </a:p>
+        </p:txBody>
+      </p:sp>
+    </p:spTree>
+  </p:cSld>
+  <p:clrMapOvr>
+    <a:masterClrMapping/>
+  </p:clrMapOvr>
+</p:sld>
+</file>
+
+<file path=ppt/slides/slide11.xml><?xml version="1.0" encoding="utf-8"?>
+<p:sld xmlns:a="http://schemas.openxmlformats.org/drawingml/2006/main" xmlns:r="http://schemas.openxmlformats.org/officeDocument/2006/relationships" xmlns:p="http://schemas.openxmlformats.org/presentationml/2006/main">
+  <p:cSld>
+    <p:spTree>
+      <p:nvGrpSpPr>
+        <p:cNvPr id="1" name="Shape 75">
+          <a:extLst>
+            <a:ext uri="{FF2B5EF4-FFF2-40B4-BE49-F238E27FC236}">
+              <a16:creationId xmlns:a16="http://schemas.microsoft.com/office/drawing/2014/main" id="{03F02ACF-2640-427E-3B38-B5134F16B7BA}"/>
+            </a:ext>
+          </a:extLst>
+        </p:cNvPr>
+        <p:cNvGrpSpPr/>
+        <p:nvPr/>
+      </p:nvGrpSpPr>
+      <p:grpSpPr>
+        <a:xfrm>
+          <a:off x="0" y="0"/>
+          <a:ext cx="0" cy="0"/>
+          <a:chOff x="0" y="0"/>
+          <a:chExt cx="0" cy="0"/>
+        </a:xfrm>
+      </p:grpSpPr>
+      <p:sp>
+        <p:nvSpPr>
+          <p:cNvPr id="76" name="Google Shape;76;p2">
+            <a:extLst>
+              <a:ext uri="{FF2B5EF4-FFF2-40B4-BE49-F238E27FC236}">
+                <a16:creationId xmlns:a16="http://schemas.microsoft.com/office/drawing/2014/main" id="{2487090B-21DC-1854-B122-6EF4E0E779BB}"/>
+              </a:ext>
+            </a:extLst>
+          </p:cNvPr>
+          <p:cNvSpPr txBox="1">
+            <a:spLocks noGrp="1"/>
+          </p:cNvSpPr>
+          <p:nvPr>
+            <p:ph type="title"/>
+          </p:nvPr>
+        </p:nvSpPr>
+        <p:spPr>
+          <a:xfrm>
+            <a:off x="1066800" y="76199"/>
+            <a:ext cx="6477000" cy="839400"/>
+          </a:xfrm>
+          <a:prstGeom prst="rect">
+            <a:avLst/>
+          </a:prstGeom>
+          <a:noFill/>
+          <a:ln>
+            <a:noFill/>
+          </a:ln>
+        </p:spPr>
+        <p:txBody>
+          <a:bodyPr spcFirstLastPara="1" wrap="square" lIns="91425" tIns="45700" rIns="91425" bIns="45700" anchor="ctr" anchorCtr="0">
+            <a:noAutofit/>
+          </a:bodyPr>
+          <a:lstStyle/>
+          <a:p>
+            <a:pPr marL="0" lvl="0" indent="0" rtl="0">
+              <a:lnSpc>
+                <a:spcPct val="100000"/>
+              </a:lnSpc>
+              <a:spcBef>
+                <a:spcPts val="0"/>
+              </a:spcBef>
+              <a:spcAft>
+                <a:spcPts val="0"/>
+              </a:spcAft>
+              <a:buSzPts val="1400"/>
+              <a:buNone/>
+            </a:pPr>
+            <a:r>
+              <a:rPr lang="en-US" sz="3600" b="1">
+                <a:latin typeface="Times New Roman" panose="02020603050405020304"/>
+                <a:ea typeface="Times New Roman" panose="02020603050405020304"/>
+                <a:cs typeface="Times New Roman" panose="02020603050405020304"/>
+                <a:sym typeface="Times New Roman" panose="02020603050405020304"/>
+              </a:rPr>
+              <a:t>Implementation Plan</a:t>
+            </a:r>
+            <a:endParaRPr sz="5400" b="1">
+              <a:solidFill>
+                <a:srgbClr val="0C0C0C"/>
+              </a:solidFill>
+              <a:latin typeface="Times New Roman" panose="02020603050405020304"/>
+              <a:ea typeface="Times New Roman" panose="02020603050405020304"/>
+              <a:cs typeface="Times New Roman" panose="02020603050405020304"/>
+              <a:sym typeface="Times New Roman" panose="02020603050405020304"/>
+            </a:endParaRPr>
+          </a:p>
+        </p:txBody>
+      </p:sp>
+      <p:sp>
+        <p:nvSpPr>
+          <p:cNvPr id="77" name="Google Shape;77;p2">
+            <a:extLst>
+              <a:ext uri="{FF2B5EF4-FFF2-40B4-BE49-F238E27FC236}">
+                <a16:creationId xmlns:a16="http://schemas.microsoft.com/office/drawing/2014/main" id="{121D227E-7BDF-9DFB-6E2E-210AA16FEB5B}"/>
+              </a:ext>
+            </a:extLst>
+          </p:cNvPr>
+          <p:cNvSpPr txBox="1">
+            <a:spLocks noGrp="1"/>
+          </p:cNvSpPr>
+          <p:nvPr>
+            <p:ph type="body" idx="1"/>
+          </p:nvPr>
+        </p:nvSpPr>
+        <p:spPr>
+          <a:xfrm>
+            <a:off x="164891" y="1064302"/>
+            <a:ext cx="8844197" cy="5292048"/>
+          </a:xfrm>
+          <a:prstGeom prst="rect">
+            <a:avLst/>
+          </a:prstGeom>
+          <a:noFill/>
+          <a:ln>
+            <a:noFill/>
+          </a:ln>
+        </p:spPr>
+        <p:txBody>
+          <a:bodyPr spcFirstLastPara="1" wrap="square" lIns="91425" tIns="45700" rIns="91425" bIns="45700" anchor="t" anchorCtr="0">
+            <a:noAutofit/>
+          </a:bodyPr>
+          <a:lstStyle/>
+          <a:p>
+            <a:pPr marL="114300" lvl="0" indent="0" algn="ctr" rtl="0">
+              <a:lnSpc>
+                <a:spcPct val="100000"/>
+              </a:lnSpc>
+              <a:spcBef>
+                <a:spcPts val="360"/>
+              </a:spcBef>
+              <a:spcAft>
+                <a:spcPts val="0"/>
+              </a:spcAft>
+              <a:buSzPts val="1800"/>
+              <a:buNone/>
+            </a:pPr>
+            <a:endParaRPr dirty="0">
+              <a:latin typeface="Times New Roman" panose="02020603050405020304"/>
+              <a:ea typeface="Times New Roman" panose="02020603050405020304"/>
+              <a:cs typeface="Times New Roman" panose="02020603050405020304"/>
+              <a:sym typeface="Times New Roman" panose="02020603050405020304"/>
+            </a:endParaRPr>
+          </a:p>
+          <a:p>
+            <a:pPr marL="114300" lvl="0" indent="0" algn="ctr" rtl="0">
+              <a:lnSpc>
+                <a:spcPct val="100000"/>
+              </a:lnSpc>
+              <a:spcBef>
+                <a:spcPts val="360"/>
+              </a:spcBef>
+              <a:spcAft>
+                <a:spcPts val="0"/>
+              </a:spcAft>
+              <a:buSzPts val="1800"/>
+              <a:buNone/>
+            </a:pPr>
+            <a:endParaRPr dirty="0">
+              <a:latin typeface="Times New Roman" panose="02020603050405020304"/>
+              <a:ea typeface="Times New Roman" panose="02020603050405020304"/>
+              <a:cs typeface="Times New Roman" panose="02020603050405020304"/>
+              <a:sym typeface="Times New Roman" panose="02020603050405020304"/>
+            </a:endParaRPr>
+          </a:p>
+        </p:txBody>
+      </p:sp>
+      <p:sp>
+        <p:nvSpPr>
+          <p:cNvPr id="78" name="Google Shape;78;p2">
+            <a:extLst>
+              <a:ext uri="{FF2B5EF4-FFF2-40B4-BE49-F238E27FC236}">
+                <a16:creationId xmlns:a16="http://schemas.microsoft.com/office/drawing/2014/main" id="{6972602B-F6F8-3243-66B3-ED2D03352A42}"/>
+              </a:ext>
+            </a:extLst>
+          </p:cNvPr>
+          <p:cNvSpPr txBox="1">
+            <a:spLocks noGrp="1"/>
+          </p:cNvSpPr>
+          <p:nvPr>
+            <p:ph type="sldNum" idx="12"/>
+          </p:nvPr>
+        </p:nvSpPr>
+        <p:spPr>
+          <a:xfrm>
+            <a:off x="6553200" y="6356350"/>
+            <a:ext cx="2133600" cy="365125"/>
+          </a:xfrm>
+          <a:prstGeom prst="rect">
+            <a:avLst/>
+          </a:prstGeom>
+          <a:noFill/>
+          <a:ln>
+            <a:noFill/>
+          </a:ln>
+        </p:spPr>
+        <p:txBody>
+          <a:bodyPr spcFirstLastPara="1" wrap="square" lIns="91425" tIns="45700" rIns="91425" bIns="45700" anchor="ctr" anchorCtr="0">
+            <a:noAutofit/>
+          </a:bodyPr>
+          <a:lstStyle/>
+          <a:p>
+            <a:pPr marL="0" lvl="0" indent="0" algn="ctr" rtl="0">
+              <a:lnSpc>
+                <a:spcPct val="100000"/>
+              </a:lnSpc>
+              <a:spcBef>
+                <a:spcPts val="0"/>
+              </a:spcBef>
+              <a:spcAft>
+                <a:spcPts val="0"/>
+              </a:spcAft>
+              <a:buSzPts val="1200"/>
+              <a:buNone/>
+            </a:pPr>
+            <a:fld id="{00000000-1234-1234-1234-123412341234}" type="slidenum">
+              <a:rPr lang="en-US"/>
+              <a:pPr marL="0" lvl="0" indent="0" algn="ctr" rtl="0">
+                <a:lnSpc>
+                  <a:spcPct val="100000"/>
+                </a:lnSpc>
+                <a:spcBef>
+                  <a:spcPts val="0"/>
+                </a:spcBef>
+                <a:spcAft>
+                  <a:spcPts val="0"/>
+                </a:spcAft>
+                <a:buSzPts val="1200"/>
+                <a:buNone/>
+              </a:pPr>
+              <a:t>11</a:t>
+            </a:fld>
+            <a:endParaRPr lang="en-US"/>
+          </a:p>
+        </p:txBody>
+      </p:sp>
+      <p:pic>
+        <p:nvPicPr>
+          <p:cNvPr id="79" name="Google Shape;79;p2">
+            <a:extLst>
+              <a:ext uri="{FF2B5EF4-FFF2-40B4-BE49-F238E27FC236}">
+                <a16:creationId xmlns:a16="http://schemas.microsoft.com/office/drawing/2014/main" id="{785D05A3-40FA-527B-2F4E-77AABD9EB3C2}"/>
+              </a:ext>
+            </a:extLst>
+          </p:cNvPr>
+          <p:cNvPicPr preferRelativeResize="0"/>
+          <p:nvPr/>
+        </p:nvPicPr>
+        <p:blipFill rotWithShape="1">
+          <a:blip r:embed="rId3"/>
+          <a:srcRect/>
+          <a:stretch>
+            <a:fillRect/>
+          </a:stretch>
+        </p:blipFill>
+        <p:spPr>
+          <a:xfrm>
+            <a:off x="140110" y="112359"/>
+            <a:ext cx="1720646" cy="723209"/>
+          </a:xfrm>
+          <a:prstGeom prst="rect">
+            <a:avLst/>
+          </a:prstGeom>
+          <a:noFill/>
+          <a:ln>
+            <a:noFill/>
+          </a:ln>
+        </p:spPr>
+      </p:pic>
+      <p:sp>
+        <p:nvSpPr>
+          <p:cNvPr id="5" name="TextBox 4">
+            <a:extLst>
+              <a:ext uri="{FF2B5EF4-FFF2-40B4-BE49-F238E27FC236}">
+                <a16:creationId xmlns:a16="http://schemas.microsoft.com/office/drawing/2014/main" id="{08247EC3-62F8-BE4D-21A1-DEDA03D68AAD}"/>
+              </a:ext>
+            </a:extLst>
+          </p:cNvPr>
+          <p:cNvSpPr txBox="1"/>
+          <p:nvPr/>
+        </p:nvSpPr>
+        <p:spPr>
+          <a:xfrm>
+            <a:off x="269258" y="1064302"/>
+            <a:ext cx="8605483" cy="4524315"/>
+          </a:xfrm>
+          <a:prstGeom prst="rect">
+            <a:avLst/>
+          </a:prstGeom>
+          <a:noFill/>
+        </p:spPr>
+        <p:txBody>
+          <a:bodyPr wrap="square">
+            <a:spAutoFit/>
+          </a:bodyPr>
+          <a:lstStyle/>
+          <a:p>
+            <a:pPr algn="just"/>
+            <a:r>
+              <a:rPr lang="en-US" sz="1600" b="1" dirty="0">
+                <a:latin typeface="Times New Roman" panose="02020603050405020304" pitchFamily="18" charset="0"/>
+                <a:cs typeface="Times New Roman" panose="02020603050405020304" pitchFamily="18" charset="0"/>
+              </a:rPr>
+              <a:t>Phase 3: Software Development</a:t>
+            </a:r>
+          </a:p>
+          <a:p>
+            <a:pPr algn="just"/>
+            <a:r>
+              <a:rPr lang="en-US" sz="1600" dirty="0">
+                <a:latin typeface="Times New Roman" panose="02020603050405020304" pitchFamily="18" charset="0"/>
+                <a:cs typeface="Times New Roman" panose="02020603050405020304" pitchFamily="18" charset="0"/>
+              </a:rPr>
+              <a:t>1.  </a:t>
+            </a:r>
+            <a:r>
+              <a:rPr lang="en-US" sz="1600" u="sng" dirty="0">
+                <a:latin typeface="Times New Roman" panose="02020603050405020304" pitchFamily="18" charset="0"/>
+                <a:cs typeface="Times New Roman" panose="02020603050405020304" pitchFamily="18" charset="0"/>
+              </a:rPr>
+              <a:t>Microcontroller Programming:    </a:t>
+            </a:r>
+          </a:p>
+          <a:p>
+            <a:pPr marL="285750" indent="-285750" algn="just">
+              <a:buFont typeface="Arial" panose="020B0604020202020204" pitchFamily="34" charset="0"/>
+              <a:buChar char="•"/>
+            </a:pPr>
+            <a:r>
+              <a:rPr lang="en-US" sz="1600" dirty="0">
+                <a:latin typeface="Times New Roman" panose="02020603050405020304" pitchFamily="18" charset="0"/>
+                <a:cs typeface="Times New Roman" panose="02020603050405020304" pitchFamily="18" charset="0"/>
+              </a:rPr>
+              <a:t>Arduino IDE or </a:t>
+            </a:r>
+            <a:r>
+              <a:rPr lang="en-US" sz="1600" dirty="0" err="1">
+                <a:latin typeface="Times New Roman" panose="02020603050405020304" pitchFamily="18" charset="0"/>
+                <a:cs typeface="Times New Roman" panose="02020603050405020304" pitchFamily="18" charset="0"/>
+              </a:rPr>
+              <a:t>MicroPython</a:t>
+            </a:r>
+            <a:r>
+              <a:rPr lang="en-US" sz="1600" dirty="0">
+                <a:latin typeface="Times New Roman" panose="02020603050405020304" pitchFamily="18" charset="0"/>
+                <a:cs typeface="Times New Roman" panose="02020603050405020304" pitchFamily="18" charset="0"/>
+              </a:rPr>
+              <a:t> could be used to command the sensor and logic flow. </a:t>
+            </a:r>
+          </a:p>
+          <a:p>
+            <a:pPr marL="285750" indent="-285750" algn="just">
+              <a:buFont typeface="Arial" panose="020B0604020202020204" pitchFamily="34" charset="0"/>
+              <a:buChar char="•"/>
+            </a:pPr>
+            <a:r>
+              <a:rPr lang="en-US" sz="1600" dirty="0">
+                <a:latin typeface="Times New Roman" panose="02020603050405020304" pitchFamily="18" charset="0"/>
+                <a:cs typeface="Times New Roman" panose="02020603050405020304" pitchFamily="18" charset="0"/>
+              </a:rPr>
+              <a:t>Program the threshold alcohol levels and sleep detection triggers.</a:t>
+            </a:r>
+          </a:p>
+          <a:p>
+            <a:pPr algn="just"/>
+            <a:r>
+              <a:rPr lang="en-US" sz="1600" dirty="0">
+                <a:latin typeface="Times New Roman" panose="02020603050405020304" pitchFamily="18" charset="0"/>
+                <a:cs typeface="Times New Roman" panose="02020603050405020304" pitchFamily="18" charset="0"/>
+              </a:rPr>
+              <a:t>2.  </a:t>
+            </a:r>
+            <a:r>
+              <a:rPr lang="en-US" sz="1600" u="sng" dirty="0">
+                <a:latin typeface="Times New Roman" panose="02020603050405020304" pitchFamily="18" charset="0"/>
+                <a:cs typeface="Times New Roman" panose="02020603050405020304" pitchFamily="18" charset="0"/>
+              </a:rPr>
+              <a:t>Alerting Notification System: </a:t>
+            </a:r>
+          </a:p>
+          <a:p>
+            <a:pPr marL="285750" indent="-285750" algn="just">
+              <a:buFont typeface="Arial" panose="020B0604020202020204" pitchFamily="34" charset="0"/>
+              <a:buChar char="•"/>
+            </a:pPr>
+            <a:r>
+              <a:rPr lang="en-US" sz="1600" dirty="0">
+                <a:latin typeface="Times New Roman" panose="02020603050405020304" pitchFamily="18" charset="0"/>
+                <a:cs typeface="Times New Roman" panose="02020603050405020304" pitchFamily="18" charset="0"/>
+              </a:rPr>
+              <a:t>Implement APIs such as Twilio/IFTTT to make alerts via   SMS/Email sent to family members.</a:t>
+            </a:r>
+          </a:p>
+          <a:p>
+            <a:pPr algn="just"/>
+            <a:r>
+              <a:rPr lang="en-US" sz="1600" dirty="0">
+                <a:latin typeface="Times New Roman" panose="02020603050405020304" pitchFamily="18" charset="0"/>
+                <a:cs typeface="Times New Roman" panose="02020603050405020304" pitchFamily="18" charset="0"/>
+              </a:rPr>
+              <a:t>3.  </a:t>
+            </a:r>
+            <a:r>
+              <a:rPr lang="en-US" sz="1600" u="sng" dirty="0">
+                <a:latin typeface="Times New Roman" panose="02020603050405020304" pitchFamily="18" charset="0"/>
+                <a:cs typeface="Times New Roman" panose="02020603050405020304" pitchFamily="18" charset="0"/>
+              </a:rPr>
+              <a:t>Mobile App or Dashboard Optional: </a:t>
+            </a:r>
+          </a:p>
+          <a:p>
+            <a:pPr marL="285750" indent="-285750" algn="just">
+              <a:buFont typeface="Arial" panose="020B0604020202020204" pitchFamily="34" charset="0"/>
+              <a:buChar char="•"/>
+            </a:pPr>
+            <a:r>
+              <a:rPr lang="en-US" sz="1600" dirty="0">
+                <a:latin typeface="Times New Roman" panose="02020603050405020304" pitchFamily="18" charset="0"/>
+                <a:cs typeface="Times New Roman" panose="02020603050405020304" pitchFamily="18" charset="0"/>
+              </a:rPr>
+              <a:t> Create a low-level app for monitoring based on Flutter/React Native.           </a:t>
+            </a:r>
+          </a:p>
+          <a:p>
+            <a:pPr marL="285750" indent="-285750" algn="just">
+              <a:buFont typeface="Arial" panose="020B0604020202020204" pitchFamily="34" charset="0"/>
+              <a:buChar char="•"/>
+            </a:pPr>
+            <a:r>
+              <a:rPr lang="en-US" sz="1600" dirty="0">
+                <a:latin typeface="Times New Roman" panose="02020603050405020304" pitchFamily="18" charset="0"/>
+                <a:cs typeface="Times New Roman" panose="02020603050405020304" pitchFamily="18" charset="0"/>
+              </a:rPr>
+              <a:t> Display real-time sensor information, with a log of alerts</a:t>
+            </a:r>
+          </a:p>
+          <a:p>
+            <a:pPr algn="just"/>
+            <a:r>
+              <a:rPr lang="en-US" sz="1600" dirty="0">
+                <a:latin typeface="Times New Roman" panose="02020603050405020304" pitchFamily="18" charset="0"/>
+                <a:cs typeface="Times New Roman" panose="02020603050405020304" pitchFamily="18" charset="0"/>
+              </a:rPr>
+              <a:t>4.  </a:t>
+            </a:r>
+            <a:r>
+              <a:rPr lang="en-US" sz="1600" u="sng" dirty="0">
+                <a:latin typeface="Times New Roman" panose="02020603050405020304" pitchFamily="18" charset="0"/>
+                <a:cs typeface="Times New Roman" panose="02020603050405020304" pitchFamily="18" charset="0"/>
+              </a:rPr>
+              <a:t>Testing and Debugging : </a:t>
+            </a:r>
+          </a:p>
+          <a:p>
+            <a:pPr marL="285750" indent="-285750" algn="just">
+              <a:buFont typeface="Arial" panose="020B0604020202020204" pitchFamily="34" charset="0"/>
+              <a:buChar char="•"/>
+            </a:pPr>
+            <a:r>
+              <a:rPr lang="en-US" sz="1600" dirty="0">
+                <a:latin typeface="Times New Roman" panose="02020603050405020304" pitchFamily="18" charset="0"/>
+                <a:cs typeface="Times New Roman" panose="02020603050405020304" pitchFamily="18" charset="0"/>
+              </a:rPr>
+              <a:t>Test alcohol detection with ignition control.</a:t>
+            </a:r>
+          </a:p>
+          <a:p>
+            <a:pPr marL="285750" indent="-285750" algn="just">
+              <a:buFont typeface="Arial" panose="020B0604020202020204" pitchFamily="34" charset="0"/>
+              <a:buChar char="•"/>
+            </a:pPr>
+            <a:r>
+              <a:rPr lang="en-US" sz="1600" dirty="0">
+                <a:latin typeface="Times New Roman" panose="02020603050405020304" pitchFamily="18" charset="0"/>
+                <a:cs typeface="Times New Roman" panose="02020603050405020304" pitchFamily="18" charset="0"/>
+              </a:rPr>
+              <a:t>Validate the sleep detection and siren system. </a:t>
+            </a:r>
+          </a:p>
+          <a:p>
+            <a:pPr marL="285750" indent="-285750" algn="just">
+              <a:buFont typeface="Arial" panose="020B0604020202020204" pitchFamily="34" charset="0"/>
+              <a:buChar char="•"/>
+            </a:pPr>
+            <a:r>
+              <a:rPr lang="en-US" sz="1600" dirty="0">
+                <a:latin typeface="Times New Roman" panose="02020603050405020304" pitchFamily="18" charset="0"/>
+                <a:cs typeface="Times New Roman" panose="02020603050405020304" pitchFamily="18" charset="0"/>
+              </a:rPr>
+              <a:t>Ensure family notification triggers work reliably.</a:t>
+            </a:r>
+          </a:p>
+          <a:p>
+            <a:pPr algn="just"/>
+            <a:endParaRPr lang="en-US" sz="1600" dirty="0">
+              <a:latin typeface="Times New Roman" panose="02020603050405020304" pitchFamily="18" charset="0"/>
+              <a:cs typeface="Times New Roman" panose="02020603050405020304" pitchFamily="18" charset="0"/>
+            </a:endParaRPr>
+          </a:p>
+          <a:p>
+            <a:pPr algn="just"/>
+            <a:r>
+              <a:rPr lang="en-US" sz="1600" b="1" dirty="0">
+                <a:latin typeface="Times New Roman" panose="02020603050405020304" pitchFamily="18" charset="0"/>
+                <a:cs typeface="Times New Roman" panose="02020603050405020304" pitchFamily="18" charset="0"/>
+              </a:rPr>
+              <a:t>Phase 4: Deployment</a:t>
+            </a:r>
+          </a:p>
+          <a:p>
+            <a:pPr marL="342900" indent="-342900" algn="just">
+              <a:buAutoNum type="arabicPeriod"/>
+            </a:pPr>
+            <a:r>
+              <a:rPr lang="en-US" sz="1600" dirty="0">
+                <a:latin typeface="Times New Roman" panose="02020603050405020304" pitchFamily="18" charset="0"/>
+                <a:cs typeface="Times New Roman" panose="02020603050405020304" pitchFamily="18" charset="0"/>
+              </a:rPr>
+              <a:t>Assemble the complete system in a vehicle prototype. </a:t>
+            </a:r>
+          </a:p>
+          <a:p>
+            <a:pPr marL="342900" indent="-342900" algn="just">
+              <a:buAutoNum type="arabicPeriod"/>
+            </a:pPr>
+            <a:r>
+              <a:rPr lang="en-US" sz="1600" dirty="0">
+                <a:latin typeface="Times New Roman" panose="02020603050405020304" pitchFamily="18" charset="0"/>
+                <a:cs typeface="Times New Roman" panose="02020603050405020304" pitchFamily="18" charset="0"/>
+              </a:rPr>
+              <a:t>Monitor and test its reliability in real driving conditions.  </a:t>
+            </a:r>
+          </a:p>
+          <a:p>
+            <a:pPr marL="342900" indent="-342900" algn="just">
+              <a:buAutoNum type="arabicPeriod"/>
+            </a:pPr>
+            <a:r>
+              <a:rPr lang="en-US" sz="1600" dirty="0">
+                <a:latin typeface="Times New Roman" panose="02020603050405020304" pitchFamily="18" charset="0"/>
+                <a:cs typeface="Times New Roman" panose="02020603050405020304" pitchFamily="18" charset="0"/>
+              </a:rPr>
+              <a:t>Optimize power usage and sensor sensitivity.</a:t>
+            </a:r>
+            <a:endParaRPr lang="en-IN" sz="1600" dirty="0">
+              <a:latin typeface="Times New Roman" panose="02020603050405020304" pitchFamily="18" charset="0"/>
+              <a:cs typeface="Times New Roman" panose="02020603050405020304" pitchFamily="18" charset="0"/>
+            </a:endParaRPr>
+          </a:p>
+        </p:txBody>
+      </p:sp>
+    </p:spTree>
+    <p:extLst>
+      <p:ext uri="{BB962C8B-B14F-4D97-AF65-F5344CB8AC3E}">
+        <p14:creationId xmlns:p14="http://schemas.microsoft.com/office/powerpoint/2010/main" val="1637301053"/>
+      </p:ext>
+    </p:extLst>
+  </p:cSld>
+  <p:clrMapOvr>
+    <a:masterClrMapping/>
+  </p:clrMapOvr>
+</p:sld>
+</file>
+
+<file path=ppt/slides/slide12.xml><?xml version="1.0" encoding="utf-8"?>
 <p:sld xmlns:a="http://schemas.openxmlformats.org/drawingml/2006/main" xmlns:r="http://schemas.openxmlformats.org/officeDocument/2006/relationships" xmlns:p="http://schemas.openxmlformats.org/presentationml/2006/main">
   <p:cSld>
     <p:spTree>
@@ -8149,8 +9140,8 @@
         </p:nvSpPr>
         <p:spPr>
           <a:xfrm>
-            <a:off x="164891" y="1064302"/>
-            <a:ext cx="8844197" cy="5292048"/>
+            <a:off x="140110" y="835568"/>
+            <a:ext cx="8844197" cy="5793698"/>
           </a:xfrm>
           <a:prstGeom prst="rect">
             <a:avLst/>
@@ -8166,37 +9157,22 @@
           </a:bodyPr>
           <a:lstStyle/>
           <a:p>
-            <a:pPr marL="457200" lvl="0" indent="-342900" algn="ctr" rtl="0">
-              <a:lnSpc>
-                <a:spcPct val="100000"/>
-              </a:lnSpc>
-              <a:spcBef>
-                <a:spcPts val="360"/>
-              </a:spcBef>
-              <a:spcAft>
-                <a:spcPts val="0"/>
-              </a:spcAft>
-              <a:buSzPts val="1800"/>
-              <a:buChar char="•"/>
-            </a:pPr>
-            <a:r>
-              <a:rPr lang="en-US">
+            <a:pPr algn="just">
+              <a:buFont typeface="+mj-lt"/>
+              <a:buAutoNum type="arabicPeriod"/>
+            </a:pPr>
+            <a:r>
+              <a:rPr lang="en-US" sz="1600" b="1" dirty="0">
                 <a:latin typeface="Times New Roman" panose="02020603050405020304"/>
                 <a:ea typeface="Times New Roman" panose="02020603050405020304"/>
                 <a:cs typeface="Times New Roman" panose="02020603050405020304"/>
                 <a:sym typeface="Times New Roman" panose="02020603050405020304"/>
               </a:rPr>
-              <a:t>Describe the expected benefits of your project.</a:t>
-            </a:r>
-            <a:endParaRPr lang="en-US">
-              <a:latin typeface="Times New Roman" panose="02020603050405020304"/>
-              <a:ea typeface="Times New Roman" panose="02020603050405020304"/>
-              <a:cs typeface="Times New Roman" panose="02020603050405020304"/>
-              <a:sym typeface="Times New Roman" panose="02020603050405020304"/>
-            </a:endParaRPr>
-          </a:p>
-          <a:p>
-            <a:pPr marL="457200" lvl="0" indent="-342900" algn="ctr" rtl="0">
+              <a:t>Expected Benefits of the Project</a:t>
+            </a:r>
+          </a:p>
+          <a:p>
+            <a:pPr marL="114300" lvl="0" indent="0" algn="just" rtl="0">
               <a:lnSpc>
                 <a:spcPct val="100000"/>
               </a:lnSpc>
@@ -8207,53 +9183,205 @@
                 <a:spcPts val="0"/>
               </a:spcAft>
               <a:buSzPts val="1800"/>
-              <a:buChar char="•"/>
-            </a:pPr>
-            <a:r>
-              <a:rPr lang="en-US">
+              <a:buNone/>
+            </a:pPr>
+            <a:r>
+              <a:rPr lang="en-US" sz="1600" u="sng" dirty="0">
                 <a:latin typeface="Times New Roman" panose="02020603050405020304"/>
                 <a:ea typeface="Times New Roman" panose="02020603050405020304"/>
                 <a:cs typeface="Times New Roman" panose="02020603050405020304"/>
                 <a:sym typeface="Times New Roman" panose="02020603050405020304"/>
               </a:rPr>
-              <a:t>Explain how your solution will improve lives or solve the identified problem.</a:t>
-            </a:r>
-            <a:endParaRPr lang="en-US">
-              <a:latin typeface="Times New Roman" panose="02020603050405020304"/>
-              <a:ea typeface="Times New Roman" panose="02020603050405020304"/>
-              <a:cs typeface="Times New Roman" panose="02020603050405020304"/>
-              <a:sym typeface="Times New Roman" panose="02020603050405020304"/>
-            </a:endParaRPr>
-          </a:p>
-          <a:p>
-            <a:pPr marL="457200" lvl="0" indent="-342900" algn="ctr" rtl="0">
-              <a:lnSpc>
-                <a:spcPct val="100000"/>
-              </a:lnSpc>
-              <a:spcBef>
-                <a:spcPts val="360"/>
-              </a:spcBef>
-              <a:spcAft>
-                <a:spcPts val="0"/>
-              </a:spcAft>
-              <a:buSzPts val="1800"/>
-              <a:buChar char="•"/>
-            </a:pPr>
-            <a:r>
-              <a:rPr lang="en-US">
+              <a:t>Improved Road Safety:</a:t>
+            </a:r>
+          </a:p>
+          <a:p>
+            <a:pPr algn="just"/>
+            <a:r>
+              <a:rPr lang="en-US" sz="1600" dirty="0">
                 <a:latin typeface="Times New Roman" panose="02020603050405020304"/>
                 <a:ea typeface="Times New Roman" panose="02020603050405020304"/>
                 <a:cs typeface="Times New Roman" panose="02020603050405020304"/>
                 <a:sym typeface="Times New Roman" panose="02020603050405020304"/>
               </a:rPr>
-              <a:t>Highlight any social, economic, or environmental impacts.</a:t>
-            </a:r>
-            <a:endParaRPr>
-              <a:latin typeface="Times New Roman" panose="02020603050405020304"/>
-              <a:ea typeface="Times New Roman" panose="02020603050405020304"/>
-              <a:cs typeface="Times New Roman" panose="02020603050405020304"/>
-              <a:sym typeface="Times New Roman" panose="02020603050405020304"/>
-            </a:endParaRPr>
+              <a:t>Detecting alcohol and preventing car ignition will reduce the risk of accidents caused by drunk driving.</a:t>
+            </a:r>
+          </a:p>
+          <a:p>
+            <a:pPr algn="just"/>
+            <a:r>
+              <a:rPr lang="en-US" sz="1600" dirty="0">
+                <a:latin typeface="Times New Roman" panose="02020603050405020304"/>
+                <a:ea typeface="Times New Roman" panose="02020603050405020304"/>
+                <a:cs typeface="Times New Roman" panose="02020603050405020304"/>
+                <a:sym typeface="Times New Roman" panose="02020603050405020304"/>
+              </a:rPr>
+              <a:t>Sleep detection systems will prevent accidents caused by drowsy driving.</a:t>
+            </a:r>
+          </a:p>
+          <a:p>
+            <a:pPr marL="114300" lvl="0" indent="0" algn="just" rtl="0">
+              <a:lnSpc>
+                <a:spcPct val="100000"/>
+              </a:lnSpc>
+              <a:spcBef>
+                <a:spcPts val="360"/>
+              </a:spcBef>
+              <a:spcAft>
+                <a:spcPts val="0"/>
+              </a:spcAft>
+              <a:buSzPts val="1800"/>
+              <a:buNone/>
+            </a:pPr>
+            <a:r>
+              <a:rPr lang="en-US" sz="1600" u="sng" dirty="0">
+                <a:latin typeface="Times New Roman" panose="02020603050405020304"/>
+                <a:ea typeface="Times New Roman" panose="02020603050405020304"/>
+                <a:cs typeface="Times New Roman" panose="02020603050405020304"/>
+                <a:sym typeface="Times New Roman" panose="02020603050405020304"/>
+              </a:rPr>
+              <a:t>Real-Time Alerts for Families: </a:t>
+            </a:r>
+          </a:p>
+          <a:p>
+            <a:pPr algn="just"/>
+            <a:r>
+              <a:rPr lang="en-US" sz="1600" dirty="0">
+                <a:latin typeface="Times New Roman" panose="02020603050405020304"/>
+                <a:ea typeface="Times New Roman" panose="02020603050405020304"/>
+                <a:cs typeface="Times New Roman" panose="02020603050405020304"/>
+                <a:sym typeface="Times New Roman" panose="02020603050405020304"/>
+              </a:rPr>
+              <a:t>Instant notifications to family members will improve response time and ensure the driver’s well-being is closely monitored.</a:t>
+            </a:r>
+          </a:p>
+          <a:p>
+            <a:pPr marL="114300" lvl="0" indent="0" algn="just" rtl="0">
+              <a:lnSpc>
+                <a:spcPct val="100000"/>
+              </a:lnSpc>
+              <a:spcBef>
+                <a:spcPts val="360"/>
+              </a:spcBef>
+              <a:spcAft>
+                <a:spcPts val="0"/>
+              </a:spcAft>
+              <a:buSzPts val="1800"/>
+              <a:buNone/>
+            </a:pPr>
+            <a:r>
+              <a:rPr lang="en-US" sz="1600" u="sng" dirty="0">
+                <a:latin typeface="Times New Roman" panose="02020603050405020304"/>
+                <a:ea typeface="Times New Roman" panose="02020603050405020304"/>
+                <a:cs typeface="Times New Roman" panose="02020603050405020304"/>
+                <a:sym typeface="Times New Roman" panose="02020603050405020304"/>
+              </a:rPr>
+              <a:t>Automated Prevention Mechanisms:</a:t>
+            </a:r>
+          </a:p>
+          <a:p>
+            <a:pPr algn="just"/>
+            <a:r>
+              <a:rPr lang="en-US" sz="1600" dirty="0">
+                <a:latin typeface="Times New Roman" panose="02020603050405020304"/>
+                <a:ea typeface="Times New Roman" panose="02020603050405020304"/>
+                <a:cs typeface="Times New Roman" panose="02020603050405020304"/>
+                <a:sym typeface="Times New Roman" panose="02020603050405020304"/>
+              </a:rPr>
+              <a:t>By automating ignition lock and triggering sirens, the system eliminates human errors, ensuring reliable preventive measures.</a:t>
+            </a:r>
+          </a:p>
+          <a:p>
+            <a:pPr marL="114300" indent="0" algn="just">
+              <a:buNone/>
+            </a:pPr>
+            <a:r>
+              <a:rPr lang="en-US" sz="1600" b="1" dirty="0">
+                <a:latin typeface="Times New Roman" panose="02020603050405020304"/>
+                <a:ea typeface="Times New Roman" panose="02020603050405020304"/>
+                <a:cs typeface="Times New Roman" panose="02020603050405020304"/>
+                <a:sym typeface="Times New Roman" panose="02020603050405020304"/>
+              </a:rPr>
+              <a:t>2. How the Solution Will Improve Lives or Solve the Problem</a:t>
+            </a:r>
+          </a:p>
+          <a:p>
+            <a:pPr marL="114300" indent="0" algn="just">
+              <a:buNone/>
+            </a:pPr>
+            <a:r>
+              <a:rPr lang="en-US" sz="1600" u="sng" dirty="0">
+                <a:latin typeface="Times New Roman" panose="02020603050405020304"/>
+                <a:ea typeface="Times New Roman" panose="02020603050405020304"/>
+                <a:cs typeface="Times New Roman" panose="02020603050405020304"/>
+                <a:sym typeface="Times New Roman" panose="02020603050405020304"/>
+              </a:rPr>
+              <a:t>Reducing Drunk Driving Incidents:</a:t>
+            </a:r>
+          </a:p>
+          <a:p>
+            <a:pPr algn="just"/>
+            <a:r>
+              <a:rPr lang="en-US" sz="1600" dirty="0">
+                <a:latin typeface="Times New Roman" panose="02020603050405020304"/>
+                <a:ea typeface="Times New Roman" panose="02020603050405020304"/>
+                <a:cs typeface="Times New Roman" panose="02020603050405020304"/>
+                <a:sym typeface="Times New Roman" panose="02020603050405020304"/>
+              </a:rPr>
+              <a:t>Drivers who attempt to start the car after consuming alcohol will be restricted, directly reducing road fatalities.</a:t>
+            </a:r>
+          </a:p>
+          <a:p>
+            <a:pPr marL="114300" indent="0" algn="just">
+              <a:buNone/>
+            </a:pPr>
+            <a:r>
+              <a:rPr lang="en-US" sz="1600" u="sng" dirty="0">
+                <a:latin typeface="Times New Roman" panose="02020603050405020304"/>
+                <a:ea typeface="Times New Roman" panose="02020603050405020304"/>
+                <a:cs typeface="Times New Roman" panose="02020603050405020304"/>
+                <a:sym typeface="Times New Roman" panose="02020603050405020304"/>
+              </a:rPr>
+              <a:t>Drowsiness Prevention:</a:t>
+            </a:r>
+          </a:p>
+          <a:p>
+            <a:pPr algn="just"/>
+            <a:r>
+              <a:rPr lang="en-US" sz="1600" dirty="0">
+                <a:latin typeface="Times New Roman" panose="02020603050405020304"/>
+                <a:ea typeface="Times New Roman" panose="02020603050405020304"/>
+                <a:cs typeface="Times New Roman" panose="02020603050405020304"/>
+                <a:sym typeface="Times New Roman" panose="02020603050405020304"/>
+              </a:rPr>
+              <a:t>Monitoring for sleep or fatigue ensures drivers remain alert, preventing collisions due to loss of focus or control.</a:t>
+            </a:r>
+          </a:p>
+          <a:p>
+            <a:pPr marL="114300" indent="0" algn="just">
+              <a:buNone/>
+            </a:pPr>
+            <a:r>
+              <a:rPr lang="en-US" sz="1600" u="sng" dirty="0">
+                <a:latin typeface="Times New Roman" panose="02020603050405020304"/>
+                <a:ea typeface="Times New Roman" panose="02020603050405020304"/>
+                <a:cs typeface="Times New Roman" panose="02020603050405020304"/>
+                <a:sym typeface="Times New Roman" panose="02020603050405020304"/>
+              </a:rPr>
+              <a:t>Peace of Mind for Families:</a:t>
+            </a:r>
+          </a:p>
+          <a:p>
+            <a:pPr algn="just"/>
+            <a:r>
+              <a:rPr lang="en-US" sz="1600" dirty="0">
+                <a:latin typeface="Times New Roman" panose="02020603050405020304"/>
+                <a:ea typeface="Times New Roman" panose="02020603050405020304"/>
+                <a:cs typeface="Times New Roman" panose="02020603050405020304"/>
+                <a:sym typeface="Times New Roman" panose="02020603050405020304"/>
+              </a:rPr>
+              <a:t>Families will receive real-time updates, reducing anxiety regarding the safety of their loved ones.</a:t>
+            </a:r>
           </a:p>
         </p:txBody>
       </p:sp>
@@ -8301,6 +9429,7 @@
             </a:pPr>
             <a:fld id="{00000000-1234-1234-1234-123412341234}" type="slidenum">
               <a:rPr lang="en-US"/>
+              <a:t>12</a:t>
             </a:fld>
             <a:endParaRPr lang="en-US"/>
           </a:p>
@@ -8313,7 +9442,7 @@
           <p:nvPr/>
         </p:nvPicPr>
         <p:blipFill rotWithShape="1">
-          <a:blip r:embed="rId1"/>
+          <a:blip r:embed="rId3"/>
           <a:srcRect/>
           <a:stretch>
             <a:fillRect/>
@@ -8341,7 +9470,392 @@
 </p:sld>
 </file>
 
-<file path=ppt/slides/slide11.xml><?xml version="1.0" encoding="utf-8"?>
+<file path=ppt/slides/slide13.xml><?xml version="1.0" encoding="utf-8"?>
+<p:sld xmlns:a="http://schemas.openxmlformats.org/drawingml/2006/main" xmlns:r="http://schemas.openxmlformats.org/officeDocument/2006/relationships" xmlns:p="http://schemas.openxmlformats.org/presentationml/2006/main">
+  <p:cSld>
+    <p:spTree>
+      <p:nvGrpSpPr>
+        <p:cNvPr id="1" name="Shape 83">
+          <a:extLst>
+            <a:ext uri="{FF2B5EF4-FFF2-40B4-BE49-F238E27FC236}">
+              <a16:creationId xmlns:a16="http://schemas.microsoft.com/office/drawing/2014/main" id="{6F4337A7-7803-0ED9-FB44-BCB11FE585FE}"/>
+            </a:ext>
+          </a:extLst>
+        </p:cNvPr>
+        <p:cNvGrpSpPr/>
+        <p:nvPr/>
+      </p:nvGrpSpPr>
+      <p:grpSpPr>
+        <a:xfrm>
+          <a:off x="0" y="0"/>
+          <a:ext cx="0" cy="0"/>
+          <a:chOff x="0" y="0"/>
+          <a:chExt cx="0" cy="0"/>
+        </a:xfrm>
+      </p:grpSpPr>
+      <p:sp>
+        <p:nvSpPr>
+          <p:cNvPr id="84" name="Google Shape;84;p5">
+            <a:extLst>
+              <a:ext uri="{FF2B5EF4-FFF2-40B4-BE49-F238E27FC236}">
+                <a16:creationId xmlns:a16="http://schemas.microsoft.com/office/drawing/2014/main" id="{88DB31EA-55AB-34EA-FF65-5D8C85FE0259}"/>
+              </a:ext>
+            </a:extLst>
+          </p:cNvPr>
+          <p:cNvSpPr txBox="1">
+            <a:spLocks noGrp="1"/>
+          </p:cNvSpPr>
+          <p:nvPr>
+            <p:ph type="title"/>
+          </p:nvPr>
+        </p:nvSpPr>
+        <p:spPr>
+          <a:xfrm>
+            <a:off x="2039400" y="0"/>
+            <a:ext cx="4437600" cy="839400"/>
+          </a:xfrm>
+          <a:prstGeom prst="rect">
+            <a:avLst/>
+          </a:prstGeom>
+          <a:noFill/>
+          <a:ln>
+            <a:noFill/>
+          </a:ln>
+        </p:spPr>
+        <p:txBody>
+          <a:bodyPr spcFirstLastPara="1" wrap="square" lIns="91425" tIns="45700" rIns="91425" bIns="45700" anchor="ctr" anchorCtr="0">
+            <a:noAutofit/>
+          </a:bodyPr>
+          <a:lstStyle/>
+          <a:p>
+            <a:pPr marL="0" lvl="0" indent="0" algn="ctr" rtl="0">
+              <a:lnSpc>
+                <a:spcPct val="100000"/>
+              </a:lnSpc>
+              <a:spcBef>
+                <a:spcPts val="0"/>
+              </a:spcBef>
+              <a:spcAft>
+                <a:spcPts val="0"/>
+              </a:spcAft>
+              <a:buSzPts val="1400"/>
+              <a:buNone/>
+            </a:pPr>
+            <a:r>
+              <a:rPr lang="en-US" sz="3200" b="1">
+                <a:solidFill>
+                  <a:srgbClr val="0C0C0C"/>
+                </a:solidFill>
+                <a:latin typeface="Times New Roman" panose="02020603050405020304"/>
+                <a:ea typeface="Times New Roman" panose="02020603050405020304"/>
+                <a:cs typeface="Times New Roman" panose="02020603050405020304"/>
+                <a:sym typeface="Times New Roman" panose="02020603050405020304"/>
+              </a:rPr>
+              <a:t>Impact and Benefits</a:t>
+            </a:r>
+            <a:endParaRPr sz="4800" b="1">
+              <a:solidFill>
+                <a:srgbClr val="0C0C0C"/>
+              </a:solidFill>
+              <a:latin typeface="Times New Roman" panose="02020603050405020304"/>
+              <a:ea typeface="Times New Roman" panose="02020603050405020304"/>
+              <a:cs typeface="Times New Roman" panose="02020603050405020304"/>
+              <a:sym typeface="Times New Roman" panose="02020603050405020304"/>
+            </a:endParaRPr>
+          </a:p>
+        </p:txBody>
+      </p:sp>
+      <p:sp>
+        <p:nvSpPr>
+          <p:cNvPr id="85" name="Google Shape;85;p5">
+            <a:extLst>
+              <a:ext uri="{FF2B5EF4-FFF2-40B4-BE49-F238E27FC236}">
+                <a16:creationId xmlns:a16="http://schemas.microsoft.com/office/drawing/2014/main" id="{28BE165E-2B24-A8CD-A660-0FB182F9C517}"/>
+              </a:ext>
+            </a:extLst>
+          </p:cNvPr>
+          <p:cNvSpPr txBox="1">
+            <a:spLocks noGrp="1"/>
+          </p:cNvSpPr>
+          <p:nvPr>
+            <p:ph type="body" idx="1"/>
+          </p:nvPr>
+        </p:nvSpPr>
+        <p:spPr>
+          <a:xfrm>
+            <a:off x="140110" y="835568"/>
+            <a:ext cx="8844197" cy="5793698"/>
+          </a:xfrm>
+          <a:prstGeom prst="rect">
+            <a:avLst/>
+          </a:prstGeom>
+          <a:noFill/>
+          <a:ln>
+            <a:noFill/>
+          </a:ln>
+        </p:spPr>
+        <p:txBody>
+          <a:bodyPr spcFirstLastPara="1" wrap="square" lIns="91425" tIns="45700" rIns="91425" bIns="45700" anchor="t" anchorCtr="0">
+            <a:noAutofit/>
+          </a:bodyPr>
+          <a:lstStyle/>
+          <a:p>
+            <a:pPr marL="114300" indent="0" algn="just">
+              <a:buNone/>
+            </a:pPr>
+            <a:r>
+              <a:rPr lang="en-US" sz="1600" b="1" dirty="0">
+                <a:latin typeface="Times New Roman" panose="02020603050405020304"/>
+                <a:ea typeface="Times New Roman" panose="02020603050405020304"/>
+                <a:cs typeface="Times New Roman" panose="02020603050405020304"/>
+                <a:sym typeface="Times New Roman" panose="02020603050405020304"/>
+              </a:rPr>
+              <a:t>3. Social, Economic, and Environmental Impacts</a:t>
+            </a:r>
+          </a:p>
+          <a:p>
+            <a:pPr marL="114300" indent="0" algn="just">
+              <a:buNone/>
+            </a:pPr>
+            <a:r>
+              <a:rPr lang="en-US" sz="1600" u="sng" dirty="0">
+                <a:latin typeface="Times New Roman" panose="02020603050405020304"/>
+                <a:ea typeface="Times New Roman" panose="02020603050405020304"/>
+                <a:cs typeface="Times New Roman" panose="02020603050405020304"/>
+                <a:sym typeface="Times New Roman" panose="02020603050405020304"/>
+              </a:rPr>
+              <a:t>Social Impact:</a:t>
+            </a:r>
+          </a:p>
+          <a:p>
+            <a:pPr algn="just"/>
+            <a:r>
+              <a:rPr lang="en-US" sz="1600" dirty="0">
+                <a:latin typeface="Times New Roman" panose="02020603050405020304"/>
+                <a:ea typeface="Times New Roman" panose="02020603050405020304"/>
+                <a:cs typeface="Times New Roman" panose="02020603050405020304"/>
+                <a:sym typeface="Times New Roman" panose="02020603050405020304"/>
+              </a:rPr>
+              <a:t>Decrease in accidents caused by impaired or fatigued driving.</a:t>
+            </a:r>
+          </a:p>
+          <a:p>
+            <a:pPr algn="just"/>
+            <a:r>
+              <a:rPr lang="en-US" sz="1600" dirty="0">
+                <a:latin typeface="Times New Roman" panose="02020603050405020304"/>
+                <a:ea typeface="Times New Roman" panose="02020603050405020304"/>
+                <a:cs typeface="Times New Roman" panose="02020603050405020304"/>
+                <a:sym typeface="Times New Roman" panose="02020603050405020304"/>
+              </a:rPr>
+              <a:t>Improved public awareness about road safety and responsible driving behavior.</a:t>
+            </a:r>
+          </a:p>
+          <a:p>
+            <a:pPr algn="just"/>
+            <a:r>
+              <a:rPr lang="en-US" sz="1600" dirty="0">
+                <a:latin typeface="Times New Roman" panose="02020603050405020304"/>
+                <a:ea typeface="Times New Roman" panose="02020603050405020304"/>
+                <a:cs typeface="Times New Roman" panose="02020603050405020304"/>
+                <a:sym typeface="Times New Roman" panose="02020603050405020304"/>
+              </a:rPr>
+              <a:t>Protection of lives, particularly in high-risk areas with a history of alcohol-related crashes.</a:t>
+            </a:r>
+          </a:p>
+          <a:p>
+            <a:pPr marL="114300" indent="0" algn="just">
+              <a:buNone/>
+            </a:pPr>
+            <a:r>
+              <a:rPr lang="en-US" sz="1600" u="sng" dirty="0">
+                <a:latin typeface="Times New Roman" panose="02020603050405020304"/>
+                <a:ea typeface="Times New Roman" panose="02020603050405020304"/>
+                <a:cs typeface="Times New Roman" panose="02020603050405020304"/>
+                <a:sym typeface="Times New Roman" panose="02020603050405020304"/>
+              </a:rPr>
+              <a:t>Economic Impact:</a:t>
+            </a:r>
+          </a:p>
+          <a:p>
+            <a:pPr algn="just"/>
+            <a:r>
+              <a:rPr lang="en-US" sz="1600" dirty="0">
+                <a:latin typeface="Times New Roman" panose="02020603050405020304"/>
+                <a:ea typeface="Times New Roman" panose="02020603050405020304"/>
+                <a:cs typeface="Times New Roman" panose="02020603050405020304"/>
+                <a:sym typeface="Times New Roman" panose="02020603050405020304"/>
+              </a:rPr>
+              <a:t>Lower economic costs for society related to accidents (e.g., medical expenses, insurance claims, and property damage).</a:t>
+            </a:r>
+          </a:p>
+          <a:p>
+            <a:pPr algn="just"/>
+            <a:r>
+              <a:rPr lang="en-US" sz="1600" dirty="0">
+                <a:latin typeface="Times New Roman" panose="02020603050405020304"/>
+                <a:ea typeface="Times New Roman" panose="02020603050405020304"/>
+                <a:cs typeface="Times New Roman" panose="02020603050405020304"/>
+                <a:sym typeface="Times New Roman" panose="02020603050405020304"/>
+              </a:rPr>
+              <a:t>Fewer vehicle repairs and replacements, saving individuals and insurance companies significant costs.</a:t>
+            </a:r>
+          </a:p>
+          <a:p>
+            <a:pPr algn="just"/>
+            <a:r>
+              <a:rPr lang="en-US" sz="1600" dirty="0">
+                <a:latin typeface="Times New Roman" panose="02020603050405020304"/>
+                <a:ea typeface="Times New Roman" panose="02020603050405020304"/>
+                <a:cs typeface="Times New Roman" panose="02020603050405020304"/>
+                <a:sym typeface="Times New Roman" panose="02020603050405020304"/>
+              </a:rPr>
+              <a:t>Increased adoption of safety-focused IoT systems, driving innovation in the automotive and tech industries.</a:t>
+            </a:r>
+          </a:p>
+          <a:p>
+            <a:pPr marL="114300" indent="0" algn="just">
+              <a:buNone/>
+            </a:pPr>
+            <a:r>
+              <a:rPr lang="en-US" sz="1600" u="sng" dirty="0">
+                <a:latin typeface="Times New Roman" panose="02020603050405020304"/>
+                <a:ea typeface="Times New Roman" panose="02020603050405020304"/>
+                <a:cs typeface="Times New Roman" panose="02020603050405020304"/>
+                <a:sym typeface="Times New Roman" panose="02020603050405020304"/>
+              </a:rPr>
+              <a:t>Environmental Impact:</a:t>
+            </a:r>
+          </a:p>
+          <a:p>
+            <a:pPr algn="just"/>
+            <a:r>
+              <a:rPr lang="en-US" sz="1600" dirty="0">
+                <a:latin typeface="Times New Roman" panose="02020603050405020304"/>
+                <a:ea typeface="Times New Roman" panose="02020603050405020304"/>
+                <a:cs typeface="Times New Roman" panose="02020603050405020304"/>
+                <a:sym typeface="Times New Roman" panose="02020603050405020304"/>
+              </a:rPr>
+              <a:t>Reduction in vehicle crashes and subsequent emissions (from fires, repairs, or vehicle replacements).</a:t>
+            </a:r>
+          </a:p>
+          <a:p>
+            <a:pPr algn="just"/>
+            <a:r>
+              <a:rPr lang="en-US" sz="1600" dirty="0">
+                <a:latin typeface="Times New Roman" panose="02020603050405020304"/>
+                <a:ea typeface="Times New Roman" panose="02020603050405020304"/>
+                <a:cs typeface="Times New Roman" panose="02020603050405020304"/>
+                <a:sym typeface="Times New Roman" panose="02020603050405020304"/>
+              </a:rPr>
+              <a:t>Long-term sustainability by creating safer transportation systems and reducing accidents that pollute ecosystems.</a:t>
+            </a:r>
+          </a:p>
+        </p:txBody>
+      </p:sp>
+      <p:sp>
+        <p:nvSpPr>
+          <p:cNvPr id="86" name="Google Shape;86;p5">
+            <a:extLst>
+              <a:ext uri="{FF2B5EF4-FFF2-40B4-BE49-F238E27FC236}">
+                <a16:creationId xmlns:a16="http://schemas.microsoft.com/office/drawing/2014/main" id="{C1474B3D-723D-2642-4D70-AED8F0E926B3}"/>
+              </a:ext>
+            </a:extLst>
+          </p:cNvPr>
+          <p:cNvSpPr txBox="1">
+            <a:spLocks noGrp="1"/>
+          </p:cNvSpPr>
+          <p:nvPr>
+            <p:ph type="sldNum" idx="12"/>
+          </p:nvPr>
+        </p:nvSpPr>
+        <p:spPr>
+          <a:xfrm>
+            <a:off x="6553200" y="6356350"/>
+            <a:ext cx="2133600" cy="365125"/>
+          </a:xfrm>
+          <a:prstGeom prst="rect">
+            <a:avLst/>
+          </a:prstGeom>
+          <a:noFill/>
+          <a:ln>
+            <a:noFill/>
+          </a:ln>
+        </p:spPr>
+        <p:txBody>
+          <a:bodyPr spcFirstLastPara="1" wrap="square" lIns="91425" tIns="45700" rIns="91425" bIns="45700" anchor="ctr" anchorCtr="0">
+            <a:noAutofit/>
+          </a:bodyPr>
+          <a:lstStyle/>
+          <a:p>
+            <a:pPr marL="0" lvl="0" indent="0" algn="r" rtl="0">
+              <a:lnSpc>
+                <a:spcPct val="100000"/>
+              </a:lnSpc>
+              <a:spcBef>
+                <a:spcPts val="0"/>
+              </a:spcBef>
+              <a:spcAft>
+                <a:spcPts val="0"/>
+              </a:spcAft>
+              <a:buSzPts val="1200"/>
+              <a:buNone/>
+            </a:pPr>
+            <a:fld id="{00000000-1234-1234-1234-123412341234}" type="slidenum">
+              <a:rPr lang="en-US"/>
+              <a:t>13</a:t>
+            </a:fld>
+            <a:endParaRPr lang="en-US"/>
+          </a:p>
+        </p:txBody>
+      </p:sp>
+      <p:pic>
+        <p:nvPicPr>
+          <p:cNvPr id="87" name="Google Shape;87;p5">
+            <a:extLst>
+              <a:ext uri="{FF2B5EF4-FFF2-40B4-BE49-F238E27FC236}">
+                <a16:creationId xmlns:a16="http://schemas.microsoft.com/office/drawing/2014/main" id="{1D90310D-EF25-018C-F167-9EBA42264350}"/>
+              </a:ext>
+            </a:extLst>
+          </p:cNvPr>
+          <p:cNvPicPr preferRelativeResize="0"/>
+          <p:nvPr/>
+        </p:nvPicPr>
+        <p:blipFill rotWithShape="1">
+          <a:blip r:embed="rId3"/>
+          <a:srcRect/>
+          <a:stretch>
+            <a:fillRect/>
+          </a:stretch>
+        </p:blipFill>
+        <p:spPr>
+          <a:xfrm>
+            <a:off x="140110" y="112359"/>
+            <a:ext cx="1720646" cy="723209"/>
+          </a:xfrm>
+          <a:prstGeom prst="rect">
+            <a:avLst/>
+          </a:prstGeom>
+          <a:noFill/>
+          <a:ln>
+            <a:noFill/>
+          </a:ln>
+        </p:spPr>
+      </p:pic>
+    </p:spTree>
+    <p:extLst>
+      <p:ext uri="{BB962C8B-B14F-4D97-AF65-F5344CB8AC3E}">
+        <p14:creationId xmlns:p14="http://schemas.microsoft.com/office/powerpoint/2010/main" val="3961667151"/>
+      </p:ext>
+    </p:extLst>
+  </p:cSld>
+  <p:clrMapOvr>
+    <a:masterClrMapping/>
+  </p:clrMapOvr>
+</p:sld>
+</file>
+
+<file path=ppt/slides/slide14.xml><?xml version="1.0" encoding="utf-8"?>
 <p:sld xmlns:a="http://schemas.openxmlformats.org/drawingml/2006/main" xmlns:r="http://schemas.openxmlformats.org/officeDocument/2006/relationships" xmlns:p="http://schemas.openxmlformats.org/presentationml/2006/main">
   <p:cSld>
     <p:spTree>
@@ -8428,7 +9942,7 @@
         </p:nvSpPr>
         <p:spPr>
           <a:xfrm>
-            <a:off x="149851" y="1064352"/>
+            <a:off x="149850" y="1037321"/>
             <a:ext cx="8844300" cy="5292000"/>
           </a:xfrm>
           <a:prstGeom prst="rect">
@@ -8458,7 +9972,7 @@
               <a:buSzPts val="1800"/>
               <a:buNone/>
             </a:pPr>
-            <a:endParaRPr>
+            <a:endParaRPr dirty="0">
               <a:latin typeface="Times New Roman" panose="02020603050405020304"/>
               <a:ea typeface="Times New Roman" panose="02020603050405020304"/>
               <a:cs typeface="Times New Roman" panose="02020603050405020304"/>
@@ -8466,7 +9980,7 @@
             </a:endParaRPr>
           </a:p>
           <a:p>
-            <a:pPr marL="457200" lvl="0" indent="-342900" algn="ctr" rtl="0">
+            <a:pPr marL="114300" lvl="0" indent="0" algn="ctr" rtl="0">
               <a:lnSpc>
                 <a:spcPct val="100000"/>
               </a:lnSpc>
@@ -8477,18 +9991,9 @@
                 <a:spcPts val="0"/>
               </a:spcAft>
               <a:buSzPts val="1800"/>
-              <a:buChar char="•"/>
-            </a:pPr>
-            <a:r>
-              <a:rPr lang="en-US">
-                <a:latin typeface="Times New Roman" panose="02020603050405020304"/>
-                <a:ea typeface="Times New Roman" panose="02020603050405020304"/>
-                <a:cs typeface="Times New Roman" panose="02020603050405020304"/>
-                <a:sym typeface="Times New Roman" panose="02020603050405020304"/>
-              </a:rPr>
-              <a:t>Provide a budget estimate for your project.</a:t>
-            </a:r>
-            <a:endParaRPr>
+              <a:buNone/>
+            </a:pPr>
+            <a:endParaRPr dirty="0">
               <a:latin typeface="Times New Roman" panose="02020603050405020304"/>
               <a:ea typeface="Times New Roman" panose="02020603050405020304"/>
               <a:cs typeface="Times New Roman" panose="02020603050405020304"/>
@@ -8509,7 +10014,7 @@
               <a:buSzPts val="1800"/>
               <a:buNone/>
             </a:pPr>
-            <a:endParaRPr>
+            <a:endParaRPr dirty="0">
               <a:latin typeface="Times New Roman" panose="02020603050405020304"/>
               <a:ea typeface="Times New Roman" panose="02020603050405020304"/>
               <a:cs typeface="Times New Roman" panose="02020603050405020304"/>
@@ -8530,7 +10035,7 @@
               <a:buSzPts val="1800"/>
               <a:buNone/>
             </a:pPr>
-            <a:endParaRPr>
+            <a:endParaRPr dirty="0">
               <a:latin typeface="Times New Roman" panose="02020603050405020304"/>
               <a:ea typeface="Times New Roman" panose="02020603050405020304"/>
               <a:cs typeface="Times New Roman" panose="02020603050405020304"/>
@@ -8551,7 +10056,7 @@
               <a:buSzPts val="1800"/>
               <a:buNone/>
             </a:pPr>
-            <a:endParaRPr>
+            <a:endParaRPr dirty="0">
               <a:latin typeface="Times New Roman" panose="02020603050405020304"/>
               <a:ea typeface="Times New Roman" panose="02020603050405020304"/>
               <a:cs typeface="Times New Roman" panose="02020603050405020304"/>
@@ -8604,6 +10109,7 @@
             </a:pPr>
             <a:fld id="{00000000-1234-1234-1234-123412341234}" type="slidenum">
               <a:rPr lang="en-US"/>
+              <a:t>14</a:t>
             </a:fld>
             <a:endParaRPr lang="en-US"/>
           </a:p>
@@ -8616,7 +10122,7 @@
           <p:nvPr/>
         </p:nvPicPr>
         <p:blipFill rotWithShape="1">
-          <a:blip r:embed="rId1"/>
+          <a:blip r:embed="rId3"/>
           <a:srcRect/>
           <a:stretch>
             <a:fillRect/>
@@ -8636,6 +10142,36 @@
           </a:ln>
         </p:spPr>
       </p:pic>
+      <p:pic>
+        <p:nvPicPr>
+          <p:cNvPr id="7" name="Picture 6">
+            <a:extLst>
+              <a:ext uri="{FF2B5EF4-FFF2-40B4-BE49-F238E27FC236}">
+                <a16:creationId xmlns:a16="http://schemas.microsoft.com/office/drawing/2014/main" id="{33A3BE7A-18B5-6B8B-E4F5-78553B266839}"/>
+              </a:ext>
+            </a:extLst>
+          </p:cNvPr>
+          <p:cNvPicPr>
+            <a:picLocks noChangeAspect="1"/>
+          </p:cNvPicPr>
+          <p:nvPr/>
+        </p:nvPicPr>
+        <p:blipFill>
+          <a:blip r:embed="rId4"/>
+          <a:stretch>
+            <a:fillRect/>
+          </a:stretch>
+        </p:blipFill>
+        <p:spPr>
+          <a:xfrm>
+            <a:off x="747178" y="999634"/>
+            <a:ext cx="7649643" cy="5520660"/>
+          </a:xfrm>
+          <a:prstGeom prst="rect">
+            <a:avLst/>
+          </a:prstGeom>
+        </p:spPr>
+      </p:pic>
     </p:spTree>
   </p:cSld>
   <p:clrMapOvr>
@@ -8644,7 +10180,7 @@
 </p:sld>
 </file>
 
-<file path=ppt/slides/slide12.xml><?xml version="1.0" encoding="utf-8"?>
+<file path=ppt/slides/slide15.xml><?xml version="1.0" encoding="utf-8"?>
 <p:sld xmlns:a="http://schemas.openxmlformats.org/drawingml/2006/main" xmlns:r="http://schemas.openxmlformats.org/officeDocument/2006/relationships" xmlns:p="http://schemas.openxmlformats.org/presentationml/2006/main">
   <p:cSld>
     <p:spTree>
@@ -8705,6 +10241,7 @@
             </a:pPr>
             <a:fld id="{00000000-1234-1234-1234-123412341234}" type="slidenum">
               <a:rPr lang="en-US"/>
+              <a:t>15</a:t>
             </a:fld>
             <a:endParaRPr lang="en-US"/>
           </a:p>
@@ -8717,7 +10254,7 @@
           <p:nvPr/>
         </p:nvPicPr>
         <p:blipFill rotWithShape="1">
-          <a:blip r:embed="rId1"/>
+          <a:blip r:embed="rId3"/>
           <a:srcRect/>
           <a:stretch>
             <a:fillRect/>
@@ -8848,7 +10385,7 @@
           <p:nvPr/>
         </p:nvPicPr>
         <p:blipFill>
-          <a:blip r:embed="rId2"/>
+          <a:blip r:embed="rId4"/>
           <a:stretch>
             <a:fillRect/>
           </a:stretch>
@@ -9045,7 +10582,6 @@
               <a:rPr lang="en-US" altLang="en-US" sz="2000"/>
               <a:t>: A major cause of road accidents leading to fatalities and injuries.  </a:t>
             </a:r>
-            <a:endParaRPr lang="en-US" altLang="en-US" sz="2000"/>
           </a:p>
           <a:p>
             <a:pPr marL="114300" lvl="0" indent="0" algn="ctr" rtl="0">
@@ -9073,7 +10609,6 @@
               <a:rPr lang="en-US" altLang="en-US" sz="2000"/>
               <a:t>: Drowsiness causes loss of control, especially during long drives.  </a:t>
             </a:r>
-            <a:endParaRPr lang="en-US" altLang="en-US" sz="2000"/>
           </a:p>
           <a:p>
             <a:pPr marL="114300" lvl="0" indent="0" algn="ctr" rtl="0">
@@ -9101,7 +10636,6 @@
               <a:rPr lang="en-US" altLang="en-US" sz="2000"/>
               <a:t>: Absence of automated systems to detect unsafe driving behavior.  </a:t>
             </a:r>
-            <a:endParaRPr lang="en-US" altLang="en-US" sz="2000"/>
           </a:p>
           <a:p>
             <a:pPr marL="114300" lvl="0" indent="0" algn="ctr" rtl="0">
@@ -9129,7 +10663,6 @@
               <a:rPr lang="en-US" altLang="en-US" sz="2000"/>
               <a:t>: Families and authorities are not immediately informed of risks.  </a:t>
             </a:r>
-            <a:endParaRPr lang="en-US" altLang="en-US" sz="2000"/>
           </a:p>
           <a:p>
             <a:pPr marL="457200" lvl="0" indent="-342900" algn="ctr" rtl="0">
@@ -9185,7 +10718,6 @@
               <a:rPr lang="en-US" altLang="en-US" sz="2000"/>
               <a:t>1. Prevent vehicle ignition when alcohol is detected.  </a:t>
             </a:r>
-            <a:endParaRPr lang="en-US" altLang="en-US" sz="2000"/>
           </a:p>
           <a:p>
             <a:pPr marL="114300" lvl="0" indent="0" algn="l" rtl="0">
@@ -9205,7 +10737,6 @@
               <a:rPr lang="en-US" altLang="en-US" sz="2000"/>
               <a:t>2. Detect driver drowsiness in real time and trigger alerts.  </a:t>
             </a:r>
-            <a:endParaRPr lang="en-US" altLang="en-US" sz="2000"/>
           </a:p>
           <a:p>
             <a:pPr marL="114300" lvl="0" indent="0" algn="l" rtl="0">
@@ -9225,7 +10756,6 @@
               <a:rPr lang="en-US" altLang="en-US" sz="2000"/>
               <a:t>3. Send immediate notifications to family members or authorities.  </a:t>
             </a:r>
-            <a:endParaRPr lang="en-US" altLang="en-US" sz="2000"/>
           </a:p>
           <a:p>
             <a:pPr marL="114300" lvl="0" indent="0" algn="l" rtl="0">
@@ -9245,7 +10775,6 @@
               <a:rPr lang="en-US" altLang="en-US" sz="2000"/>
               <a:t>4. Enhance road safety and reduce accidents through IoT-based monitoring systems.  </a:t>
             </a:r>
-            <a:endParaRPr lang="en-US" altLang="en-US" sz="2000"/>
           </a:p>
           <a:p>
             <a:pPr marL="114300" lvl="0" indent="0" algn="ctr" rtl="0">
@@ -9314,6 +10843,7 @@
             </a:pPr>
             <a:fld id="{00000000-1234-1234-1234-123412341234}" type="slidenum">
               <a:rPr lang="en-US"/>
+              <a:t>2</a:t>
             </a:fld>
             <a:endParaRPr lang="en-US"/>
           </a:p>
@@ -9326,7 +10856,7 @@
           <p:nvPr/>
         </p:nvPicPr>
         <p:blipFill rotWithShape="1">
-          <a:blip r:embed="rId1"/>
+          <a:blip r:embed="rId3"/>
           <a:srcRect/>
           <a:stretch>
             <a:fillRect/>
@@ -9363,7 +10893,14 @@
         <p:cNvGrpSpPr/>
         <p:nvPr/>
       </p:nvGrpSpPr>
-      <p:grpSpPr/>
+      <p:grpSpPr>
+        <a:xfrm>
+          <a:off x="0" y="0"/>
+          <a:ext cx="0" cy="0"/>
+          <a:chOff x="0" y="0"/>
+          <a:chExt cx="0" cy="0"/>
+        </a:xfrm>
+      </p:grpSpPr>
       <p:sp>
         <p:nvSpPr>
           <p:cNvPr id="2" name="Title 1"/>
@@ -9377,6 +10914,7 @@
         <p:spPr/>
         <p:txBody>
           <a:bodyPr/>
+          <a:lstStyle/>
           <a:p>
             <a:r>
               <a:rPr lang="en-US" b="1">
@@ -9404,6 +10942,7 @@
         <p:spPr/>
         <p:txBody>
           <a:bodyPr/>
+          <a:lstStyle/>
           <a:p>
             <a:pPr marL="0" lvl="0" indent="0" algn="r" rtl="0">
               <a:spcBef>
@@ -9416,6 +10955,7 @@
             </a:pPr>
             <a:fld id="{00000000-1234-1234-1234-123412341234}" type="slidenum">
               <a:rPr lang="en-US"/>
+              <a:t>3</a:t>
             </a:fld>
             <a:endParaRPr lang="en-US"/>
           </a:p>
@@ -9430,7 +10970,7 @@
           <p:nvPr/>
         </p:nvPicPr>
         <p:blipFill>
-          <a:blip r:embed="rId1"/>
+          <a:blip r:embed="rId2"/>
           <a:stretch>
             <a:fillRect/>
           </a:stretch>
@@ -9454,7 +10994,7 @@
           <p:nvPr/>
         </p:nvPicPr>
         <p:blipFill>
-          <a:blip r:embed="rId2"/>
+          <a:blip r:embed="rId3"/>
           <a:stretch>
             <a:fillRect/>
           </a:stretch>
@@ -9478,7 +11018,7 @@
           <p:nvPr/>
         </p:nvPicPr>
         <p:blipFill>
-          <a:blip r:embed="rId3"/>
+          <a:blip r:embed="rId4"/>
           <a:stretch>
             <a:fillRect/>
           </a:stretch>
@@ -9502,7 +11042,7 @@
           <p:nvPr/>
         </p:nvPicPr>
         <p:blipFill>
-          <a:blip r:embed="rId4"/>
+          <a:blip r:embed="rId5"/>
           <a:srcRect l="12188" r="11900"/>
           <a:stretch>
             <a:fillRect/>
@@ -9672,7 +11212,6 @@
               <a:rPr lang="en-US" altLang="en-US" sz="1800"/>
               <a:t>The proposed solution is an IoT-based vehicle safety system designed to prevent drunken and drowsy driving, thereby enhancing road safety. The system focuses on two principal functions: alcohol detection and sleep detection. It prevents a vehicle from being ignited when alcohol is detected in the breath of the driver and will alert the driver and all family members in case of sleeping during driving.</a:t>
             </a:r>
-            <a:endParaRPr lang="en-US" altLang="en-US" sz="1800"/>
           </a:p>
           <a:p>
             <a:pPr marL="114300" lvl="0" indent="0" algn="ctr" rtl="0">
@@ -9713,7 +11252,6 @@
               <a:rPr lang="en-US" altLang="en-US" sz="1800" b="1"/>
               <a:t>How It Works</a:t>
             </a:r>
-            <a:endParaRPr lang="en-US" altLang="en-US" sz="1800" b="1"/>
           </a:p>
           <a:p>
             <a:pPr marL="114300" lvl="0" indent="0" algn="ctr" rtl="0">
@@ -9753,7 +11291,6 @@
               <a:rPr lang="en-US" altLang="en-US" sz="1800"/>
               <a:t>A breath alcohol sensor such as MQ-3 or MQ-135 is mounted close to the driver seat or steering.</a:t>
             </a:r>
-            <a:endParaRPr lang="en-US" altLang="en-US" sz="1800"/>
           </a:p>
           <a:p>
             <a:pPr marL="114300" lvl="0" indent="0" algn="l" rtl="0">
@@ -9773,7 +11310,6 @@
               <a:rPr lang="en-US" altLang="en-US" sz="1800"/>
               <a:t>Whenever the driver breathes in, the sensor detects the alcohol level.</a:t>
             </a:r>
-            <a:endParaRPr lang="en-US" altLang="en-US" sz="1800"/>
           </a:p>
           <a:p>
             <a:pPr marL="114300" lvl="0" indent="0" algn="l" rtl="0">
@@ -9793,7 +11329,6 @@
               <a:rPr lang="en-US" altLang="en-US" sz="1800"/>
               <a:t>Once the alcohol level crosses a threshold level, the system immediately cuts off the car ignition by utilizing a relay module.</a:t>
             </a:r>
-            <a:endParaRPr lang="en-US" altLang="en-US" sz="1800"/>
           </a:p>
           <a:p>
             <a:pPr marL="114300" lvl="0" indent="0" algn="l" rtl="0">
@@ -9813,7 +11348,6 @@
               <a:rPr lang="en-US" altLang="en-US" sz="1800"/>
               <a:t>Along with this, an alert notification along with the location of the driver is sent to family members through GSM/GPRS or IoT cloud platforms.</a:t>
             </a:r>
-            <a:endParaRPr lang="en-US" altLang="en-US" sz="1800"/>
           </a:p>
           <a:p>
             <a:pPr marL="114300" lvl="0" indent="0" algn="ctr" rtl="0">
@@ -9898,6 +11432,7 @@
             </a:pPr>
             <a:fld id="{00000000-1234-1234-1234-123412341234}" type="slidenum">
               <a:rPr lang="en-US"/>
+              <a:t>4</a:t>
             </a:fld>
             <a:endParaRPr lang="en-US"/>
           </a:p>
@@ -9910,7 +11445,7 @@
           <p:nvPr/>
         </p:nvPicPr>
         <p:blipFill rotWithShape="1">
-          <a:blip r:embed="rId1"/>
+          <a:blip r:embed="rId3"/>
           <a:srcRect/>
           <a:stretch>
             <a:fillRect/>
@@ -9947,7 +11482,14 @@
         <p:cNvGrpSpPr/>
         <p:nvPr/>
       </p:nvGrpSpPr>
-      <p:grpSpPr/>
+      <p:grpSpPr>
+        <a:xfrm>
+          <a:off x="0" y="0"/>
+          <a:ext cx="0" cy="0"/>
+          <a:chOff x="0" y="0"/>
+          <a:chExt cx="0" cy="0"/>
+        </a:xfrm>
+      </p:grpSpPr>
       <p:sp>
         <p:nvSpPr>
           <p:cNvPr id="2" name="Title 1"/>
@@ -9961,6 +11503,7 @@
         <p:spPr/>
         <p:txBody>
           <a:bodyPr/>
+          <a:lstStyle/>
           <a:p>
             <a:r>
               <a:rPr lang="en-US" b="1">
@@ -9988,6 +11531,7 @@
         <p:spPr/>
         <p:txBody>
           <a:bodyPr/>
+          <a:lstStyle/>
           <a:p>
             <a:pPr marL="114300" lvl="0" indent="0" algn="ctr" rtl="0">
               <a:lnSpc>
@@ -10288,6 +11832,7 @@
         <p:spPr/>
         <p:txBody>
           <a:bodyPr/>
+          <a:lstStyle/>
           <a:p>
             <a:pPr marL="0" lvl="0" indent="0" algn="r" rtl="0">
               <a:spcBef>
@@ -10300,6 +11845,7 @@
             </a:pPr>
             <a:fld id="{00000000-1234-1234-1234-123412341234}" type="slidenum">
               <a:rPr lang="en-US"/>
+              <a:t>5</a:t>
             </a:fld>
             <a:endParaRPr lang="en-US"/>
           </a:p>
@@ -10322,7 +11868,14 @@
         <p:cNvGrpSpPr/>
         <p:nvPr/>
       </p:nvGrpSpPr>
-      <p:grpSpPr/>
+      <p:grpSpPr>
+        <a:xfrm>
+          <a:off x="0" y="0"/>
+          <a:ext cx="0" cy="0"/>
+          <a:chOff x="0" y="0"/>
+          <a:chExt cx="0" cy="0"/>
+        </a:xfrm>
+      </p:grpSpPr>
       <p:sp>
         <p:nvSpPr>
           <p:cNvPr id="2" name="Title 1"/>
@@ -10336,6 +11889,7 @@
         <p:spPr/>
         <p:txBody>
           <a:bodyPr/>
+          <a:lstStyle/>
           <a:p>
             <a:r>
               <a:rPr lang="en-US" b="1">
@@ -10363,6 +11917,7 @@
         <p:spPr/>
         <p:txBody>
           <a:bodyPr/>
+          <a:lstStyle/>
           <a:p>
             <a:pPr marL="114300" indent="0" algn="ctr">
               <a:buNone/>
@@ -10385,7 +11940,6 @@
               <a:rPr lang="en-US" altLang="en-US" sz="1400"/>
               <a:t>: Arduino/ESP32/NodeMCU for data processing and control.  </a:t>
             </a:r>
-            <a:endParaRPr lang="en-US" altLang="en-US" sz="1400"/>
           </a:p>
           <a:p>
             <a:pPr marL="114300" indent="0">
@@ -10399,7 +11953,6 @@
               <a:rPr lang="en-US" altLang="en-US" sz="1400"/>
               <a:t>: MQ-3 or MQ-135 for detecting alcohol levels.  </a:t>
             </a:r>
-            <a:endParaRPr lang="en-US" altLang="en-US" sz="1400"/>
           </a:p>
           <a:p>
             <a:pPr marL="114300" indent="0">
@@ -10413,7 +11966,6 @@
               <a:rPr lang="en-US" altLang="en-US" sz="1400"/>
               <a:t>: Camera module/IR sensor for eye and head movement tracking.  </a:t>
             </a:r>
-            <a:endParaRPr lang="en-US" altLang="en-US" sz="1400"/>
           </a:p>
           <a:p>
             <a:pPr marL="114300" indent="0">
@@ -10427,7 +11979,6 @@
               <a:rPr lang="en-US" altLang="en-US" sz="1400"/>
               <a:t>: Disables vehicle ignition if alcohol is detected.  </a:t>
             </a:r>
-            <a:endParaRPr lang="en-US" altLang="en-US" sz="1400"/>
           </a:p>
           <a:p>
             <a:pPr marL="114300" indent="0">
@@ -10441,7 +11992,6 @@
               <a:rPr lang="en-US" altLang="en-US" sz="1400"/>
               <a:t>:  </a:t>
             </a:r>
-            <a:endParaRPr lang="en-US" altLang="en-US" sz="1400"/>
           </a:p>
           <a:p>
             <a:pPr marL="114300" indent="0">
@@ -10451,7 +12001,6 @@
               <a:rPr lang="en-US" altLang="en-US" sz="1400"/>
               <a:t>   - Buzzer/Siren for immediate driver alerts.  </a:t>
             </a:r>
-            <a:endParaRPr lang="en-US" altLang="en-US" sz="1400"/>
           </a:p>
           <a:p>
             <a:pPr marL="114300" indent="0">
@@ -10461,7 +12010,6 @@
               <a:rPr lang="en-US" altLang="en-US" sz="1400"/>
               <a:t>   - GSM/GPRS module or IoT cloud for family notifications.  </a:t>
             </a:r>
-            <a:endParaRPr lang="en-US" altLang="en-US" sz="1400"/>
           </a:p>
           <a:p>
             <a:pPr marL="114300" indent="0">
@@ -10475,7 +12023,6 @@
               <a:rPr lang="en-US" altLang="en-US" sz="1400"/>
               <a:t>: Tracks and sends driver location.  </a:t>
             </a:r>
-            <a:endParaRPr lang="en-US" altLang="en-US" sz="1400"/>
           </a:p>
           <a:p>
             <a:pPr marL="114300" indent="0">
@@ -10489,7 +12036,6 @@
               <a:rPr lang="en-US" altLang="en-US" sz="1400"/>
               <a:t>: Arduino IDE, OpenCV, and cloud/mobile dashboard for alerts.  </a:t>
             </a:r>
-            <a:endParaRPr lang="en-US" altLang="en-US" sz="1400"/>
           </a:p>
           <a:p>
             <a:endParaRPr lang="en-US" altLang="en-US" sz="1400"/>
@@ -10516,7 +12062,6 @@
               <a:rPr lang="en-US" altLang="en-US" sz="1400"/>
               <a:t>: Alcohol and sleep detection in a single system.  </a:t>
             </a:r>
-            <a:endParaRPr lang="en-US" altLang="en-US" sz="1400"/>
           </a:p>
           <a:p>
             <a:pPr marL="114300" indent="0" algn="l">
@@ -10530,7 +12075,6 @@
               <a:rPr lang="en-US" altLang="en-US" sz="1400"/>
               <a:t>: Prevents vehicle ignition when alcohol is detected.  </a:t>
             </a:r>
-            <a:endParaRPr lang="en-US" altLang="en-US" sz="1400"/>
           </a:p>
           <a:p>
             <a:pPr marL="114300" indent="0" algn="l">
@@ -10544,7 +12088,6 @@
               <a:rPr lang="en-US" altLang="en-US" sz="1400"/>
               <a:t>: Instant notifications with location details for family/emergency contacts.  </a:t>
             </a:r>
-            <a:endParaRPr lang="en-US" altLang="en-US" sz="1400"/>
           </a:p>
           <a:p>
             <a:pPr marL="114300" indent="0" algn="l">
@@ -10558,7 +12101,6 @@
               <a:rPr lang="en-US" altLang="en-US" sz="1400"/>
               <a:t>: Affordable components for easy integration into vehicles.  </a:t>
             </a:r>
-            <a:endParaRPr lang="en-US" altLang="en-US" sz="1400"/>
           </a:p>
           <a:p>
             <a:pPr marL="114300" indent="0" algn="l">
@@ -10572,7 +12114,6 @@
               <a:rPr lang="en-US" altLang="en-US" sz="1400"/>
               <a:t>: Machine learning/image processing for accurate drowsiness detection.  </a:t>
             </a:r>
-            <a:endParaRPr lang="en-US" altLang="en-US" sz="1400"/>
           </a:p>
           <a:p>
             <a:pPr marL="114300" indent="0" algn="l">
@@ -10586,7 +12127,6 @@
               <a:rPr lang="en-US" altLang="en-US" sz="1400"/>
               <a:t>: Real-time monitoring and notifications for enhanced safety.  </a:t>
             </a:r>
-            <a:endParaRPr lang="en-US" altLang="en-US" sz="1400"/>
           </a:p>
         </p:txBody>
       </p:sp>
@@ -10603,6 +12143,7 @@
         <p:spPr/>
         <p:txBody>
           <a:bodyPr/>
+          <a:lstStyle/>
           <a:p>
             <a:pPr marL="0" lvl="0" indent="0" algn="r" rtl="0">
               <a:spcBef>
@@ -10615,6 +12156,7 @@
             </a:pPr>
             <a:fld id="{00000000-1234-1234-1234-123412341234}" type="slidenum">
               <a:rPr lang="en-US"/>
+              <a:t>6</a:t>
             </a:fld>
             <a:endParaRPr lang="en-US"/>
           </a:p>
@@ -10751,10 +12293,10 @@
               <a:buNone/>
             </a:pPr>
             <a:r>
-              <a:rPr lang="en-US" altLang="en-US" sz="1600" b="1"/>
+              <a:rPr lang="en-US" altLang="en-US" sz="1600" b="1" dirty="0"/>
               <a:t>SDG Goals Addressed</a:t>
             </a:r>
-            <a:endParaRPr lang="en-US" altLang="en-US" sz="1400"/>
+            <a:endParaRPr lang="en-US" altLang="en-US" sz="1400" dirty="0"/>
           </a:p>
           <a:p>
             <a:pPr marL="457200" lvl="0" indent="-342900" algn="ctr" rtl="0">
@@ -10770,7 +12312,7 @@
               <a:buSzPts val="1800"/>
               <a:buChar char="•"/>
             </a:pPr>
-            <a:endParaRPr lang="en-US" altLang="en-US" sz="1400"/>
+            <a:endParaRPr lang="en-US" altLang="en-US" sz="1400" dirty="0"/>
           </a:p>
           <a:p>
             <a:pPr marL="114300" lvl="0" indent="0" algn="l" rtl="0">
@@ -10787,14 +12329,13 @@
               <a:buNone/>
             </a:pPr>
             <a:r>
-              <a:rPr lang="en-US" altLang="en-US" sz="1600" b="1"/>
+              <a:rPr lang="en-US" altLang="en-US" sz="1600" b="1" dirty="0"/>
               <a:t>1. SDG 3: </a:t>
             </a:r>
             <a:r>
-              <a:rPr lang="en-US" altLang="en-US" sz="1600"/>
+              <a:rPr lang="en-US" altLang="en-US" sz="1600" dirty="0"/>
               <a:t>Good Health and Well-being</a:t>
             </a:r>
-            <a:endParaRPr lang="en-US" altLang="en-US" sz="1600"/>
           </a:p>
           <a:p>
             <a:pPr marL="457200" lvl="0" indent="-342900" algn="l" rtl="0">
@@ -10811,10 +12352,9 @@
               <a:buChar char="•"/>
             </a:pPr>
             <a:r>
-              <a:rPr lang="en-US" altLang="en-US" sz="1600"/>
+              <a:rPr lang="en-US" altLang="en-US" sz="1600" dirty="0"/>
               <a:t>   Reduces accidents by drunk and drowsy driving, thus allowing people to travel safer with less casualties. (Target 3.6).</a:t>
             </a:r>
-            <a:endParaRPr lang="en-US" altLang="en-US" sz="1600"/>
           </a:p>
           <a:p>
             <a:pPr marL="114300" lvl="0" indent="0" algn="l" rtl="0">
@@ -10831,14 +12371,13 @@
               <a:buNone/>
             </a:pPr>
             <a:r>
-              <a:rPr lang="en-US" altLang="en-US" sz="1600" b="1"/>
+              <a:rPr lang="en-US" altLang="en-US" sz="1600" b="1" dirty="0"/>
               <a:t>2. SDG 9</a:t>
             </a:r>
             <a:r>
-              <a:rPr lang="en-US" altLang="en-US" sz="1600"/>
+              <a:rPr lang="en-US" altLang="en-US" sz="1600" dirty="0"/>
               <a:t>: Industry, Innovation, and Infrastructure</a:t>
             </a:r>
-            <a:endParaRPr lang="en-US" altLang="en-US" sz="1600"/>
           </a:p>
           <a:p>
             <a:pPr marL="457200" lvl="0" indent="-342900" algn="l" rtl="0">
@@ -10855,10 +12394,9 @@
               <a:buChar char="•"/>
             </a:pPr>
             <a:r>
-              <a:rPr lang="en-US" altLang="en-US" sz="1600"/>
+              <a:rPr lang="en-US" altLang="en-US" sz="1600" dirty="0"/>
               <a:t>   Encourages technology developments within the automotive industry by use of IoT, sensors, and machine learning in building more safety transportation systems.</a:t>
             </a:r>
-            <a:endParaRPr lang="en-US" altLang="en-US" sz="1600"/>
           </a:p>
           <a:p>
             <a:pPr marL="114300" lvl="0" indent="0" algn="l" rtl="0">
@@ -10875,14 +12413,13 @@
               <a:buNone/>
             </a:pPr>
             <a:r>
-              <a:rPr lang="en-US" altLang="en-US" sz="1600" b="1"/>
+              <a:rPr lang="en-US" altLang="en-US" sz="1600" b="1" dirty="0"/>
               <a:t>3. SDG 11: </a:t>
             </a:r>
             <a:r>
-              <a:rPr lang="en-US" altLang="en-US" sz="1600"/>
+              <a:rPr lang="en-US" altLang="en-US" sz="1600" dirty="0"/>
               <a:t>Sustainable Cities and Communities</a:t>
             </a:r>
-            <a:endParaRPr lang="en-US" altLang="en-US" sz="1600"/>
           </a:p>
           <a:p>
             <a:pPr lvl="0" algn="l" rtl="0">
@@ -10898,10 +12435,9 @@
               <a:buSzPts val="1800"/>
             </a:pPr>
             <a:r>
-              <a:rPr lang="en-US" altLang="en-US" sz="1600"/>
+              <a:rPr lang="en-US" altLang="en-US" sz="1600" dirty="0"/>
               <a:t>      Improves road safety, contributing to safer and more sustainable urban mobility (Target 11.2).</a:t>
             </a:r>
-            <a:endParaRPr lang="en-US" altLang="en-US" sz="1600"/>
           </a:p>
           <a:p>
             <a:pPr marL="114300" lvl="0" indent="0" algn="l" rtl="0">
@@ -10918,14 +12454,13 @@
               <a:buNone/>
             </a:pPr>
             <a:r>
-              <a:rPr lang="en-US" altLang="en-US" sz="1600" b="1"/>
+              <a:rPr lang="en-US" altLang="en-US" sz="1600" b="1" dirty="0"/>
               <a:t>4.SDG 12: </a:t>
             </a:r>
             <a:r>
-              <a:rPr lang="en-US" altLang="en-US" sz="1600"/>
+              <a:rPr lang="en-US" altLang="en-US" sz="1600" dirty="0"/>
               <a:t>Responsible Consumption and Production</a:t>
             </a:r>
-            <a:endParaRPr lang="en-US" altLang="en-US" sz="1600"/>
           </a:p>
           <a:p>
             <a:pPr lvl="0" algn="l" rtl="0">
@@ -10941,14 +12476,13 @@
               <a:buSzPts val="1800"/>
             </a:pPr>
             <a:r>
-              <a:rPr lang="en-US" altLang="en-US" sz="1600" b="1"/>
+              <a:rPr lang="en-US" altLang="en-US" sz="1600" b="1" dirty="0"/>
               <a:t>     </a:t>
             </a:r>
             <a:r>
-              <a:rPr lang="en-US" altLang="en-US" sz="1600"/>
+              <a:rPr lang="en-US" altLang="en-US" sz="1600" dirty="0"/>
               <a:t>Promotes responsible use of vehicles and decreases waste and environmental damage caused by accidents.</a:t>
             </a:r>
-            <a:endParaRPr lang="en-US" altLang="en-US" sz="1600"/>
           </a:p>
           <a:p>
             <a:pPr marL="114300" lvl="0" indent="0" algn="l" rtl="0">
@@ -10965,14 +12499,13 @@
               <a:buNone/>
             </a:pPr>
             <a:r>
-              <a:rPr lang="en-US" altLang="en-US" sz="1600" b="1"/>
+              <a:rPr lang="en-US" altLang="en-US" sz="1600" b="1" dirty="0"/>
               <a:t>5. SDG 13: </a:t>
             </a:r>
             <a:r>
-              <a:rPr lang="en-US" altLang="en-US" sz="1600"/>
+              <a:rPr lang="en-US" altLang="en-US" sz="1600" dirty="0"/>
               <a:t>Climate Action</a:t>
             </a:r>
-            <a:endParaRPr lang="en-US" altLang="en-US" sz="1600"/>
           </a:p>
           <a:p>
             <a:pPr marL="457200" lvl="0" indent="-342900" algn="l" rtl="0">
@@ -10989,10 +12522,9 @@
               <a:buChar char="•"/>
             </a:pPr>
             <a:r>
-              <a:rPr lang="en-US" altLang="en-US" sz="1600"/>
+              <a:rPr lang="en-US" altLang="en-US" sz="1600" dirty="0"/>
               <a:t>- Avoids traffic congestion and pollution resulting from accidents, promoting environmental sustainability.</a:t>
             </a:r>
-            <a:endParaRPr lang="en-US" altLang="en-US" sz="1600"/>
           </a:p>
           <a:p>
             <a:pPr marL="114300" lvl="0" indent="0" algn="l" rtl="0">
@@ -11009,14 +12541,13 @@
               <a:buNone/>
             </a:pPr>
             <a:r>
-              <a:rPr lang="en-US" altLang="en-US" sz="1600" b="1"/>
+              <a:rPr lang="en-US" altLang="en-US" sz="1600" b="1" dirty="0"/>
               <a:t>6. SDG 16: </a:t>
             </a:r>
             <a:r>
-              <a:rPr lang="en-US" altLang="en-US" sz="1600"/>
+              <a:rPr lang="en-US" altLang="en-US" sz="1600" dirty="0"/>
               <a:t>Peace, Justice, and Strong Institutions-</a:t>
             </a:r>
-            <a:endParaRPr lang="en-US" altLang="en-US" sz="1600"/>
           </a:p>
           <a:p>
             <a:pPr marL="457200" lvl="0" indent="-342900" algn="l" rtl="0">
@@ -11033,10 +12564,9 @@
               <a:buChar char="•"/>
             </a:pPr>
             <a:r>
-              <a:rPr lang="en-US" altLang="en-US" sz="1600"/>
+              <a:rPr lang="en-US" altLang="en-US" sz="1600" dirty="0"/>
               <a:t>  Promotes law enforcement work to prevent drunk driving, leading to safer and more responsible communities.</a:t>
             </a:r>
-            <a:endParaRPr lang="en-US" altLang="en-US" sz="1600"/>
           </a:p>
           <a:p>
             <a:pPr marL="114300" lvl="0" indent="0" algn="ctr" rtl="0">
@@ -11126,6 +12656,7 @@
             </a:pPr>
             <a:fld id="{00000000-1234-1234-1234-123412341234}" type="slidenum">
               <a:rPr lang="en-US"/>
+              <a:t>7</a:t>
             </a:fld>
             <a:endParaRPr lang="en-US"/>
           </a:p>
@@ -11138,7 +12669,7 @@
           <p:nvPr/>
         </p:nvPicPr>
         <p:blipFill rotWithShape="1">
-          <a:blip r:embed="rId1"/>
+          <a:blip r:embed="rId3"/>
           <a:srcRect/>
           <a:stretch>
             <a:fillRect/>
@@ -11226,10 +12757,10 @@
               <a:buNone/>
             </a:pPr>
             <a:r>
-              <a:rPr lang="en-US" sz="3200"/>
+              <a:rPr lang="en-US" sz="3200" dirty="0"/>
               <a:t>Technology and Tools</a:t>
             </a:r>
-            <a:endParaRPr sz="4800" b="1">
+            <a:endParaRPr sz="4800" b="1" dirty="0">
               <a:solidFill>
                 <a:srgbClr val="0C0C0C"/>
               </a:solidFill>
@@ -11270,7 +12801,7 @@
           </a:bodyPr>
           <a:lstStyle/>
           <a:p>
-            <a:pPr marL="457200" lvl="0" indent="-342900" algn="ctr" rtl="0">
+            <a:pPr lvl="0" algn="just" rtl="0">
               <a:lnSpc>
                 <a:spcPct val="100000"/>
               </a:lnSpc>
@@ -11281,69 +12812,202 @@
                 <a:spcPts val="0"/>
               </a:spcAft>
               <a:buSzPts val="1800"/>
-              <a:buChar char="•"/>
-            </a:pPr>
-            <a:r>
-              <a:rPr lang="en-US">
+              <a:buAutoNum type="arabicPeriod"/>
+            </a:pPr>
+            <a:r>
+              <a:rPr lang="en-US" sz="1600" b="1" dirty="0">
+                <a:latin typeface="Times New Roman" panose="02020603050405020304" pitchFamily="18" charset="0"/>
+                <a:cs typeface="Times New Roman" panose="02020603050405020304" pitchFamily="18" charset="0"/>
+              </a:rPr>
+              <a:t>Technology and Tools</a:t>
+            </a:r>
+          </a:p>
+          <a:p>
+            <a:pPr marL="114300" lvl="0" indent="0" algn="just" rtl="0">
+              <a:lnSpc>
+                <a:spcPct val="100000"/>
+              </a:lnSpc>
+              <a:spcBef>
+                <a:spcPts val="360"/>
+              </a:spcBef>
+              <a:spcAft>
+                <a:spcPts val="0"/>
+              </a:spcAft>
+              <a:buSzPts val="1800"/>
+              <a:buNone/>
+            </a:pPr>
+            <a:r>
+              <a:rPr lang="en-IN" sz="1600" dirty="0">
                 <a:latin typeface="Times New Roman" panose="02020603050405020304"/>
                 <a:ea typeface="Times New Roman" panose="02020603050405020304"/>
                 <a:cs typeface="Times New Roman" panose="02020603050405020304"/>
                 <a:sym typeface="Times New Roman" panose="02020603050405020304"/>
               </a:rPr>
-              <a:t>Write List the technologies, tools, and platforms you plan to use.</a:t>
-            </a:r>
-            <a:endParaRPr lang="en-US">
-              <a:latin typeface="Times New Roman" panose="02020603050405020304"/>
-              <a:ea typeface="Times New Roman" panose="02020603050405020304"/>
-              <a:cs typeface="Times New Roman" panose="02020603050405020304"/>
-              <a:sym typeface="Times New Roman" panose="02020603050405020304"/>
-            </a:endParaRPr>
-          </a:p>
-          <a:p>
-            <a:pPr marL="457200" lvl="0" indent="-228600" algn="ctr" rtl="0">
-              <a:lnSpc>
-                <a:spcPct val="100000"/>
-              </a:lnSpc>
-              <a:spcBef>
-                <a:spcPts val="360"/>
-              </a:spcBef>
-              <a:spcAft>
-                <a:spcPts val="0"/>
-              </a:spcAft>
-              <a:buSzPts val="1800"/>
-              <a:buNone/>
-            </a:pPr>
-            <a:endParaRPr>
-              <a:latin typeface="Times New Roman" panose="02020603050405020304"/>
-              <a:ea typeface="Times New Roman" panose="02020603050405020304"/>
-              <a:cs typeface="Times New Roman" panose="02020603050405020304"/>
-              <a:sym typeface="Times New Roman" panose="02020603050405020304"/>
-            </a:endParaRPr>
-          </a:p>
-          <a:p>
-            <a:pPr marL="457200" lvl="0" indent="-342900" algn="ctr" rtl="0">
-              <a:lnSpc>
-                <a:spcPct val="100000"/>
-              </a:lnSpc>
-              <a:spcBef>
-                <a:spcPts val="360"/>
-              </a:spcBef>
-              <a:spcAft>
-                <a:spcPts val="0"/>
-              </a:spcAft>
-              <a:buSzPts val="1800"/>
-              <a:buChar char="•"/>
-            </a:pPr>
-            <a:r>
-              <a:rPr lang="en-US">
+              <a:t>Programming Languages:</a:t>
+            </a:r>
+          </a:p>
+          <a:p>
+            <a:pPr algn="just"/>
+            <a:r>
+              <a:rPr lang="en-IN" sz="1600" dirty="0">
                 <a:latin typeface="Times New Roman" panose="02020603050405020304"/>
                 <a:ea typeface="Times New Roman" panose="02020603050405020304"/>
                 <a:cs typeface="Times New Roman" panose="02020603050405020304"/>
                 <a:sym typeface="Times New Roman" panose="02020603050405020304"/>
               </a:rPr>
-              <a:t>Mention any IoT components, sensors, or embedded systems involved.</a:t>
-            </a:r>
-            <a:endParaRPr>
+              <a:t>Python (for data processing and control logic).</a:t>
+            </a:r>
+          </a:p>
+          <a:p>
+            <a:pPr algn="just"/>
+            <a:r>
+              <a:rPr lang="en-IN" sz="1600" dirty="0">
+                <a:latin typeface="Times New Roman" panose="02020603050405020304"/>
+                <a:ea typeface="Times New Roman" panose="02020603050405020304"/>
+                <a:cs typeface="Times New Roman" panose="02020603050405020304"/>
+                <a:sym typeface="Times New Roman" panose="02020603050405020304"/>
+              </a:rPr>
+              <a:t>C/C++ (for microcontroller programming).</a:t>
+            </a:r>
+          </a:p>
+          <a:p>
+            <a:pPr algn="just"/>
+            <a:r>
+              <a:rPr lang="en-IN" sz="1600" dirty="0">
+                <a:latin typeface="Times New Roman" panose="02020603050405020304"/>
+                <a:ea typeface="Times New Roman" panose="02020603050405020304"/>
+                <a:cs typeface="Times New Roman" panose="02020603050405020304"/>
+                <a:sym typeface="Times New Roman" panose="02020603050405020304"/>
+              </a:rPr>
+              <a:t>IoT Platforms: </a:t>
+            </a:r>
+            <a:r>
+              <a:rPr lang="en-IN" sz="1600" dirty="0" err="1">
+                <a:latin typeface="Times New Roman" panose="02020603050405020304"/>
+                <a:ea typeface="Times New Roman" panose="02020603050405020304"/>
+                <a:cs typeface="Times New Roman" panose="02020603050405020304"/>
+                <a:sym typeface="Times New Roman" panose="02020603050405020304"/>
+              </a:rPr>
+              <a:t>ThingSpeak</a:t>
+            </a:r>
+            <a:r>
+              <a:rPr lang="en-IN" sz="1600" dirty="0">
+                <a:latin typeface="Times New Roman" panose="02020603050405020304"/>
+                <a:ea typeface="Times New Roman" panose="02020603050405020304"/>
+                <a:cs typeface="Times New Roman" panose="02020603050405020304"/>
+                <a:sym typeface="Times New Roman" panose="02020603050405020304"/>
+              </a:rPr>
+              <a:t>, Blynk, or AWS IoT Core (for cloud-based monitoring and notifications).</a:t>
+            </a:r>
+          </a:p>
+          <a:p>
+            <a:pPr algn="just"/>
+            <a:r>
+              <a:rPr lang="en-IN" sz="1600" dirty="0">
+                <a:latin typeface="Times New Roman" panose="02020603050405020304"/>
+                <a:ea typeface="Times New Roman" panose="02020603050405020304"/>
+                <a:cs typeface="Times New Roman" panose="02020603050405020304"/>
+                <a:sym typeface="Times New Roman" panose="02020603050405020304"/>
+              </a:rPr>
+              <a:t>Database: Firebase or MySQL (to store alert and sleep detection logs).</a:t>
+            </a:r>
+          </a:p>
+          <a:p>
+            <a:pPr algn="just"/>
+            <a:r>
+              <a:rPr lang="en-IN" sz="1600" dirty="0">
+                <a:latin typeface="Times New Roman" panose="02020603050405020304"/>
+                <a:ea typeface="Times New Roman" panose="02020603050405020304"/>
+                <a:cs typeface="Times New Roman" panose="02020603050405020304"/>
+                <a:sym typeface="Times New Roman" panose="02020603050405020304"/>
+              </a:rPr>
+              <a:t>Mobile App Development: Flutter or React Native (to create a mobile interface for family notifications and monitoring).</a:t>
+            </a:r>
+          </a:p>
+          <a:p>
+            <a:pPr marL="114300" lvl="0" indent="0" algn="just" rtl="0">
+              <a:lnSpc>
+                <a:spcPct val="100000"/>
+              </a:lnSpc>
+              <a:spcBef>
+                <a:spcPts val="360"/>
+              </a:spcBef>
+              <a:spcAft>
+                <a:spcPts val="0"/>
+              </a:spcAft>
+              <a:buSzPts val="1800"/>
+              <a:buNone/>
+            </a:pPr>
+            <a:r>
+              <a:rPr lang="en-IN" sz="1600" b="1" dirty="0">
+                <a:latin typeface="Times New Roman" panose="02020603050405020304"/>
+                <a:ea typeface="Times New Roman" panose="02020603050405020304"/>
+                <a:cs typeface="Times New Roman" panose="02020603050405020304"/>
+                <a:sym typeface="Times New Roman" panose="02020603050405020304"/>
+              </a:rPr>
+              <a:t>2. Sensors and IoT Components </a:t>
+            </a:r>
+          </a:p>
+          <a:p>
+            <a:pPr marL="114300" lvl="0" indent="0" algn="just" rtl="0">
+              <a:lnSpc>
+                <a:spcPct val="100000"/>
+              </a:lnSpc>
+              <a:spcBef>
+                <a:spcPts val="360"/>
+              </a:spcBef>
+              <a:spcAft>
+                <a:spcPts val="0"/>
+              </a:spcAft>
+              <a:buSzPts val="1800"/>
+              <a:buNone/>
+            </a:pPr>
+            <a:r>
+              <a:rPr lang="en-IN" sz="1600" dirty="0">
+                <a:latin typeface="Times New Roman" panose="02020603050405020304"/>
+                <a:ea typeface="Times New Roman" panose="02020603050405020304"/>
+                <a:cs typeface="Times New Roman" panose="02020603050405020304"/>
+                <a:sym typeface="Times New Roman" panose="02020603050405020304"/>
+              </a:rPr>
+              <a:t>Alcohol Detection:</a:t>
+            </a:r>
+          </a:p>
+          <a:p>
+            <a:pPr algn="just"/>
+            <a:r>
+              <a:rPr lang="en-IN" sz="1600" dirty="0">
+                <a:latin typeface="Times New Roman" panose="02020603050405020304"/>
+                <a:ea typeface="Times New Roman" panose="02020603050405020304"/>
+                <a:cs typeface="Times New Roman" panose="02020603050405020304"/>
+                <a:sym typeface="Times New Roman" panose="02020603050405020304"/>
+              </a:rPr>
+              <a:t>MQ-3 or MQ-135 Gas Sensor (to detect alcohol concentration in the driver's breath).</a:t>
+            </a:r>
+          </a:p>
+          <a:p>
+            <a:pPr algn="just"/>
+            <a:r>
+              <a:rPr lang="en-IN" sz="1600" dirty="0">
+                <a:latin typeface="Times New Roman" panose="02020603050405020304"/>
+                <a:ea typeface="Times New Roman" panose="02020603050405020304"/>
+                <a:cs typeface="Times New Roman" panose="02020603050405020304"/>
+                <a:sym typeface="Times New Roman" panose="02020603050405020304"/>
+              </a:rPr>
+              <a:t>Sleep Detection: IR Sensor or Camera Module with Eye Tracking (e.g., Raspberry Pi Camera and OpenCV).</a:t>
+            </a:r>
+          </a:p>
+          <a:p>
+            <a:pPr algn="just"/>
+            <a:r>
+              <a:rPr lang="en-IN" sz="1600" dirty="0">
+                <a:latin typeface="Times New Roman" panose="02020603050405020304"/>
+                <a:ea typeface="Times New Roman" panose="02020603050405020304"/>
+                <a:cs typeface="Times New Roman" panose="02020603050405020304"/>
+                <a:sym typeface="Times New Roman" panose="02020603050405020304"/>
+              </a:rPr>
+              <a:t>Heart Rate Sensor (like MAX30100 or MAX30102) to monitor signs of drowsiness.</a:t>
+            </a:r>
+            <a:endParaRPr sz="1600" dirty="0">
               <a:latin typeface="Times New Roman" panose="02020603050405020304"/>
               <a:ea typeface="Times New Roman" panose="02020603050405020304"/>
               <a:cs typeface="Times New Roman" panose="02020603050405020304"/>
@@ -11396,6 +13060,7 @@
             </a:pPr>
             <a:fld id="{00000000-1234-1234-1234-123412341234}" type="slidenum">
               <a:rPr lang="en-US"/>
+              <a:t>8</a:t>
             </a:fld>
             <a:endParaRPr lang="en-US"/>
           </a:p>
@@ -11408,7 +13073,7 @@
           <p:nvPr/>
         </p:nvPicPr>
         <p:blipFill rotWithShape="1">
-          <a:blip r:embed="rId1"/>
+          <a:blip r:embed="rId3"/>
           <a:srcRect/>
           <a:stretch>
             <a:fillRect/>
@@ -11441,7 +13106,13 @@
   <p:cSld>
     <p:spTree>
       <p:nvGrpSpPr>
-        <p:cNvPr id="1" name="Shape 75"/>
+        <p:cNvPr id="1" name="Shape 67">
+          <a:extLst>
+            <a:ext uri="{FF2B5EF4-FFF2-40B4-BE49-F238E27FC236}">
+              <a16:creationId xmlns:a16="http://schemas.microsoft.com/office/drawing/2014/main" id="{4542A42C-736B-9B0F-9ED0-09909479CC03}"/>
+            </a:ext>
+          </a:extLst>
+        </p:cNvPr>
         <p:cNvGrpSpPr/>
         <p:nvPr/>
       </p:nvGrpSpPr>
@@ -11455,7 +13126,13 @@
       </p:grpSpPr>
       <p:sp>
         <p:nvSpPr>
-          <p:cNvPr id="76" name="Google Shape;76;p2"/>
+          <p:cNvPr id="68" name="Google Shape;68;p4">
+            <a:extLst>
+              <a:ext uri="{FF2B5EF4-FFF2-40B4-BE49-F238E27FC236}">
+                <a16:creationId xmlns:a16="http://schemas.microsoft.com/office/drawing/2014/main" id="{C58348FF-1F8D-26E1-9C16-D9EAA56E3717}"/>
+              </a:ext>
+            </a:extLst>
+          </p:cNvPr>
           <p:cNvSpPr txBox="1">
             <a:spLocks noGrp="1"/>
           </p:cNvSpPr>
@@ -11465,8 +13142,8 @@
         </p:nvSpPr>
         <p:spPr>
           <a:xfrm>
-            <a:off x="1066800" y="76199"/>
-            <a:ext cx="6477000" cy="839400"/>
+            <a:off x="1819475" y="0"/>
+            <a:ext cx="4657500" cy="839400"/>
           </a:xfrm>
           <a:prstGeom prst="rect">
             <a:avLst/>
@@ -11496,15 +13173,10 @@
               <a:buNone/>
             </a:pPr>
             <a:r>
-              <a:rPr lang="en-US" sz="3600" b="1">
-                <a:latin typeface="Times New Roman" panose="02020603050405020304"/>
-                <a:ea typeface="Times New Roman" panose="02020603050405020304"/>
-                <a:cs typeface="Times New Roman" panose="02020603050405020304"/>
-                <a:sym typeface="Times New Roman" panose="02020603050405020304"/>
-              </a:rPr>
-              <a:t>Implementation Plan</a:t>
-            </a:r>
-            <a:endParaRPr sz="5400" b="1">
+              <a:rPr lang="en-US" sz="3200"/>
+              <a:t>Technology and Tools</a:t>
+            </a:r>
+            <a:endParaRPr sz="4800" b="1">
               <a:solidFill>
                 <a:srgbClr val="0C0C0C"/>
               </a:solidFill>
@@ -11518,7 +13190,13 @@
       </p:sp>
       <p:sp>
         <p:nvSpPr>
-          <p:cNvPr id="77" name="Google Shape;77;p2"/>
+          <p:cNvPr id="69" name="Google Shape;69;p4">
+            <a:extLst>
+              <a:ext uri="{FF2B5EF4-FFF2-40B4-BE49-F238E27FC236}">
+                <a16:creationId xmlns:a16="http://schemas.microsoft.com/office/drawing/2014/main" id="{E622A596-01E8-4944-7330-D437385FD4E4}"/>
+              </a:ext>
+            </a:extLst>
+          </p:cNvPr>
           <p:cNvSpPr txBox="1">
             <a:spLocks noGrp="1"/>
           </p:cNvSpPr>
@@ -11545,7 +13223,7 @@
           </a:bodyPr>
           <a:lstStyle/>
           <a:p>
-            <a:pPr marL="457200" lvl="0" indent="-342900" algn="ctr" rtl="0">
+            <a:pPr marL="114300" lvl="0" indent="0" algn="just" rtl="0">
               <a:lnSpc>
                 <a:spcPct val="100000"/>
               </a:lnSpc>
@@ -11556,101 +13234,281 @@
                 <a:spcPts val="0"/>
               </a:spcAft>
               <a:buSzPts val="1800"/>
-              <a:buChar char="•"/>
-            </a:pPr>
-            <a:r>
-              <a:rPr lang="en-US">
+              <a:buNone/>
+            </a:pPr>
+            <a:r>
+              <a:rPr lang="en-IN" sz="1600" b="1" dirty="0">
                 <a:latin typeface="Times New Roman" panose="02020603050405020304"/>
                 <a:ea typeface="Times New Roman" panose="02020603050405020304"/>
                 <a:cs typeface="Times New Roman" panose="02020603050405020304"/>
                 <a:sym typeface="Times New Roman" panose="02020603050405020304"/>
               </a:rPr>
-              <a:t>Outline the steps required to implement your solution.</a:t>
-            </a:r>
-            <a:endParaRPr lang="en-US">
+              <a:t>3. Embedded Systems and Microcontrollers</a:t>
+            </a:r>
+          </a:p>
+          <a:p>
+            <a:pPr algn="just"/>
+            <a:r>
+              <a:rPr lang="en-IN" sz="1600" dirty="0">
+                <a:latin typeface="Times New Roman" panose="02020603050405020304"/>
+                <a:ea typeface="Times New Roman" panose="02020603050405020304"/>
+                <a:cs typeface="Times New Roman" panose="02020603050405020304"/>
+                <a:sym typeface="Times New Roman" panose="02020603050405020304"/>
+              </a:rPr>
+              <a:t>Microcontroller : Arduino Uno/Nano or ESP32 (for sensor integration and control logic).</a:t>
+            </a:r>
+          </a:p>
+          <a:p>
+            <a:pPr algn="just"/>
+            <a:r>
+              <a:rPr lang="en-IN" sz="1600" dirty="0">
+                <a:latin typeface="Times New Roman" panose="02020603050405020304"/>
+                <a:ea typeface="Times New Roman" panose="02020603050405020304"/>
+                <a:cs typeface="Times New Roman" panose="02020603050405020304"/>
+                <a:sym typeface="Times New Roman" panose="02020603050405020304"/>
+              </a:rPr>
+              <a:t>Raspberry Pi (for advanced processing like eye-tracking algorithms).</a:t>
+            </a:r>
+          </a:p>
+          <a:p>
+            <a:pPr algn="just"/>
+            <a:r>
+              <a:rPr lang="en-IN" sz="1600" dirty="0">
+                <a:latin typeface="Times New Roman" panose="02020603050405020304"/>
+                <a:ea typeface="Times New Roman" panose="02020603050405020304"/>
+                <a:cs typeface="Times New Roman" panose="02020603050405020304"/>
+                <a:sym typeface="Times New Roman" panose="02020603050405020304"/>
+              </a:rPr>
+              <a:t>Relay Module : To control car ignition circuits.</a:t>
+            </a:r>
+          </a:p>
+          <a:p>
+            <a:pPr marL="114300" lvl="0" indent="0" algn="just" rtl="0">
+              <a:lnSpc>
+                <a:spcPct val="100000"/>
+              </a:lnSpc>
+              <a:spcBef>
+                <a:spcPts val="360"/>
+              </a:spcBef>
+              <a:spcAft>
+                <a:spcPts val="0"/>
+              </a:spcAft>
+              <a:buSzPts val="1800"/>
+              <a:buNone/>
+            </a:pPr>
+            <a:r>
+              <a:rPr lang="en-IN" sz="1600" b="1" dirty="0">
+                <a:latin typeface="Times New Roman" panose="02020603050405020304"/>
+                <a:ea typeface="Times New Roman" panose="02020603050405020304"/>
+                <a:cs typeface="Times New Roman" panose="02020603050405020304"/>
+                <a:sym typeface="Times New Roman" panose="02020603050405020304"/>
+              </a:rPr>
+              <a:t>4. Communication Protocols</a:t>
+            </a:r>
+          </a:p>
+          <a:p>
+            <a:pPr algn="just"/>
+            <a:r>
+              <a:rPr lang="en-IN" sz="1600" dirty="0">
+                <a:latin typeface="Times New Roman" panose="02020603050405020304"/>
+                <a:ea typeface="Times New Roman" panose="02020603050405020304"/>
+                <a:cs typeface="Times New Roman" panose="02020603050405020304"/>
+                <a:sym typeface="Times New Roman" panose="02020603050405020304"/>
+              </a:rPr>
+              <a:t>Bluetooth or Wi-Fi (for transmitting data to the family’s mobile app).</a:t>
+            </a:r>
+          </a:p>
+          <a:p>
+            <a:pPr algn="just"/>
+            <a:r>
+              <a:rPr lang="en-IN" sz="1600" dirty="0">
+                <a:latin typeface="Times New Roman" panose="02020603050405020304"/>
+                <a:ea typeface="Times New Roman" panose="02020603050405020304"/>
+                <a:cs typeface="Times New Roman" panose="02020603050405020304"/>
+                <a:sym typeface="Times New Roman" panose="02020603050405020304"/>
+              </a:rPr>
+              <a:t>MQTT or HTTP (for cloud integration and notifications).</a:t>
+            </a:r>
+          </a:p>
+          <a:p>
+            <a:pPr marL="114300" lvl="0" indent="0" algn="just" rtl="0">
+              <a:lnSpc>
+                <a:spcPct val="100000"/>
+              </a:lnSpc>
+              <a:spcBef>
+                <a:spcPts val="360"/>
+              </a:spcBef>
+              <a:spcAft>
+                <a:spcPts val="0"/>
+              </a:spcAft>
+              <a:buSzPts val="1800"/>
+              <a:buNone/>
+            </a:pPr>
+            <a:r>
+              <a:rPr lang="en-IN" sz="1600" b="1" dirty="0">
+                <a:latin typeface="Times New Roman" panose="02020603050405020304"/>
+                <a:ea typeface="Times New Roman" panose="02020603050405020304"/>
+                <a:cs typeface="Times New Roman" panose="02020603050405020304"/>
+                <a:sym typeface="Times New Roman" panose="02020603050405020304"/>
+              </a:rPr>
+              <a:t>5. Siren/Alert System</a:t>
+            </a:r>
+          </a:p>
+          <a:p>
+            <a:pPr algn="just"/>
+            <a:r>
+              <a:rPr lang="en-IN" sz="1600" dirty="0">
+                <a:latin typeface="Times New Roman" panose="02020603050405020304"/>
+                <a:ea typeface="Times New Roman" panose="02020603050405020304"/>
+                <a:cs typeface="Times New Roman" panose="02020603050405020304"/>
+                <a:sym typeface="Times New Roman" panose="02020603050405020304"/>
+              </a:rPr>
+              <a:t>Buzzer or Siren Module : to generate audio alerts inside the vehicle.</a:t>
+            </a:r>
+          </a:p>
+          <a:p>
+            <a:pPr algn="just"/>
+            <a:r>
+              <a:rPr lang="en-IN" sz="1600" dirty="0">
+                <a:latin typeface="Times New Roman" panose="02020603050405020304"/>
+                <a:ea typeface="Times New Roman" panose="02020603050405020304"/>
+                <a:cs typeface="Times New Roman" panose="02020603050405020304"/>
+                <a:sym typeface="Times New Roman" panose="02020603050405020304"/>
+              </a:rPr>
+              <a:t>SMS/Email API Integration (e.g., Twilio, IFTTT) to notify family members.</a:t>
+            </a:r>
+          </a:p>
+          <a:p>
+            <a:pPr marL="114300" lvl="0" indent="0" algn="just" rtl="0">
+              <a:lnSpc>
+                <a:spcPct val="100000"/>
+              </a:lnSpc>
+              <a:spcBef>
+                <a:spcPts val="360"/>
+              </a:spcBef>
+              <a:spcAft>
+                <a:spcPts val="0"/>
+              </a:spcAft>
+              <a:buSzPts val="1800"/>
+              <a:buNone/>
+            </a:pPr>
+            <a:r>
+              <a:rPr lang="en-IN" sz="1600" b="1" dirty="0">
+                <a:latin typeface="Times New Roman" panose="02020603050405020304"/>
+                <a:ea typeface="Times New Roman" panose="02020603050405020304"/>
+                <a:cs typeface="Times New Roman" panose="02020603050405020304"/>
+                <a:sym typeface="Times New Roman" panose="02020603050405020304"/>
+              </a:rPr>
+              <a:t>6. Additional Tools</a:t>
+            </a:r>
+          </a:p>
+          <a:p>
+            <a:pPr marL="114300" lvl="0" indent="0" algn="just" rtl="0">
+              <a:lnSpc>
+                <a:spcPct val="100000"/>
+              </a:lnSpc>
+              <a:spcBef>
+                <a:spcPts val="360"/>
+              </a:spcBef>
+              <a:spcAft>
+                <a:spcPts val="0"/>
+              </a:spcAft>
+              <a:buSzPts val="1800"/>
+              <a:buNone/>
+            </a:pPr>
+            <a:r>
+              <a:rPr lang="en-IN" sz="1600" dirty="0">
+                <a:latin typeface="Times New Roman" panose="02020603050405020304"/>
+                <a:ea typeface="Times New Roman" panose="02020603050405020304"/>
+                <a:cs typeface="Times New Roman" panose="02020603050405020304"/>
+                <a:sym typeface="Times New Roman" panose="02020603050405020304"/>
+              </a:rPr>
+              <a:t>Power Supply:</a:t>
+            </a:r>
+          </a:p>
+          <a:p>
+            <a:pPr algn="just"/>
+            <a:r>
+              <a:rPr lang="en-IN" sz="1600" dirty="0">
+                <a:latin typeface="Times New Roman" panose="02020603050405020304"/>
+                <a:ea typeface="Times New Roman" panose="02020603050405020304"/>
+                <a:cs typeface="Times New Roman" panose="02020603050405020304"/>
+                <a:sym typeface="Times New Roman" panose="02020603050405020304"/>
+              </a:rPr>
+              <a:t>Battery module for powering sensors and microcontrollers.</a:t>
+            </a:r>
+          </a:p>
+          <a:p>
+            <a:pPr marL="114300" lvl="0" indent="0" algn="just" rtl="0">
+              <a:lnSpc>
+                <a:spcPct val="100000"/>
+              </a:lnSpc>
+              <a:spcBef>
+                <a:spcPts val="360"/>
+              </a:spcBef>
+              <a:spcAft>
+                <a:spcPts val="0"/>
+              </a:spcAft>
+              <a:buSzPts val="1800"/>
+              <a:buNone/>
+            </a:pPr>
+            <a:r>
+              <a:rPr lang="en-IN" sz="1600" dirty="0">
+                <a:latin typeface="Times New Roman" panose="02020603050405020304"/>
+                <a:ea typeface="Times New Roman" panose="02020603050405020304"/>
+                <a:cs typeface="Times New Roman" panose="02020603050405020304"/>
+                <a:sym typeface="Times New Roman" panose="02020603050405020304"/>
+              </a:rPr>
+              <a:t>Debugging Tools:</a:t>
+            </a:r>
+          </a:p>
+          <a:p>
+            <a:pPr algn="just"/>
+            <a:r>
+              <a:rPr lang="en-IN" sz="1600" dirty="0">
+                <a:latin typeface="Times New Roman" panose="02020603050405020304"/>
+                <a:ea typeface="Times New Roman" panose="02020603050405020304"/>
+                <a:cs typeface="Times New Roman" panose="02020603050405020304"/>
+                <a:sym typeface="Times New Roman" panose="02020603050405020304"/>
+              </a:rPr>
+              <a:t>Serial Monitor (Arduino IDE) or Logic </a:t>
+            </a:r>
+            <a:r>
+              <a:rPr lang="en-IN" sz="1600" dirty="0" err="1">
+                <a:latin typeface="Times New Roman" panose="02020603050405020304"/>
+                <a:ea typeface="Times New Roman" panose="02020603050405020304"/>
+                <a:cs typeface="Times New Roman" panose="02020603050405020304"/>
+                <a:sym typeface="Times New Roman" panose="02020603050405020304"/>
+              </a:rPr>
+              <a:t>Analyzers</a:t>
+            </a:r>
+            <a:r>
+              <a:rPr lang="en-IN" sz="1600" dirty="0">
+                <a:latin typeface="Times New Roman" panose="02020603050405020304"/>
+                <a:ea typeface="Times New Roman" panose="02020603050405020304"/>
+                <a:cs typeface="Times New Roman" panose="02020603050405020304"/>
+                <a:sym typeface="Times New Roman" panose="02020603050405020304"/>
+              </a:rPr>
+              <a:t>.</a:t>
+            </a:r>
+            <a:endParaRPr sz="1600" dirty="0">
               <a:latin typeface="Times New Roman" panose="02020603050405020304"/>
               <a:ea typeface="Times New Roman" panose="02020603050405020304"/>
               <a:cs typeface="Times New Roman" panose="02020603050405020304"/>
               <a:sym typeface="Times New Roman" panose="02020603050405020304"/>
             </a:endParaRPr>
           </a:p>
-          <a:p>
-            <a:pPr marL="457200" lvl="0" indent="-342900" algn="ctr" rtl="0">
-              <a:lnSpc>
-                <a:spcPct val="100000"/>
-              </a:lnSpc>
-              <a:spcBef>
-                <a:spcPts val="360"/>
-              </a:spcBef>
-              <a:spcAft>
-                <a:spcPts val="0"/>
-              </a:spcAft>
-              <a:buSzPts val="1800"/>
-              <a:buChar char="•"/>
-            </a:pPr>
-            <a:r>
-              <a:rPr lang="en-US">
-                <a:latin typeface="Times New Roman" panose="02020603050405020304"/>
-                <a:ea typeface="Times New Roman" panose="02020603050405020304"/>
-                <a:cs typeface="Times New Roman" panose="02020603050405020304"/>
-                <a:sym typeface="Times New Roman" panose="02020603050405020304"/>
-              </a:rPr>
-              <a:t>Provide on which level project is to be implemented</a:t>
-            </a:r>
-            <a:endParaRPr lang="en-US">
-              <a:latin typeface="Times New Roman" panose="02020603050405020304"/>
-              <a:ea typeface="Times New Roman" panose="02020603050405020304"/>
-              <a:cs typeface="Times New Roman" panose="02020603050405020304"/>
-              <a:sym typeface="Times New Roman" panose="02020603050405020304"/>
-            </a:endParaRPr>
-          </a:p>
-          <a:p>
-            <a:pPr marL="114300" lvl="0" indent="0" algn="ctr" rtl="0">
-              <a:lnSpc>
-                <a:spcPct val="100000"/>
-              </a:lnSpc>
-              <a:spcBef>
-                <a:spcPts val="360"/>
-              </a:spcBef>
-              <a:spcAft>
-                <a:spcPts val="0"/>
-              </a:spcAft>
-              <a:buSzPts val="1800"/>
-              <a:buNone/>
-            </a:pPr>
-            <a:endParaRPr>
-              <a:latin typeface="Times New Roman" panose="02020603050405020304"/>
-              <a:ea typeface="Times New Roman" panose="02020603050405020304"/>
-              <a:cs typeface="Times New Roman" panose="02020603050405020304"/>
-              <a:sym typeface="Times New Roman" panose="02020603050405020304"/>
-            </a:endParaRPr>
-          </a:p>
-          <a:p>
-            <a:pPr marL="114300" lvl="0" indent="0" algn="ctr" rtl="0">
-              <a:lnSpc>
-                <a:spcPct val="100000"/>
-              </a:lnSpc>
-              <a:spcBef>
-                <a:spcPts val="360"/>
-              </a:spcBef>
-              <a:spcAft>
-                <a:spcPts val="0"/>
-              </a:spcAft>
-              <a:buSzPts val="1800"/>
-              <a:buNone/>
-            </a:pPr>
-            <a:endParaRPr>
-              <a:latin typeface="Times New Roman" panose="02020603050405020304"/>
-              <a:ea typeface="Times New Roman" panose="02020603050405020304"/>
-              <a:cs typeface="Times New Roman" panose="02020603050405020304"/>
-              <a:sym typeface="Times New Roman" panose="02020603050405020304"/>
-            </a:endParaRPr>
-          </a:p>
         </p:txBody>
       </p:sp>
       <p:sp>
         <p:nvSpPr>
-          <p:cNvPr id="78" name="Google Shape;78;p2"/>
+          <p:cNvPr id="70" name="Google Shape;70;p4">
+            <a:extLst>
+              <a:ext uri="{FF2B5EF4-FFF2-40B4-BE49-F238E27FC236}">
+                <a16:creationId xmlns:a16="http://schemas.microsoft.com/office/drawing/2014/main" id="{B8704291-BCD7-4374-3C07-9E5A2005D776}"/>
+              </a:ext>
+            </a:extLst>
+          </p:cNvPr>
           <p:cNvSpPr txBox="1">
             <a:spLocks noGrp="1"/>
           </p:cNvSpPr>
@@ -11692,6 +13550,7 @@
             </a:pPr>
             <a:fld id="{00000000-1234-1234-1234-123412341234}" type="slidenum">
               <a:rPr lang="en-US"/>
+              <a:t>9</a:t>
             </a:fld>
             <a:endParaRPr lang="en-US"/>
           </a:p>
@@ -11699,12 +13558,18 @@
       </p:sp>
       <p:pic>
         <p:nvPicPr>
-          <p:cNvPr id="79" name="Google Shape;79;p2"/>
+          <p:cNvPr id="71" name="Google Shape;71;p4">
+            <a:extLst>
+              <a:ext uri="{FF2B5EF4-FFF2-40B4-BE49-F238E27FC236}">
+                <a16:creationId xmlns:a16="http://schemas.microsoft.com/office/drawing/2014/main" id="{9DE26814-C478-297E-7D10-5EB0C6403785}"/>
+              </a:ext>
+            </a:extLst>
+          </p:cNvPr>
           <p:cNvPicPr preferRelativeResize="0"/>
           <p:nvPr/>
         </p:nvPicPr>
         <p:blipFill rotWithShape="1">
-          <a:blip r:embed="rId1"/>
+          <a:blip r:embed="rId3"/>
           <a:srcRect/>
           <a:stretch>
             <a:fillRect/>
@@ -11725,6 +13590,11 @@
         </p:spPr>
       </p:pic>
     </p:spTree>
+    <p:extLst>
+      <p:ext uri="{BB962C8B-B14F-4D97-AF65-F5344CB8AC3E}">
+        <p14:creationId xmlns:p14="http://schemas.microsoft.com/office/powerpoint/2010/main" val="2254826490"/>
+      </p:ext>
+    </p:extLst>
   </p:cSld>
   <p:clrMapOvr>
     <a:masterClrMapping/>
@@ -12008,6 +13878,8 @@
       </a:bgFillStyleLst>
     </a:fmtScheme>
   </a:themeElements>
+  <a:objectDefaults/>
+  <a:extraClrSchemeLst/>
   <a:extLst>
     <a:ext uri="{05A4C25C-085E-4340-85A3-A5531E510DB2}">
       <thm15:themeFamily xmlns:thm15="http://schemas.microsoft.com/office/thememl/2012/main" name="Office Theme" id="{62F939B6-93AF-4DB8-9C6B-D6C7DFDC589F}" vid="{4A3C46E8-61CC-4603-A589-7422A47A8E4A}"/>
@@ -12292,6 +14164,8 @@
       </a:bgFillStyleLst>
     </a:fmtScheme>
   </a:themeElements>
+  <a:objectDefaults/>
+  <a:extraClrSchemeLst/>
   <a:extLst>
     <a:ext uri="{05A4C25C-085E-4340-85A3-A5531E510DB2}">
       <thm15:themeFamily xmlns:thm15="http://schemas.microsoft.com/office/thememl/2012/main" name="Office Theme" id="{62F939B6-93AF-4DB8-9C6B-D6C7DFDC589F}" vid="{4A3C46E8-61CC-4603-A589-7422A47A8E4A}"/>
